--- a/ipsj/figure/SendReceive.pptx
+++ b/ipsj/figure/SendReceive.pptx
@@ -2,7 +2,7 @@
 <file path=ppt/presentation.xml><?xml version="1.0" encoding="utf-8"?>
 <p:presentation xmlns:a="http://schemas.openxmlformats.org/drawingml/2006/main" xmlns:r="http://schemas.openxmlformats.org/officeDocument/2006/relationships" xmlns:p="http://schemas.openxmlformats.org/presentationml/2006/main" saveSubsetFonts="1">
   <p:sldMasterIdLst>
-    <p:sldMasterId id="2147483648" r:id="rId1"/>
+    <p:sldMasterId id="2147483660" r:id="rId1"/>
   </p:sldMasterIdLst>
   <p:notesMasterIdLst>
     <p:notesMasterId r:id="rId3"/>
@@ -10,14 +10,14 @@
   <p:sldIdLst>
     <p:sldId id="259" r:id="rId2"/>
   </p:sldIdLst>
-  <p:sldSz cx="12192000" cy="6858000"/>
+  <p:sldSz cx="12192000" cy="5040313"/>
   <p:notesSz cx="6451600" cy="9321800"/>
   <p:defaultTextStyle>
     <a:defPPr>
-      <a:defRPr lang="ja-JP"/>
+      <a:defRPr lang="en-US"/>
     </a:defPPr>
-    <a:lvl1pPr marL="0" algn="l" defTabSz="914400" rtl="0" eaLnBrk="1" latinLnBrk="0" hangingPunct="1">
-      <a:defRPr kumimoji="1" sz="1800" kern="1200">
+    <a:lvl1pPr marL="0" algn="l" defTabSz="457200" rtl="0" eaLnBrk="1" latinLnBrk="0" hangingPunct="1">
+      <a:defRPr sz="1800" kern="1200">
         <a:solidFill>
           <a:schemeClr val="tx1"/>
         </a:solidFill>
@@ -26,8 +26,8 @@
         <a:cs typeface="+mn-cs"/>
       </a:defRPr>
     </a:lvl1pPr>
-    <a:lvl2pPr marL="457200" algn="l" defTabSz="914400" rtl="0" eaLnBrk="1" latinLnBrk="0" hangingPunct="1">
-      <a:defRPr kumimoji="1" sz="1800" kern="1200">
+    <a:lvl2pPr marL="457200" algn="l" defTabSz="457200" rtl="0" eaLnBrk="1" latinLnBrk="0" hangingPunct="1">
+      <a:defRPr sz="1800" kern="1200">
         <a:solidFill>
           <a:schemeClr val="tx1"/>
         </a:solidFill>
@@ -36,8 +36,8 @@
         <a:cs typeface="+mn-cs"/>
       </a:defRPr>
     </a:lvl2pPr>
-    <a:lvl3pPr marL="914400" algn="l" defTabSz="914400" rtl="0" eaLnBrk="1" latinLnBrk="0" hangingPunct="1">
-      <a:defRPr kumimoji="1" sz="1800" kern="1200">
+    <a:lvl3pPr marL="914400" algn="l" defTabSz="457200" rtl="0" eaLnBrk="1" latinLnBrk="0" hangingPunct="1">
+      <a:defRPr sz="1800" kern="1200">
         <a:solidFill>
           <a:schemeClr val="tx1"/>
         </a:solidFill>
@@ -46,8 +46,8 @@
         <a:cs typeface="+mn-cs"/>
       </a:defRPr>
     </a:lvl3pPr>
-    <a:lvl4pPr marL="1371600" algn="l" defTabSz="914400" rtl="0" eaLnBrk="1" latinLnBrk="0" hangingPunct="1">
-      <a:defRPr kumimoji="1" sz="1800" kern="1200">
+    <a:lvl4pPr marL="1371600" algn="l" defTabSz="457200" rtl="0" eaLnBrk="1" latinLnBrk="0" hangingPunct="1">
+      <a:defRPr sz="1800" kern="1200">
         <a:solidFill>
           <a:schemeClr val="tx1"/>
         </a:solidFill>
@@ -56,8 +56,8 @@
         <a:cs typeface="+mn-cs"/>
       </a:defRPr>
     </a:lvl4pPr>
-    <a:lvl5pPr marL="1828800" algn="l" defTabSz="914400" rtl="0" eaLnBrk="1" latinLnBrk="0" hangingPunct="1">
-      <a:defRPr kumimoji="1" sz="1800" kern="1200">
+    <a:lvl5pPr marL="1828800" algn="l" defTabSz="457200" rtl="0" eaLnBrk="1" latinLnBrk="0" hangingPunct="1">
+      <a:defRPr sz="1800" kern="1200">
         <a:solidFill>
           <a:schemeClr val="tx1"/>
         </a:solidFill>
@@ -66,8 +66,8 @@
         <a:cs typeface="+mn-cs"/>
       </a:defRPr>
     </a:lvl5pPr>
-    <a:lvl6pPr marL="2286000" algn="l" defTabSz="914400" rtl="0" eaLnBrk="1" latinLnBrk="0" hangingPunct="1">
-      <a:defRPr kumimoji="1" sz="1800" kern="1200">
+    <a:lvl6pPr marL="2286000" algn="l" defTabSz="457200" rtl="0" eaLnBrk="1" latinLnBrk="0" hangingPunct="1">
+      <a:defRPr sz="1800" kern="1200">
         <a:solidFill>
           <a:schemeClr val="tx1"/>
         </a:solidFill>
@@ -76,8 +76,8 @@
         <a:cs typeface="+mn-cs"/>
       </a:defRPr>
     </a:lvl6pPr>
-    <a:lvl7pPr marL="2743200" algn="l" defTabSz="914400" rtl="0" eaLnBrk="1" latinLnBrk="0" hangingPunct="1">
-      <a:defRPr kumimoji="1" sz="1800" kern="1200">
+    <a:lvl7pPr marL="2743200" algn="l" defTabSz="457200" rtl="0" eaLnBrk="1" latinLnBrk="0" hangingPunct="1">
+      <a:defRPr sz="1800" kern="1200">
         <a:solidFill>
           <a:schemeClr val="tx1"/>
         </a:solidFill>
@@ -86,8 +86,8 @@
         <a:cs typeface="+mn-cs"/>
       </a:defRPr>
     </a:lvl7pPr>
-    <a:lvl8pPr marL="3200400" algn="l" defTabSz="914400" rtl="0" eaLnBrk="1" latinLnBrk="0" hangingPunct="1">
-      <a:defRPr kumimoji="1" sz="1800" kern="1200">
+    <a:lvl8pPr marL="3200400" algn="l" defTabSz="457200" rtl="0" eaLnBrk="1" latinLnBrk="0" hangingPunct="1">
+      <a:defRPr sz="1800" kern="1200">
         <a:solidFill>
           <a:schemeClr val="tx1"/>
         </a:solidFill>
@@ -96,8 +96,8 @@
         <a:cs typeface="+mn-cs"/>
       </a:defRPr>
     </a:lvl8pPr>
-    <a:lvl9pPr marL="3657600" algn="l" defTabSz="914400" rtl="0" eaLnBrk="1" latinLnBrk="0" hangingPunct="1">
-      <a:defRPr kumimoji="1" sz="1800" kern="1200">
+    <a:lvl9pPr marL="3657600" algn="l" defTabSz="457200" rtl="0" eaLnBrk="1" latinLnBrk="0" hangingPunct="1">
+      <a:defRPr sz="1800" kern="1200">
         <a:solidFill>
           <a:schemeClr val="tx1"/>
         </a:solidFill>
@@ -197,7 +197,7 @@
           <a:p>
             <a:fld id="{00D06802-B8EF-4FD8-9511-F1F928CF3A55}" type="datetimeFigureOut">
               <a:rPr kumimoji="1" lang="ja-JP" altLang="en-US" smtClean="0"/>
-              <a:t>2017/2/7</a:t>
+              <a:t>2017/11/16</a:t>
             </a:fld>
             <a:endParaRPr kumimoji="1" lang="ja-JP" altLang="en-US"/>
           </a:p>
@@ -215,8 +215,8 @@
         </p:nvSpPr>
         <p:spPr>
           <a:xfrm>
-            <a:off x="430213" y="1165225"/>
-            <a:ext cx="5591175" cy="3146425"/>
+            <a:off x="-579438" y="1165225"/>
+            <a:ext cx="7610476" cy="3146425"/>
           </a:xfrm>
           <a:prstGeom prst="rect">
             <a:avLst/>
@@ -516,7 +516,7 @@
       </p:grpSpPr>
       <p:sp>
         <p:nvSpPr>
-          <p:cNvPr id="2" name="タイトル 1"/>
+          <p:cNvPr id="2" name="Title 1"/>
           <p:cNvSpPr>
             <a:spLocks noGrp="1"/>
           </p:cNvSpPr>
@@ -526,29 +526,29 @@
         </p:nvSpPr>
         <p:spPr>
           <a:xfrm>
-            <a:off x="1524000" y="1122364"/>
-            <a:ext cx="9144000" cy="2387600"/>
+            <a:off x="1524000" y="824885"/>
+            <a:ext cx="9144000" cy="1754776"/>
           </a:xfrm>
         </p:spPr>
         <p:txBody>
           <a:bodyPr anchor="b"/>
           <a:lstStyle>
             <a:lvl1pPr algn="ctr">
-              <a:defRPr sz="6000"/>
+              <a:defRPr sz="4410"/>
             </a:lvl1pPr>
           </a:lstStyle>
           <a:p>
             <a:r>
-              <a:rPr kumimoji="1" lang="ja-JP" altLang="en-US" smtClean="0"/>
+              <a:rPr lang="ja-JP" altLang="en-US" smtClean="0"/>
               <a:t>マスター タイトルの書式設定</a:t>
             </a:r>
-            <a:endParaRPr kumimoji="1" lang="ja-JP" altLang="en-US"/>
-          </a:p>
-        </p:txBody>
-      </p:sp>
-      <p:sp>
-        <p:nvSpPr>
-          <p:cNvPr id="3" name="サブタイトル 2"/>
+            <a:endParaRPr lang="en-US" dirty="0"/>
+          </a:p>
+        </p:txBody>
+      </p:sp>
+      <p:sp>
+        <p:nvSpPr>
+          <p:cNvPr id="3" name="Subtitle 2"/>
           <p:cNvSpPr>
             <a:spLocks noGrp="1"/>
           </p:cNvSpPr>
@@ -558,8 +558,8 @@
         </p:nvSpPr>
         <p:spPr>
           <a:xfrm>
-            <a:off x="1524000" y="3602039"/>
-            <a:ext cx="9144000" cy="1655762"/>
+            <a:off x="1524000" y="2647331"/>
+            <a:ext cx="9144000" cy="1216909"/>
           </a:xfrm>
         </p:spPr>
         <p:txBody>
@@ -567,53 +567,53 @@
           <a:lstStyle>
             <a:lvl1pPr marL="0" indent="0" algn="ctr">
               <a:buNone/>
-              <a:defRPr sz="2400"/>
+              <a:defRPr sz="1764"/>
             </a:lvl1pPr>
-            <a:lvl2pPr marL="457195" indent="0" algn="ctr">
+            <a:lvl2pPr marL="336042" indent="0" algn="ctr">
               <a:buNone/>
-              <a:defRPr sz="2000"/>
+              <a:defRPr sz="1470"/>
             </a:lvl2pPr>
-            <a:lvl3pPr marL="914392" indent="0" algn="ctr">
+            <a:lvl3pPr marL="672084" indent="0" algn="ctr">
               <a:buNone/>
-              <a:defRPr sz="1800"/>
+              <a:defRPr sz="1323"/>
             </a:lvl3pPr>
-            <a:lvl4pPr marL="1371588" indent="0" algn="ctr">
+            <a:lvl4pPr marL="1008126" indent="0" algn="ctr">
               <a:buNone/>
-              <a:defRPr sz="1600"/>
+              <a:defRPr sz="1176"/>
             </a:lvl4pPr>
-            <a:lvl5pPr marL="1828783" indent="0" algn="ctr">
+            <a:lvl5pPr marL="1344168" indent="0" algn="ctr">
               <a:buNone/>
-              <a:defRPr sz="1600"/>
+              <a:defRPr sz="1176"/>
             </a:lvl5pPr>
-            <a:lvl6pPr marL="2285980" indent="0" algn="ctr">
+            <a:lvl6pPr marL="1680210" indent="0" algn="ctr">
               <a:buNone/>
-              <a:defRPr sz="1600"/>
+              <a:defRPr sz="1176"/>
             </a:lvl6pPr>
-            <a:lvl7pPr marL="2743175" indent="0" algn="ctr">
+            <a:lvl7pPr marL="2016252" indent="0" algn="ctr">
               <a:buNone/>
-              <a:defRPr sz="1600"/>
+              <a:defRPr sz="1176"/>
             </a:lvl7pPr>
-            <a:lvl8pPr marL="3200372" indent="0" algn="ctr">
+            <a:lvl8pPr marL="2352294" indent="0" algn="ctr">
               <a:buNone/>
-              <a:defRPr sz="1600"/>
+              <a:defRPr sz="1176"/>
             </a:lvl8pPr>
-            <a:lvl9pPr marL="3657567" indent="0" algn="ctr">
+            <a:lvl9pPr marL="2688336" indent="0" algn="ctr">
               <a:buNone/>
-              <a:defRPr sz="1600"/>
+              <a:defRPr sz="1176"/>
             </a:lvl9pPr>
           </a:lstStyle>
           <a:p>
             <a:r>
-              <a:rPr kumimoji="1" lang="ja-JP" altLang="en-US" smtClean="0"/>
+              <a:rPr lang="ja-JP" altLang="en-US" smtClean="0"/>
               <a:t>マスター サブタイトルの書式設定</a:t>
             </a:r>
-            <a:endParaRPr kumimoji="1" lang="ja-JP" altLang="en-US"/>
-          </a:p>
-        </p:txBody>
-      </p:sp>
-      <p:sp>
-        <p:nvSpPr>
-          <p:cNvPr id="4" name="日付プレースホルダー 3"/>
+            <a:endParaRPr lang="en-US" dirty="0"/>
+          </a:p>
+        </p:txBody>
+      </p:sp>
+      <p:sp>
+        <p:nvSpPr>
+          <p:cNvPr id="4" name="Date Placeholder 3"/>
           <p:cNvSpPr>
             <a:spLocks noGrp="1"/>
           </p:cNvSpPr>
@@ -628,7 +628,7 @@
           <a:p>
             <a:fld id="{AA641DB4-C951-4763-94FC-F650C3AA7E65}" type="datetimeFigureOut">
               <a:rPr kumimoji="1" lang="ja-JP" altLang="en-US" smtClean="0"/>
-              <a:t>2017/2/7</a:t>
+              <a:t>2017/11/16</a:t>
             </a:fld>
             <a:endParaRPr kumimoji="1" lang="ja-JP" altLang="en-US"/>
           </a:p>
@@ -636,7 +636,7 @@
       </p:sp>
       <p:sp>
         <p:nvSpPr>
-          <p:cNvPr id="5" name="フッター プレースホルダー 4"/>
+          <p:cNvPr id="5" name="Footer Placeholder 4"/>
           <p:cNvSpPr>
             <a:spLocks noGrp="1"/>
           </p:cNvSpPr>
@@ -655,7 +655,7 @@
       </p:sp>
       <p:sp>
         <p:nvSpPr>
-          <p:cNvPr id="6" name="スライド番号プレースホルダー 5"/>
+          <p:cNvPr id="6" name="Slide Number Placeholder 5"/>
           <p:cNvSpPr>
             <a:spLocks noGrp="1"/>
           </p:cNvSpPr>
@@ -679,7 +679,7 @@
     </p:spTree>
     <p:extLst>
       <p:ext uri="{BB962C8B-B14F-4D97-AF65-F5344CB8AC3E}">
-        <p14:creationId xmlns:p14="http://schemas.microsoft.com/office/powerpoint/2010/main" val="3805800358"/>
+        <p14:creationId xmlns:p14="http://schemas.microsoft.com/office/powerpoint/2010/main" val="1912382036"/>
       </p:ext>
     </p:extLst>
   </p:cSld>
@@ -708,7 +708,7 @@
       </p:grpSpPr>
       <p:sp>
         <p:nvSpPr>
-          <p:cNvPr id="2" name="タイトル 1"/>
+          <p:cNvPr id="2" name="Title 1"/>
           <p:cNvSpPr>
             <a:spLocks noGrp="1"/>
           </p:cNvSpPr>
@@ -722,16 +722,16 @@
           <a:lstStyle/>
           <a:p>
             <a:r>
-              <a:rPr kumimoji="1" lang="ja-JP" altLang="en-US" smtClean="0"/>
+              <a:rPr lang="ja-JP" altLang="en-US" smtClean="0"/>
               <a:t>マスター タイトルの書式設定</a:t>
             </a:r>
-            <a:endParaRPr kumimoji="1" lang="ja-JP" altLang="en-US"/>
-          </a:p>
-        </p:txBody>
-      </p:sp>
-      <p:sp>
-        <p:nvSpPr>
-          <p:cNvPr id="3" name="縦書きテキスト プレースホルダー 2"/>
+            <a:endParaRPr lang="en-US" dirty="0"/>
+          </a:p>
+        </p:txBody>
+      </p:sp>
+      <p:sp>
+        <p:nvSpPr>
+          <p:cNvPr id="3" name="Vertical Text Placeholder 2"/>
           <p:cNvSpPr>
             <a:spLocks noGrp="1"/>
           </p:cNvSpPr>
@@ -746,76 +746,76 @@
           <a:p>
             <a:pPr lvl="0"/>
             <a:r>
-              <a:rPr kumimoji="1" lang="ja-JP" altLang="en-US" smtClean="0"/>
+              <a:rPr lang="ja-JP" altLang="en-US" smtClean="0"/>
               <a:t>マスター テキストの書式設定</a:t>
             </a:r>
           </a:p>
           <a:p>
             <a:pPr lvl="1"/>
             <a:r>
-              <a:rPr kumimoji="1" lang="ja-JP" altLang="en-US" smtClean="0"/>
+              <a:rPr lang="ja-JP" altLang="en-US" smtClean="0"/>
               <a:t>第 </a:t>
             </a:r>
             <a:r>
-              <a:rPr kumimoji="1" lang="en-US" altLang="ja-JP" smtClean="0"/>
+              <a:rPr lang="en-US" altLang="ja-JP" smtClean="0"/>
               <a:t>2 </a:t>
             </a:r>
             <a:r>
-              <a:rPr kumimoji="1" lang="ja-JP" altLang="en-US" smtClean="0"/>
+              <a:rPr lang="ja-JP" altLang="en-US" smtClean="0"/>
               <a:t>レベル</a:t>
             </a:r>
           </a:p>
           <a:p>
             <a:pPr lvl="2"/>
             <a:r>
-              <a:rPr kumimoji="1" lang="ja-JP" altLang="en-US" smtClean="0"/>
+              <a:rPr lang="ja-JP" altLang="en-US" smtClean="0"/>
               <a:t>第 </a:t>
             </a:r>
             <a:r>
-              <a:rPr kumimoji="1" lang="en-US" altLang="ja-JP" smtClean="0"/>
+              <a:rPr lang="en-US" altLang="ja-JP" smtClean="0"/>
               <a:t>3 </a:t>
             </a:r>
             <a:r>
-              <a:rPr kumimoji="1" lang="ja-JP" altLang="en-US" smtClean="0"/>
+              <a:rPr lang="ja-JP" altLang="en-US" smtClean="0"/>
               <a:t>レベル</a:t>
             </a:r>
           </a:p>
           <a:p>
             <a:pPr lvl="3"/>
             <a:r>
-              <a:rPr kumimoji="1" lang="ja-JP" altLang="en-US" smtClean="0"/>
+              <a:rPr lang="ja-JP" altLang="en-US" smtClean="0"/>
               <a:t>第 </a:t>
             </a:r>
             <a:r>
-              <a:rPr kumimoji="1" lang="en-US" altLang="ja-JP" smtClean="0"/>
+              <a:rPr lang="en-US" altLang="ja-JP" smtClean="0"/>
               <a:t>4 </a:t>
             </a:r>
             <a:r>
-              <a:rPr kumimoji="1" lang="ja-JP" altLang="en-US" smtClean="0"/>
+              <a:rPr lang="ja-JP" altLang="en-US" smtClean="0"/>
               <a:t>レベル</a:t>
             </a:r>
           </a:p>
           <a:p>
             <a:pPr lvl="4"/>
             <a:r>
-              <a:rPr kumimoji="1" lang="ja-JP" altLang="en-US" smtClean="0"/>
+              <a:rPr lang="ja-JP" altLang="en-US" smtClean="0"/>
               <a:t>第 </a:t>
             </a:r>
             <a:r>
-              <a:rPr kumimoji="1" lang="en-US" altLang="ja-JP" smtClean="0"/>
+              <a:rPr lang="en-US" altLang="ja-JP" smtClean="0"/>
               <a:t>5 </a:t>
             </a:r>
             <a:r>
-              <a:rPr kumimoji="1" lang="ja-JP" altLang="en-US" smtClean="0"/>
+              <a:rPr lang="ja-JP" altLang="en-US" smtClean="0"/>
               <a:t>レベル</a:t>
             </a:r>
-            <a:endParaRPr kumimoji="1" lang="ja-JP" altLang="en-US"/>
-          </a:p>
-        </p:txBody>
-      </p:sp>
-      <p:sp>
-        <p:nvSpPr>
-          <p:cNvPr id="4" name="日付プレースホルダー 3"/>
+            <a:endParaRPr lang="en-US" dirty="0"/>
+          </a:p>
+        </p:txBody>
+      </p:sp>
+      <p:sp>
+        <p:nvSpPr>
+          <p:cNvPr id="4" name="Date Placeholder 3"/>
           <p:cNvSpPr>
             <a:spLocks noGrp="1"/>
           </p:cNvSpPr>
@@ -830,7 +830,7 @@
           <a:p>
             <a:fld id="{AA641DB4-C951-4763-94FC-F650C3AA7E65}" type="datetimeFigureOut">
               <a:rPr kumimoji="1" lang="ja-JP" altLang="en-US" smtClean="0"/>
-              <a:t>2017/2/7</a:t>
+              <a:t>2017/11/16</a:t>
             </a:fld>
             <a:endParaRPr kumimoji="1" lang="ja-JP" altLang="en-US"/>
           </a:p>
@@ -838,7 +838,7 @@
       </p:sp>
       <p:sp>
         <p:nvSpPr>
-          <p:cNvPr id="5" name="フッター プレースホルダー 4"/>
+          <p:cNvPr id="5" name="Footer Placeholder 4"/>
           <p:cNvSpPr>
             <a:spLocks noGrp="1"/>
           </p:cNvSpPr>
@@ -857,7 +857,7 @@
       </p:sp>
       <p:sp>
         <p:nvSpPr>
-          <p:cNvPr id="6" name="スライド番号プレースホルダー 5"/>
+          <p:cNvPr id="6" name="Slide Number Placeholder 5"/>
           <p:cNvSpPr>
             <a:spLocks noGrp="1"/>
           </p:cNvSpPr>
@@ -881,7 +881,7 @@
     </p:spTree>
     <p:extLst>
       <p:ext uri="{BB962C8B-B14F-4D97-AF65-F5344CB8AC3E}">
-        <p14:creationId xmlns:p14="http://schemas.microsoft.com/office/powerpoint/2010/main" val="2010152497"/>
+        <p14:creationId xmlns:p14="http://schemas.microsoft.com/office/powerpoint/2010/main" val="3690127211"/>
       </p:ext>
     </p:extLst>
   </p:cSld>
@@ -910,7 +910,7 @@
       </p:grpSpPr>
       <p:sp>
         <p:nvSpPr>
-          <p:cNvPr id="2" name="縦書きタイトル 1"/>
+          <p:cNvPr id="2" name="Vertical Title 1"/>
           <p:cNvSpPr>
             <a:spLocks noGrp="1"/>
           </p:cNvSpPr>
@@ -920,8 +920,8 @@
         </p:nvSpPr>
         <p:spPr>
           <a:xfrm>
-            <a:off x="8724900" y="365126"/>
-            <a:ext cx="2628900" cy="5811838"/>
+            <a:off x="8724900" y="268350"/>
+            <a:ext cx="2628900" cy="4271432"/>
           </a:xfrm>
         </p:spPr>
         <p:txBody>
@@ -929,16 +929,16 @@
           <a:lstStyle/>
           <a:p>
             <a:r>
-              <a:rPr kumimoji="1" lang="ja-JP" altLang="en-US" smtClean="0"/>
+              <a:rPr lang="ja-JP" altLang="en-US" smtClean="0"/>
               <a:t>マスター タイトルの書式設定</a:t>
             </a:r>
-            <a:endParaRPr kumimoji="1" lang="ja-JP" altLang="en-US"/>
-          </a:p>
-        </p:txBody>
-      </p:sp>
-      <p:sp>
-        <p:nvSpPr>
-          <p:cNvPr id="3" name="縦書きテキスト プレースホルダー 2"/>
+            <a:endParaRPr lang="en-US" dirty="0"/>
+          </a:p>
+        </p:txBody>
+      </p:sp>
+      <p:sp>
+        <p:nvSpPr>
+          <p:cNvPr id="3" name="Vertical Text Placeholder 2"/>
           <p:cNvSpPr>
             <a:spLocks noGrp="1"/>
           </p:cNvSpPr>
@@ -948,8 +948,8 @@
         </p:nvSpPr>
         <p:spPr>
           <a:xfrm>
-            <a:off x="838200" y="365126"/>
-            <a:ext cx="7734300" cy="5811838"/>
+            <a:off x="838200" y="268350"/>
+            <a:ext cx="7734300" cy="4271432"/>
           </a:xfrm>
         </p:spPr>
         <p:txBody>
@@ -958,76 +958,76 @@
           <a:p>
             <a:pPr lvl="0"/>
             <a:r>
-              <a:rPr kumimoji="1" lang="ja-JP" altLang="en-US" smtClean="0"/>
+              <a:rPr lang="ja-JP" altLang="en-US" smtClean="0"/>
               <a:t>マスター テキストの書式設定</a:t>
             </a:r>
           </a:p>
           <a:p>
             <a:pPr lvl="1"/>
             <a:r>
-              <a:rPr kumimoji="1" lang="ja-JP" altLang="en-US" smtClean="0"/>
+              <a:rPr lang="ja-JP" altLang="en-US" smtClean="0"/>
               <a:t>第 </a:t>
             </a:r>
             <a:r>
-              <a:rPr kumimoji="1" lang="en-US" altLang="ja-JP" smtClean="0"/>
+              <a:rPr lang="en-US" altLang="ja-JP" smtClean="0"/>
               <a:t>2 </a:t>
             </a:r>
             <a:r>
-              <a:rPr kumimoji="1" lang="ja-JP" altLang="en-US" smtClean="0"/>
+              <a:rPr lang="ja-JP" altLang="en-US" smtClean="0"/>
               <a:t>レベル</a:t>
             </a:r>
           </a:p>
           <a:p>
             <a:pPr lvl="2"/>
             <a:r>
-              <a:rPr kumimoji="1" lang="ja-JP" altLang="en-US" smtClean="0"/>
+              <a:rPr lang="ja-JP" altLang="en-US" smtClean="0"/>
               <a:t>第 </a:t>
             </a:r>
             <a:r>
-              <a:rPr kumimoji="1" lang="en-US" altLang="ja-JP" smtClean="0"/>
+              <a:rPr lang="en-US" altLang="ja-JP" smtClean="0"/>
               <a:t>3 </a:t>
             </a:r>
             <a:r>
-              <a:rPr kumimoji="1" lang="ja-JP" altLang="en-US" smtClean="0"/>
+              <a:rPr lang="ja-JP" altLang="en-US" smtClean="0"/>
               <a:t>レベル</a:t>
             </a:r>
           </a:p>
           <a:p>
             <a:pPr lvl="3"/>
             <a:r>
-              <a:rPr kumimoji="1" lang="ja-JP" altLang="en-US" smtClean="0"/>
+              <a:rPr lang="ja-JP" altLang="en-US" smtClean="0"/>
               <a:t>第 </a:t>
             </a:r>
             <a:r>
-              <a:rPr kumimoji="1" lang="en-US" altLang="ja-JP" smtClean="0"/>
+              <a:rPr lang="en-US" altLang="ja-JP" smtClean="0"/>
               <a:t>4 </a:t>
             </a:r>
             <a:r>
-              <a:rPr kumimoji="1" lang="ja-JP" altLang="en-US" smtClean="0"/>
+              <a:rPr lang="ja-JP" altLang="en-US" smtClean="0"/>
               <a:t>レベル</a:t>
             </a:r>
           </a:p>
           <a:p>
             <a:pPr lvl="4"/>
             <a:r>
-              <a:rPr kumimoji="1" lang="ja-JP" altLang="en-US" smtClean="0"/>
+              <a:rPr lang="ja-JP" altLang="en-US" smtClean="0"/>
               <a:t>第 </a:t>
             </a:r>
             <a:r>
-              <a:rPr kumimoji="1" lang="en-US" altLang="ja-JP" smtClean="0"/>
+              <a:rPr lang="en-US" altLang="ja-JP" smtClean="0"/>
               <a:t>5 </a:t>
             </a:r>
             <a:r>
-              <a:rPr kumimoji="1" lang="ja-JP" altLang="en-US" smtClean="0"/>
+              <a:rPr lang="ja-JP" altLang="en-US" smtClean="0"/>
               <a:t>レベル</a:t>
             </a:r>
-            <a:endParaRPr kumimoji="1" lang="ja-JP" altLang="en-US"/>
-          </a:p>
-        </p:txBody>
-      </p:sp>
-      <p:sp>
-        <p:nvSpPr>
-          <p:cNvPr id="4" name="日付プレースホルダー 3"/>
+            <a:endParaRPr lang="en-US" dirty="0"/>
+          </a:p>
+        </p:txBody>
+      </p:sp>
+      <p:sp>
+        <p:nvSpPr>
+          <p:cNvPr id="4" name="Date Placeholder 3"/>
           <p:cNvSpPr>
             <a:spLocks noGrp="1"/>
           </p:cNvSpPr>
@@ -1042,7 +1042,7 @@
           <a:p>
             <a:fld id="{AA641DB4-C951-4763-94FC-F650C3AA7E65}" type="datetimeFigureOut">
               <a:rPr kumimoji="1" lang="ja-JP" altLang="en-US" smtClean="0"/>
-              <a:t>2017/2/7</a:t>
+              <a:t>2017/11/16</a:t>
             </a:fld>
             <a:endParaRPr kumimoji="1" lang="ja-JP" altLang="en-US"/>
           </a:p>
@@ -1050,7 +1050,7 @@
       </p:sp>
       <p:sp>
         <p:nvSpPr>
-          <p:cNvPr id="5" name="フッター プレースホルダー 4"/>
+          <p:cNvPr id="5" name="Footer Placeholder 4"/>
           <p:cNvSpPr>
             <a:spLocks noGrp="1"/>
           </p:cNvSpPr>
@@ -1069,7 +1069,7 @@
       </p:sp>
       <p:sp>
         <p:nvSpPr>
-          <p:cNvPr id="6" name="スライド番号プレースホルダー 5"/>
+          <p:cNvPr id="6" name="Slide Number Placeholder 5"/>
           <p:cNvSpPr>
             <a:spLocks noGrp="1"/>
           </p:cNvSpPr>
@@ -1093,7 +1093,7 @@
     </p:spTree>
     <p:extLst>
       <p:ext uri="{BB962C8B-B14F-4D97-AF65-F5344CB8AC3E}">
-        <p14:creationId xmlns:p14="http://schemas.microsoft.com/office/powerpoint/2010/main" val="1552220192"/>
+        <p14:creationId xmlns:p14="http://schemas.microsoft.com/office/powerpoint/2010/main" val="1998769247"/>
       </p:ext>
     </p:extLst>
   </p:cSld>
@@ -1122,7 +1122,7 @@
       </p:grpSpPr>
       <p:sp>
         <p:nvSpPr>
-          <p:cNvPr id="2" name="タイトル 1"/>
+          <p:cNvPr id="2" name="Title 1"/>
           <p:cNvSpPr>
             <a:spLocks noGrp="1"/>
           </p:cNvSpPr>
@@ -1136,16 +1136,16 @@
           <a:lstStyle/>
           <a:p>
             <a:r>
-              <a:rPr kumimoji="1" lang="ja-JP" altLang="en-US" smtClean="0"/>
+              <a:rPr lang="ja-JP" altLang="en-US" smtClean="0"/>
               <a:t>マスター タイトルの書式設定</a:t>
             </a:r>
-            <a:endParaRPr kumimoji="1" lang="ja-JP" altLang="en-US"/>
-          </a:p>
-        </p:txBody>
-      </p:sp>
-      <p:sp>
-        <p:nvSpPr>
-          <p:cNvPr id="3" name="コンテンツ プレースホルダー 2"/>
+            <a:endParaRPr lang="en-US" dirty="0"/>
+          </a:p>
+        </p:txBody>
+      </p:sp>
+      <p:sp>
+        <p:nvSpPr>
+          <p:cNvPr id="3" name="Content Placeholder 2"/>
           <p:cNvSpPr>
             <a:spLocks noGrp="1"/>
           </p:cNvSpPr>
@@ -1160,76 +1160,76 @@
           <a:p>
             <a:pPr lvl="0"/>
             <a:r>
-              <a:rPr kumimoji="1" lang="ja-JP" altLang="en-US" smtClean="0"/>
+              <a:rPr lang="ja-JP" altLang="en-US" smtClean="0"/>
               <a:t>マスター テキストの書式設定</a:t>
             </a:r>
           </a:p>
           <a:p>
             <a:pPr lvl="1"/>
             <a:r>
-              <a:rPr kumimoji="1" lang="ja-JP" altLang="en-US" smtClean="0"/>
+              <a:rPr lang="ja-JP" altLang="en-US" smtClean="0"/>
               <a:t>第 </a:t>
             </a:r>
             <a:r>
-              <a:rPr kumimoji="1" lang="en-US" altLang="ja-JP" smtClean="0"/>
+              <a:rPr lang="en-US" altLang="ja-JP" smtClean="0"/>
               <a:t>2 </a:t>
             </a:r>
             <a:r>
-              <a:rPr kumimoji="1" lang="ja-JP" altLang="en-US" smtClean="0"/>
+              <a:rPr lang="ja-JP" altLang="en-US" smtClean="0"/>
               <a:t>レベル</a:t>
             </a:r>
           </a:p>
           <a:p>
             <a:pPr lvl="2"/>
             <a:r>
-              <a:rPr kumimoji="1" lang="ja-JP" altLang="en-US" smtClean="0"/>
+              <a:rPr lang="ja-JP" altLang="en-US" smtClean="0"/>
               <a:t>第 </a:t>
             </a:r>
             <a:r>
-              <a:rPr kumimoji="1" lang="en-US" altLang="ja-JP" smtClean="0"/>
+              <a:rPr lang="en-US" altLang="ja-JP" smtClean="0"/>
               <a:t>3 </a:t>
             </a:r>
             <a:r>
-              <a:rPr kumimoji="1" lang="ja-JP" altLang="en-US" smtClean="0"/>
+              <a:rPr lang="ja-JP" altLang="en-US" smtClean="0"/>
               <a:t>レベル</a:t>
             </a:r>
           </a:p>
           <a:p>
             <a:pPr lvl="3"/>
             <a:r>
-              <a:rPr kumimoji="1" lang="ja-JP" altLang="en-US" smtClean="0"/>
+              <a:rPr lang="ja-JP" altLang="en-US" smtClean="0"/>
               <a:t>第 </a:t>
             </a:r>
             <a:r>
-              <a:rPr kumimoji="1" lang="en-US" altLang="ja-JP" smtClean="0"/>
+              <a:rPr lang="en-US" altLang="ja-JP" smtClean="0"/>
               <a:t>4 </a:t>
             </a:r>
             <a:r>
-              <a:rPr kumimoji="1" lang="ja-JP" altLang="en-US" smtClean="0"/>
+              <a:rPr lang="ja-JP" altLang="en-US" smtClean="0"/>
               <a:t>レベル</a:t>
             </a:r>
           </a:p>
           <a:p>
             <a:pPr lvl="4"/>
             <a:r>
-              <a:rPr kumimoji="1" lang="ja-JP" altLang="en-US" smtClean="0"/>
+              <a:rPr lang="ja-JP" altLang="en-US" smtClean="0"/>
               <a:t>第 </a:t>
             </a:r>
             <a:r>
-              <a:rPr kumimoji="1" lang="en-US" altLang="ja-JP" smtClean="0"/>
+              <a:rPr lang="en-US" altLang="ja-JP" smtClean="0"/>
               <a:t>5 </a:t>
             </a:r>
             <a:r>
-              <a:rPr kumimoji="1" lang="ja-JP" altLang="en-US" smtClean="0"/>
+              <a:rPr lang="ja-JP" altLang="en-US" smtClean="0"/>
               <a:t>レベル</a:t>
             </a:r>
-            <a:endParaRPr kumimoji="1" lang="ja-JP" altLang="en-US"/>
-          </a:p>
-        </p:txBody>
-      </p:sp>
-      <p:sp>
-        <p:nvSpPr>
-          <p:cNvPr id="4" name="日付プレースホルダー 3"/>
+            <a:endParaRPr lang="en-US" dirty="0"/>
+          </a:p>
+        </p:txBody>
+      </p:sp>
+      <p:sp>
+        <p:nvSpPr>
+          <p:cNvPr id="4" name="Date Placeholder 3"/>
           <p:cNvSpPr>
             <a:spLocks noGrp="1"/>
           </p:cNvSpPr>
@@ -1244,7 +1244,7 @@
           <a:p>
             <a:fld id="{AA641DB4-C951-4763-94FC-F650C3AA7E65}" type="datetimeFigureOut">
               <a:rPr kumimoji="1" lang="ja-JP" altLang="en-US" smtClean="0"/>
-              <a:t>2017/2/7</a:t>
+              <a:t>2017/11/16</a:t>
             </a:fld>
             <a:endParaRPr kumimoji="1" lang="ja-JP" altLang="en-US"/>
           </a:p>
@@ -1252,7 +1252,7 @@
       </p:sp>
       <p:sp>
         <p:nvSpPr>
-          <p:cNvPr id="5" name="フッター プレースホルダー 4"/>
+          <p:cNvPr id="5" name="Footer Placeholder 4"/>
           <p:cNvSpPr>
             <a:spLocks noGrp="1"/>
           </p:cNvSpPr>
@@ -1271,7 +1271,7 @@
       </p:sp>
       <p:sp>
         <p:nvSpPr>
-          <p:cNvPr id="6" name="スライド番号プレースホルダー 5"/>
+          <p:cNvPr id="6" name="Slide Number Placeholder 5"/>
           <p:cNvSpPr>
             <a:spLocks noGrp="1"/>
           </p:cNvSpPr>
@@ -1295,7 +1295,7 @@
     </p:spTree>
     <p:extLst>
       <p:ext uri="{BB962C8B-B14F-4D97-AF65-F5344CB8AC3E}">
-        <p14:creationId xmlns:p14="http://schemas.microsoft.com/office/powerpoint/2010/main" val="2655268122"/>
+        <p14:creationId xmlns:p14="http://schemas.microsoft.com/office/powerpoint/2010/main" val="643960206"/>
       </p:ext>
     </p:extLst>
   </p:cSld>
@@ -1324,7 +1324,7 @@
       </p:grpSpPr>
       <p:sp>
         <p:nvSpPr>
-          <p:cNvPr id="2" name="タイトル 1"/>
+          <p:cNvPr id="2" name="Title 1"/>
           <p:cNvSpPr>
             <a:spLocks noGrp="1"/>
           </p:cNvSpPr>
@@ -1334,29 +1334,29 @@
         </p:nvSpPr>
         <p:spPr>
           <a:xfrm>
-            <a:off x="831850" y="1709739"/>
-            <a:ext cx="10515600" cy="2852737"/>
+            <a:off x="831850" y="1256579"/>
+            <a:ext cx="10515600" cy="2096630"/>
           </a:xfrm>
         </p:spPr>
         <p:txBody>
           <a:bodyPr anchor="b"/>
           <a:lstStyle>
             <a:lvl1pPr>
-              <a:defRPr sz="6000"/>
+              <a:defRPr sz="4410"/>
             </a:lvl1pPr>
           </a:lstStyle>
           <a:p>
             <a:r>
-              <a:rPr kumimoji="1" lang="ja-JP" altLang="en-US" smtClean="0"/>
+              <a:rPr lang="ja-JP" altLang="en-US" smtClean="0"/>
               <a:t>マスター タイトルの書式設定</a:t>
             </a:r>
-            <a:endParaRPr kumimoji="1" lang="ja-JP" altLang="en-US"/>
-          </a:p>
-        </p:txBody>
-      </p:sp>
-      <p:sp>
-        <p:nvSpPr>
-          <p:cNvPr id="3" name="テキスト プレースホルダー 2"/>
+            <a:endParaRPr lang="en-US" dirty="0"/>
+          </a:p>
+        </p:txBody>
+      </p:sp>
+      <p:sp>
+        <p:nvSpPr>
+          <p:cNvPr id="3" name="Text Placeholder 2"/>
           <p:cNvSpPr>
             <a:spLocks noGrp="1"/>
           </p:cNvSpPr>
@@ -1366,8 +1366,8 @@
         </p:nvSpPr>
         <p:spPr>
           <a:xfrm>
-            <a:off x="831850" y="4589464"/>
-            <a:ext cx="10515600" cy="1500187"/>
+            <a:off x="831850" y="3373044"/>
+            <a:ext cx="10515600" cy="1102568"/>
           </a:xfrm>
         </p:spPr>
         <p:txBody>
@@ -1375,7 +1375,7 @@
           <a:lstStyle>
             <a:lvl1pPr marL="0" indent="0">
               <a:buNone/>
-              <a:defRPr sz="2400">
+              <a:defRPr sz="1764">
                 <a:solidFill>
                   <a:schemeClr val="tx1">
                     <a:tint val="75000"/>
@@ -1383,9 +1383,9 @@
                 </a:solidFill>
               </a:defRPr>
             </a:lvl1pPr>
-            <a:lvl2pPr marL="457195" indent="0">
+            <a:lvl2pPr marL="336042" indent="0">
               <a:buNone/>
-              <a:defRPr sz="2000">
+              <a:defRPr sz="1470">
                 <a:solidFill>
                   <a:schemeClr val="tx1">
                     <a:tint val="75000"/>
@@ -1393,9 +1393,9 @@
                 </a:solidFill>
               </a:defRPr>
             </a:lvl2pPr>
-            <a:lvl3pPr marL="914392" indent="0">
+            <a:lvl3pPr marL="672084" indent="0">
               <a:buNone/>
-              <a:defRPr sz="1800">
+              <a:defRPr sz="1323">
                 <a:solidFill>
                   <a:schemeClr val="tx1">
                     <a:tint val="75000"/>
@@ -1403,9 +1403,9 @@
                 </a:solidFill>
               </a:defRPr>
             </a:lvl3pPr>
-            <a:lvl4pPr marL="1371588" indent="0">
+            <a:lvl4pPr marL="1008126" indent="0">
               <a:buNone/>
-              <a:defRPr sz="1600">
+              <a:defRPr sz="1176">
                 <a:solidFill>
                   <a:schemeClr val="tx1">
                     <a:tint val="75000"/>
@@ -1413,9 +1413,9 @@
                 </a:solidFill>
               </a:defRPr>
             </a:lvl4pPr>
-            <a:lvl5pPr marL="1828783" indent="0">
+            <a:lvl5pPr marL="1344168" indent="0">
               <a:buNone/>
-              <a:defRPr sz="1600">
+              <a:defRPr sz="1176">
                 <a:solidFill>
                   <a:schemeClr val="tx1">
                     <a:tint val="75000"/>
@@ -1423,9 +1423,9 @@
                 </a:solidFill>
               </a:defRPr>
             </a:lvl5pPr>
-            <a:lvl6pPr marL="2285980" indent="0">
+            <a:lvl6pPr marL="1680210" indent="0">
               <a:buNone/>
-              <a:defRPr sz="1600">
+              <a:defRPr sz="1176">
                 <a:solidFill>
                   <a:schemeClr val="tx1">
                     <a:tint val="75000"/>
@@ -1433,9 +1433,9 @@
                 </a:solidFill>
               </a:defRPr>
             </a:lvl6pPr>
-            <a:lvl7pPr marL="2743175" indent="0">
+            <a:lvl7pPr marL="2016252" indent="0">
               <a:buNone/>
-              <a:defRPr sz="1600">
+              <a:defRPr sz="1176">
                 <a:solidFill>
                   <a:schemeClr val="tx1">
                     <a:tint val="75000"/>
@@ -1443,9 +1443,9 @@
                 </a:solidFill>
               </a:defRPr>
             </a:lvl7pPr>
-            <a:lvl8pPr marL="3200372" indent="0">
+            <a:lvl8pPr marL="2352294" indent="0">
               <a:buNone/>
-              <a:defRPr sz="1600">
+              <a:defRPr sz="1176">
                 <a:solidFill>
                   <a:schemeClr val="tx1">
                     <a:tint val="75000"/>
@@ -1453,9 +1453,9 @@
                 </a:solidFill>
               </a:defRPr>
             </a:lvl8pPr>
-            <a:lvl9pPr marL="3657567" indent="0">
+            <a:lvl9pPr marL="2688336" indent="0">
               <a:buNone/>
-              <a:defRPr sz="1600">
+              <a:defRPr sz="1176">
                 <a:solidFill>
                   <a:schemeClr val="tx1">
                     <a:tint val="75000"/>
@@ -1467,7 +1467,7 @@
           <a:p>
             <a:pPr lvl="0"/>
             <a:r>
-              <a:rPr kumimoji="1" lang="ja-JP" altLang="en-US" smtClean="0"/>
+              <a:rPr lang="ja-JP" altLang="en-US" smtClean="0"/>
               <a:t>マスター テキストの書式設定</a:t>
             </a:r>
           </a:p>
@@ -1475,7 +1475,7 @@
       </p:sp>
       <p:sp>
         <p:nvSpPr>
-          <p:cNvPr id="4" name="日付プレースホルダー 3"/>
+          <p:cNvPr id="4" name="Date Placeholder 3"/>
           <p:cNvSpPr>
             <a:spLocks noGrp="1"/>
           </p:cNvSpPr>
@@ -1490,7 +1490,7 @@
           <a:p>
             <a:fld id="{AA641DB4-C951-4763-94FC-F650C3AA7E65}" type="datetimeFigureOut">
               <a:rPr kumimoji="1" lang="ja-JP" altLang="en-US" smtClean="0"/>
-              <a:t>2017/2/7</a:t>
+              <a:t>2017/11/16</a:t>
             </a:fld>
             <a:endParaRPr kumimoji="1" lang="ja-JP" altLang="en-US"/>
           </a:p>
@@ -1498,7 +1498,7 @@
       </p:sp>
       <p:sp>
         <p:nvSpPr>
-          <p:cNvPr id="5" name="フッター プレースホルダー 4"/>
+          <p:cNvPr id="5" name="Footer Placeholder 4"/>
           <p:cNvSpPr>
             <a:spLocks noGrp="1"/>
           </p:cNvSpPr>
@@ -1517,7 +1517,7 @@
       </p:sp>
       <p:sp>
         <p:nvSpPr>
-          <p:cNvPr id="6" name="スライド番号プレースホルダー 5"/>
+          <p:cNvPr id="6" name="Slide Number Placeholder 5"/>
           <p:cNvSpPr>
             <a:spLocks noGrp="1"/>
           </p:cNvSpPr>
@@ -1541,7 +1541,7 @@
     </p:spTree>
     <p:extLst>
       <p:ext uri="{BB962C8B-B14F-4D97-AF65-F5344CB8AC3E}">
-        <p14:creationId xmlns:p14="http://schemas.microsoft.com/office/powerpoint/2010/main" val="395054707"/>
+        <p14:creationId xmlns:p14="http://schemas.microsoft.com/office/powerpoint/2010/main" val="1616232076"/>
       </p:ext>
     </p:extLst>
   </p:cSld>
@@ -1570,7 +1570,7 @@
       </p:grpSpPr>
       <p:sp>
         <p:nvSpPr>
-          <p:cNvPr id="2" name="タイトル 1"/>
+          <p:cNvPr id="2" name="Title 1"/>
           <p:cNvSpPr>
             <a:spLocks noGrp="1"/>
           </p:cNvSpPr>
@@ -1584,16 +1584,16 @@
           <a:lstStyle/>
           <a:p>
             <a:r>
-              <a:rPr kumimoji="1" lang="ja-JP" altLang="en-US" smtClean="0"/>
+              <a:rPr lang="ja-JP" altLang="en-US" smtClean="0"/>
               <a:t>マスター タイトルの書式設定</a:t>
             </a:r>
-            <a:endParaRPr kumimoji="1" lang="ja-JP" altLang="en-US"/>
-          </a:p>
-        </p:txBody>
-      </p:sp>
-      <p:sp>
-        <p:nvSpPr>
-          <p:cNvPr id="3" name="コンテンツ プレースホルダー 2"/>
+            <a:endParaRPr lang="en-US" dirty="0"/>
+          </a:p>
+        </p:txBody>
+      </p:sp>
+      <p:sp>
+        <p:nvSpPr>
+          <p:cNvPr id="3" name="Content Placeholder 2"/>
           <p:cNvSpPr>
             <a:spLocks noGrp="1"/>
           </p:cNvSpPr>
@@ -1603,8 +1603,8 @@
         </p:nvSpPr>
         <p:spPr>
           <a:xfrm>
-            <a:off x="838200" y="1825625"/>
-            <a:ext cx="5181600" cy="4351338"/>
+            <a:off x="838200" y="1341750"/>
+            <a:ext cx="5181600" cy="3198032"/>
           </a:xfrm>
         </p:spPr>
         <p:txBody>
@@ -1613,76 +1613,76 @@
           <a:p>
             <a:pPr lvl="0"/>
             <a:r>
-              <a:rPr kumimoji="1" lang="ja-JP" altLang="en-US" smtClean="0"/>
+              <a:rPr lang="ja-JP" altLang="en-US" smtClean="0"/>
               <a:t>マスター テキストの書式設定</a:t>
             </a:r>
           </a:p>
           <a:p>
             <a:pPr lvl="1"/>
             <a:r>
-              <a:rPr kumimoji="1" lang="ja-JP" altLang="en-US" smtClean="0"/>
+              <a:rPr lang="ja-JP" altLang="en-US" smtClean="0"/>
               <a:t>第 </a:t>
             </a:r>
             <a:r>
-              <a:rPr kumimoji="1" lang="en-US" altLang="ja-JP" smtClean="0"/>
+              <a:rPr lang="en-US" altLang="ja-JP" smtClean="0"/>
               <a:t>2 </a:t>
             </a:r>
             <a:r>
-              <a:rPr kumimoji="1" lang="ja-JP" altLang="en-US" smtClean="0"/>
+              <a:rPr lang="ja-JP" altLang="en-US" smtClean="0"/>
               <a:t>レベル</a:t>
             </a:r>
           </a:p>
           <a:p>
             <a:pPr lvl="2"/>
             <a:r>
-              <a:rPr kumimoji="1" lang="ja-JP" altLang="en-US" smtClean="0"/>
+              <a:rPr lang="ja-JP" altLang="en-US" smtClean="0"/>
               <a:t>第 </a:t>
             </a:r>
             <a:r>
-              <a:rPr kumimoji="1" lang="en-US" altLang="ja-JP" smtClean="0"/>
+              <a:rPr lang="en-US" altLang="ja-JP" smtClean="0"/>
               <a:t>3 </a:t>
             </a:r>
             <a:r>
-              <a:rPr kumimoji="1" lang="ja-JP" altLang="en-US" smtClean="0"/>
+              <a:rPr lang="ja-JP" altLang="en-US" smtClean="0"/>
               <a:t>レベル</a:t>
             </a:r>
           </a:p>
           <a:p>
             <a:pPr lvl="3"/>
             <a:r>
-              <a:rPr kumimoji="1" lang="ja-JP" altLang="en-US" smtClean="0"/>
+              <a:rPr lang="ja-JP" altLang="en-US" smtClean="0"/>
               <a:t>第 </a:t>
             </a:r>
             <a:r>
-              <a:rPr kumimoji="1" lang="en-US" altLang="ja-JP" smtClean="0"/>
+              <a:rPr lang="en-US" altLang="ja-JP" smtClean="0"/>
               <a:t>4 </a:t>
             </a:r>
             <a:r>
-              <a:rPr kumimoji="1" lang="ja-JP" altLang="en-US" smtClean="0"/>
+              <a:rPr lang="ja-JP" altLang="en-US" smtClean="0"/>
               <a:t>レベル</a:t>
             </a:r>
           </a:p>
           <a:p>
             <a:pPr lvl="4"/>
             <a:r>
-              <a:rPr kumimoji="1" lang="ja-JP" altLang="en-US" smtClean="0"/>
+              <a:rPr lang="ja-JP" altLang="en-US" smtClean="0"/>
               <a:t>第 </a:t>
             </a:r>
             <a:r>
-              <a:rPr kumimoji="1" lang="en-US" altLang="ja-JP" smtClean="0"/>
+              <a:rPr lang="en-US" altLang="ja-JP" smtClean="0"/>
               <a:t>5 </a:t>
             </a:r>
             <a:r>
-              <a:rPr kumimoji="1" lang="ja-JP" altLang="en-US" smtClean="0"/>
+              <a:rPr lang="ja-JP" altLang="en-US" smtClean="0"/>
               <a:t>レベル</a:t>
             </a:r>
-            <a:endParaRPr kumimoji="1" lang="ja-JP" altLang="en-US"/>
-          </a:p>
-        </p:txBody>
-      </p:sp>
-      <p:sp>
-        <p:nvSpPr>
-          <p:cNvPr id="4" name="コンテンツ プレースホルダー 3"/>
+            <a:endParaRPr lang="en-US" dirty="0"/>
+          </a:p>
+        </p:txBody>
+      </p:sp>
+      <p:sp>
+        <p:nvSpPr>
+          <p:cNvPr id="4" name="Content Placeholder 3"/>
           <p:cNvSpPr>
             <a:spLocks noGrp="1"/>
           </p:cNvSpPr>
@@ -1692,8 +1692,8 @@
         </p:nvSpPr>
         <p:spPr>
           <a:xfrm>
-            <a:off x="6172200" y="1825625"/>
-            <a:ext cx="5181600" cy="4351338"/>
+            <a:off x="6172200" y="1341750"/>
+            <a:ext cx="5181600" cy="3198032"/>
           </a:xfrm>
         </p:spPr>
         <p:txBody>
@@ -1702,76 +1702,76 @@
           <a:p>
             <a:pPr lvl="0"/>
             <a:r>
-              <a:rPr kumimoji="1" lang="ja-JP" altLang="en-US" smtClean="0"/>
+              <a:rPr lang="ja-JP" altLang="en-US" smtClean="0"/>
               <a:t>マスター テキストの書式設定</a:t>
             </a:r>
           </a:p>
           <a:p>
             <a:pPr lvl="1"/>
             <a:r>
-              <a:rPr kumimoji="1" lang="ja-JP" altLang="en-US" smtClean="0"/>
+              <a:rPr lang="ja-JP" altLang="en-US" smtClean="0"/>
               <a:t>第 </a:t>
             </a:r>
             <a:r>
-              <a:rPr kumimoji="1" lang="en-US" altLang="ja-JP" smtClean="0"/>
+              <a:rPr lang="en-US" altLang="ja-JP" smtClean="0"/>
               <a:t>2 </a:t>
             </a:r>
             <a:r>
-              <a:rPr kumimoji="1" lang="ja-JP" altLang="en-US" smtClean="0"/>
+              <a:rPr lang="ja-JP" altLang="en-US" smtClean="0"/>
               <a:t>レベル</a:t>
             </a:r>
           </a:p>
           <a:p>
             <a:pPr lvl="2"/>
             <a:r>
-              <a:rPr kumimoji="1" lang="ja-JP" altLang="en-US" smtClean="0"/>
+              <a:rPr lang="ja-JP" altLang="en-US" smtClean="0"/>
               <a:t>第 </a:t>
             </a:r>
             <a:r>
-              <a:rPr kumimoji="1" lang="en-US" altLang="ja-JP" smtClean="0"/>
+              <a:rPr lang="en-US" altLang="ja-JP" smtClean="0"/>
               <a:t>3 </a:t>
             </a:r>
             <a:r>
-              <a:rPr kumimoji="1" lang="ja-JP" altLang="en-US" smtClean="0"/>
+              <a:rPr lang="ja-JP" altLang="en-US" smtClean="0"/>
               <a:t>レベル</a:t>
             </a:r>
           </a:p>
           <a:p>
             <a:pPr lvl="3"/>
             <a:r>
-              <a:rPr kumimoji="1" lang="ja-JP" altLang="en-US" smtClean="0"/>
+              <a:rPr lang="ja-JP" altLang="en-US" smtClean="0"/>
               <a:t>第 </a:t>
             </a:r>
             <a:r>
-              <a:rPr kumimoji="1" lang="en-US" altLang="ja-JP" smtClean="0"/>
+              <a:rPr lang="en-US" altLang="ja-JP" smtClean="0"/>
               <a:t>4 </a:t>
             </a:r>
             <a:r>
-              <a:rPr kumimoji="1" lang="ja-JP" altLang="en-US" smtClean="0"/>
+              <a:rPr lang="ja-JP" altLang="en-US" smtClean="0"/>
               <a:t>レベル</a:t>
             </a:r>
           </a:p>
           <a:p>
             <a:pPr lvl="4"/>
             <a:r>
-              <a:rPr kumimoji="1" lang="ja-JP" altLang="en-US" smtClean="0"/>
+              <a:rPr lang="ja-JP" altLang="en-US" smtClean="0"/>
               <a:t>第 </a:t>
             </a:r>
             <a:r>
-              <a:rPr kumimoji="1" lang="en-US" altLang="ja-JP" smtClean="0"/>
+              <a:rPr lang="en-US" altLang="ja-JP" smtClean="0"/>
               <a:t>5 </a:t>
             </a:r>
             <a:r>
-              <a:rPr kumimoji="1" lang="ja-JP" altLang="en-US" smtClean="0"/>
+              <a:rPr lang="ja-JP" altLang="en-US" smtClean="0"/>
               <a:t>レベル</a:t>
             </a:r>
-            <a:endParaRPr kumimoji="1" lang="ja-JP" altLang="en-US"/>
-          </a:p>
-        </p:txBody>
-      </p:sp>
-      <p:sp>
-        <p:nvSpPr>
-          <p:cNvPr id="5" name="日付プレースホルダー 4"/>
+            <a:endParaRPr lang="en-US" dirty="0"/>
+          </a:p>
+        </p:txBody>
+      </p:sp>
+      <p:sp>
+        <p:nvSpPr>
+          <p:cNvPr id="5" name="Date Placeholder 4"/>
           <p:cNvSpPr>
             <a:spLocks noGrp="1"/>
           </p:cNvSpPr>
@@ -1786,7 +1786,7 @@
           <a:p>
             <a:fld id="{AA641DB4-C951-4763-94FC-F650C3AA7E65}" type="datetimeFigureOut">
               <a:rPr kumimoji="1" lang="ja-JP" altLang="en-US" smtClean="0"/>
-              <a:t>2017/2/7</a:t>
+              <a:t>2017/11/16</a:t>
             </a:fld>
             <a:endParaRPr kumimoji="1" lang="ja-JP" altLang="en-US"/>
           </a:p>
@@ -1794,7 +1794,7 @@
       </p:sp>
       <p:sp>
         <p:nvSpPr>
-          <p:cNvPr id="6" name="フッター プレースホルダー 5"/>
+          <p:cNvPr id="6" name="Footer Placeholder 5"/>
           <p:cNvSpPr>
             <a:spLocks noGrp="1"/>
           </p:cNvSpPr>
@@ -1813,7 +1813,7 @@
       </p:sp>
       <p:sp>
         <p:nvSpPr>
-          <p:cNvPr id="7" name="スライド番号プレースホルダー 6"/>
+          <p:cNvPr id="7" name="Slide Number Placeholder 6"/>
           <p:cNvSpPr>
             <a:spLocks noGrp="1"/>
           </p:cNvSpPr>
@@ -1837,7 +1837,7 @@
     </p:spTree>
     <p:extLst>
       <p:ext uri="{BB962C8B-B14F-4D97-AF65-F5344CB8AC3E}">
-        <p14:creationId xmlns:p14="http://schemas.microsoft.com/office/powerpoint/2010/main" val="1422103378"/>
+        <p14:creationId xmlns:p14="http://schemas.microsoft.com/office/powerpoint/2010/main" val="4286138910"/>
       </p:ext>
     </p:extLst>
   </p:cSld>
@@ -1866,7 +1866,7 @@
       </p:grpSpPr>
       <p:sp>
         <p:nvSpPr>
-          <p:cNvPr id="2" name="タイトル 1"/>
+          <p:cNvPr id="2" name="Title 1"/>
           <p:cNvSpPr>
             <a:spLocks noGrp="1"/>
           </p:cNvSpPr>
@@ -1876,8 +1876,8 @@
         </p:nvSpPr>
         <p:spPr>
           <a:xfrm>
-            <a:off x="839788" y="365126"/>
-            <a:ext cx="10515600" cy="1325563"/>
+            <a:off x="839788" y="268350"/>
+            <a:ext cx="10515600" cy="974228"/>
           </a:xfrm>
         </p:spPr>
         <p:txBody>
@@ -1885,16 +1885,16 @@
           <a:lstStyle/>
           <a:p>
             <a:r>
-              <a:rPr kumimoji="1" lang="ja-JP" altLang="en-US" smtClean="0"/>
+              <a:rPr lang="ja-JP" altLang="en-US" smtClean="0"/>
               <a:t>マスター タイトルの書式設定</a:t>
             </a:r>
-            <a:endParaRPr kumimoji="1" lang="ja-JP" altLang="en-US"/>
-          </a:p>
-        </p:txBody>
-      </p:sp>
-      <p:sp>
-        <p:nvSpPr>
-          <p:cNvPr id="3" name="テキスト プレースホルダー 2"/>
+            <a:endParaRPr lang="en-US" dirty="0"/>
+          </a:p>
+        </p:txBody>
+      </p:sp>
+      <p:sp>
+        <p:nvSpPr>
+          <p:cNvPr id="3" name="Text Placeholder 2"/>
           <p:cNvSpPr>
             <a:spLocks noGrp="1"/>
           </p:cNvSpPr>
@@ -1904,8 +1904,8 @@
         </p:nvSpPr>
         <p:spPr>
           <a:xfrm>
-            <a:off x="839790" y="1681164"/>
-            <a:ext cx="5157787" cy="823911"/>
+            <a:off x="839789" y="1235577"/>
+            <a:ext cx="5157787" cy="605537"/>
           </a:xfrm>
         </p:spPr>
         <p:txBody>
@@ -1913,45 +1913,45 @@
           <a:lstStyle>
             <a:lvl1pPr marL="0" indent="0">
               <a:buNone/>
-              <a:defRPr sz="2400" b="1"/>
+              <a:defRPr sz="1764" b="1"/>
             </a:lvl1pPr>
-            <a:lvl2pPr marL="457195" indent="0">
+            <a:lvl2pPr marL="336042" indent="0">
               <a:buNone/>
-              <a:defRPr sz="2000" b="1"/>
+              <a:defRPr sz="1470" b="1"/>
             </a:lvl2pPr>
-            <a:lvl3pPr marL="914392" indent="0">
+            <a:lvl3pPr marL="672084" indent="0">
               <a:buNone/>
-              <a:defRPr sz="1800" b="1"/>
+              <a:defRPr sz="1323" b="1"/>
             </a:lvl3pPr>
-            <a:lvl4pPr marL="1371588" indent="0">
+            <a:lvl4pPr marL="1008126" indent="0">
               <a:buNone/>
-              <a:defRPr sz="1600" b="1"/>
+              <a:defRPr sz="1176" b="1"/>
             </a:lvl4pPr>
-            <a:lvl5pPr marL="1828783" indent="0">
+            <a:lvl5pPr marL="1344168" indent="0">
               <a:buNone/>
-              <a:defRPr sz="1600" b="1"/>
+              <a:defRPr sz="1176" b="1"/>
             </a:lvl5pPr>
-            <a:lvl6pPr marL="2285980" indent="0">
+            <a:lvl6pPr marL="1680210" indent="0">
               <a:buNone/>
-              <a:defRPr sz="1600" b="1"/>
+              <a:defRPr sz="1176" b="1"/>
             </a:lvl6pPr>
-            <a:lvl7pPr marL="2743175" indent="0">
+            <a:lvl7pPr marL="2016252" indent="0">
               <a:buNone/>
-              <a:defRPr sz="1600" b="1"/>
+              <a:defRPr sz="1176" b="1"/>
             </a:lvl7pPr>
-            <a:lvl8pPr marL="3200372" indent="0">
+            <a:lvl8pPr marL="2352294" indent="0">
               <a:buNone/>
-              <a:defRPr sz="1600" b="1"/>
+              <a:defRPr sz="1176" b="1"/>
             </a:lvl8pPr>
-            <a:lvl9pPr marL="3657567" indent="0">
+            <a:lvl9pPr marL="2688336" indent="0">
               <a:buNone/>
-              <a:defRPr sz="1600" b="1"/>
+              <a:defRPr sz="1176" b="1"/>
             </a:lvl9pPr>
           </a:lstStyle>
           <a:p>
             <a:pPr lvl="0"/>
             <a:r>
-              <a:rPr kumimoji="1" lang="ja-JP" altLang="en-US" smtClean="0"/>
+              <a:rPr lang="ja-JP" altLang="en-US" smtClean="0"/>
               <a:t>マスター テキストの書式設定</a:t>
             </a:r>
           </a:p>
@@ -1959,7 +1959,7 @@
       </p:sp>
       <p:sp>
         <p:nvSpPr>
-          <p:cNvPr id="4" name="コンテンツ プレースホルダー 3"/>
+          <p:cNvPr id="4" name="Content Placeholder 3"/>
           <p:cNvSpPr>
             <a:spLocks noGrp="1"/>
           </p:cNvSpPr>
@@ -1969,8 +1969,8 @@
         </p:nvSpPr>
         <p:spPr>
           <a:xfrm>
-            <a:off x="839790" y="2505076"/>
-            <a:ext cx="5157787" cy="3684588"/>
+            <a:off x="839789" y="1841114"/>
+            <a:ext cx="5157787" cy="2708002"/>
           </a:xfrm>
         </p:spPr>
         <p:txBody>
@@ -1979,76 +1979,76 @@
           <a:p>
             <a:pPr lvl="0"/>
             <a:r>
-              <a:rPr kumimoji="1" lang="ja-JP" altLang="en-US" smtClean="0"/>
+              <a:rPr lang="ja-JP" altLang="en-US" smtClean="0"/>
               <a:t>マスター テキストの書式設定</a:t>
             </a:r>
           </a:p>
           <a:p>
             <a:pPr lvl="1"/>
             <a:r>
-              <a:rPr kumimoji="1" lang="ja-JP" altLang="en-US" smtClean="0"/>
+              <a:rPr lang="ja-JP" altLang="en-US" smtClean="0"/>
               <a:t>第 </a:t>
             </a:r>
             <a:r>
-              <a:rPr kumimoji="1" lang="en-US" altLang="ja-JP" smtClean="0"/>
+              <a:rPr lang="en-US" altLang="ja-JP" smtClean="0"/>
               <a:t>2 </a:t>
             </a:r>
             <a:r>
-              <a:rPr kumimoji="1" lang="ja-JP" altLang="en-US" smtClean="0"/>
+              <a:rPr lang="ja-JP" altLang="en-US" smtClean="0"/>
               <a:t>レベル</a:t>
             </a:r>
           </a:p>
           <a:p>
             <a:pPr lvl="2"/>
             <a:r>
-              <a:rPr kumimoji="1" lang="ja-JP" altLang="en-US" smtClean="0"/>
+              <a:rPr lang="ja-JP" altLang="en-US" smtClean="0"/>
               <a:t>第 </a:t>
             </a:r>
             <a:r>
-              <a:rPr kumimoji="1" lang="en-US" altLang="ja-JP" smtClean="0"/>
+              <a:rPr lang="en-US" altLang="ja-JP" smtClean="0"/>
               <a:t>3 </a:t>
             </a:r>
             <a:r>
-              <a:rPr kumimoji="1" lang="ja-JP" altLang="en-US" smtClean="0"/>
+              <a:rPr lang="ja-JP" altLang="en-US" smtClean="0"/>
               <a:t>レベル</a:t>
             </a:r>
           </a:p>
           <a:p>
             <a:pPr lvl="3"/>
             <a:r>
-              <a:rPr kumimoji="1" lang="ja-JP" altLang="en-US" smtClean="0"/>
+              <a:rPr lang="ja-JP" altLang="en-US" smtClean="0"/>
               <a:t>第 </a:t>
             </a:r>
             <a:r>
-              <a:rPr kumimoji="1" lang="en-US" altLang="ja-JP" smtClean="0"/>
+              <a:rPr lang="en-US" altLang="ja-JP" smtClean="0"/>
               <a:t>4 </a:t>
             </a:r>
             <a:r>
-              <a:rPr kumimoji="1" lang="ja-JP" altLang="en-US" smtClean="0"/>
+              <a:rPr lang="ja-JP" altLang="en-US" smtClean="0"/>
               <a:t>レベル</a:t>
             </a:r>
           </a:p>
           <a:p>
             <a:pPr lvl="4"/>
             <a:r>
-              <a:rPr kumimoji="1" lang="ja-JP" altLang="en-US" smtClean="0"/>
+              <a:rPr lang="ja-JP" altLang="en-US" smtClean="0"/>
               <a:t>第 </a:t>
             </a:r>
             <a:r>
-              <a:rPr kumimoji="1" lang="en-US" altLang="ja-JP" smtClean="0"/>
+              <a:rPr lang="en-US" altLang="ja-JP" smtClean="0"/>
               <a:t>5 </a:t>
             </a:r>
             <a:r>
-              <a:rPr kumimoji="1" lang="ja-JP" altLang="en-US" smtClean="0"/>
+              <a:rPr lang="ja-JP" altLang="en-US" smtClean="0"/>
               <a:t>レベル</a:t>
             </a:r>
-            <a:endParaRPr kumimoji="1" lang="ja-JP" altLang="en-US"/>
-          </a:p>
-        </p:txBody>
-      </p:sp>
-      <p:sp>
-        <p:nvSpPr>
-          <p:cNvPr id="5" name="テキスト プレースホルダー 4"/>
+            <a:endParaRPr lang="en-US" dirty="0"/>
+          </a:p>
+        </p:txBody>
+      </p:sp>
+      <p:sp>
+        <p:nvSpPr>
+          <p:cNvPr id="5" name="Text Placeholder 4"/>
           <p:cNvSpPr>
             <a:spLocks noGrp="1"/>
           </p:cNvSpPr>
@@ -2058,8 +2058,8 @@
         </p:nvSpPr>
         <p:spPr>
           <a:xfrm>
-            <a:off x="6172200" y="1681164"/>
-            <a:ext cx="5183188" cy="823911"/>
+            <a:off x="6172200" y="1235577"/>
+            <a:ext cx="5183188" cy="605537"/>
           </a:xfrm>
         </p:spPr>
         <p:txBody>
@@ -2067,45 +2067,45 @@
           <a:lstStyle>
             <a:lvl1pPr marL="0" indent="0">
               <a:buNone/>
-              <a:defRPr sz="2400" b="1"/>
+              <a:defRPr sz="1764" b="1"/>
             </a:lvl1pPr>
-            <a:lvl2pPr marL="457195" indent="0">
+            <a:lvl2pPr marL="336042" indent="0">
               <a:buNone/>
-              <a:defRPr sz="2000" b="1"/>
+              <a:defRPr sz="1470" b="1"/>
             </a:lvl2pPr>
-            <a:lvl3pPr marL="914392" indent="0">
+            <a:lvl3pPr marL="672084" indent="0">
               <a:buNone/>
-              <a:defRPr sz="1800" b="1"/>
+              <a:defRPr sz="1323" b="1"/>
             </a:lvl3pPr>
-            <a:lvl4pPr marL="1371588" indent="0">
+            <a:lvl4pPr marL="1008126" indent="0">
               <a:buNone/>
-              <a:defRPr sz="1600" b="1"/>
+              <a:defRPr sz="1176" b="1"/>
             </a:lvl4pPr>
-            <a:lvl5pPr marL="1828783" indent="0">
+            <a:lvl5pPr marL="1344168" indent="0">
               <a:buNone/>
-              <a:defRPr sz="1600" b="1"/>
+              <a:defRPr sz="1176" b="1"/>
             </a:lvl5pPr>
-            <a:lvl6pPr marL="2285980" indent="0">
+            <a:lvl6pPr marL="1680210" indent="0">
               <a:buNone/>
-              <a:defRPr sz="1600" b="1"/>
+              <a:defRPr sz="1176" b="1"/>
             </a:lvl6pPr>
-            <a:lvl7pPr marL="2743175" indent="0">
+            <a:lvl7pPr marL="2016252" indent="0">
               <a:buNone/>
-              <a:defRPr sz="1600" b="1"/>
+              <a:defRPr sz="1176" b="1"/>
             </a:lvl7pPr>
-            <a:lvl8pPr marL="3200372" indent="0">
+            <a:lvl8pPr marL="2352294" indent="0">
               <a:buNone/>
-              <a:defRPr sz="1600" b="1"/>
+              <a:defRPr sz="1176" b="1"/>
             </a:lvl8pPr>
-            <a:lvl9pPr marL="3657567" indent="0">
+            <a:lvl9pPr marL="2688336" indent="0">
               <a:buNone/>
-              <a:defRPr sz="1600" b="1"/>
+              <a:defRPr sz="1176" b="1"/>
             </a:lvl9pPr>
           </a:lstStyle>
           <a:p>
             <a:pPr lvl="0"/>
             <a:r>
-              <a:rPr kumimoji="1" lang="ja-JP" altLang="en-US" smtClean="0"/>
+              <a:rPr lang="ja-JP" altLang="en-US" smtClean="0"/>
               <a:t>マスター テキストの書式設定</a:t>
             </a:r>
           </a:p>
@@ -2113,7 +2113,7 @@
       </p:sp>
       <p:sp>
         <p:nvSpPr>
-          <p:cNvPr id="6" name="コンテンツ プレースホルダー 5"/>
+          <p:cNvPr id="6" name="Content Placeholder 5"/>
           <p:cNvSpPr>
             <a:spLocks noGrp="1"/>
           </p:cNvSpPr>
@@ -2123,8 +2123,8 @@
         </p:nvSpPr>
         <p:spPr>
           <a:xfrm>
-            <a:off x="6172200" y="2505076"/>
-            <a:ext cx="5183188" cy="3684588"/>
+            <a:off x="6172200" y="1841114"/>
+            <a:ext cx="5183188" cy="2708002"/>
           </a:xfrm>
         </p:spPr>
         <p:txBody>
@@ -2133,76 +2133,76 @@
           <a:p>
             <a:pPr lvl="0"/>
             <a:r>
-              <a:rPr kumimoji="1" lang="ja-JP" altLang="en-US" smtClean="0"/>
+              <a:rPr lang="ja-JP" altLang="en-US" smtClean="0"/>
               <a:t>マスター テキストの書式設定</a:t>
             </a:r>
           </a:p>
           <a:p>
             <a:pPr lvl="1"/>
             <a:r>
-              <a:rPr kumimoji="1" lang="ja-JP" altLang="en-US" smtClean="0"/>
+              <a:rPr lang="ja-JP" altLang="en-US" smtClean="0"/>
               <a:t>第 </a:t>
             </a:r>
             <a:r>
-              <a:rPr kumimoji="1" lang="en-US" altLang="ja-JP" smtClean="0"/>
+              <a:rPr lang="en-US" altLang="ja-JP" smtClean="0"/>
               <a:t>2 </a:t>
             </a:r>
             <a:r>
-              <a:rPr kumimoji="1" lang="ja-JP" altLang="en-US" smtClean="0"/>
+              <a:rPr lang="ja-JP" altLang="en-US" smtClean="0"/>
               <a:t>レベル</a:t>
             </a:r>
           </a:p>
           <a:p>
             <a:pPr lvl="2"/>
             <a:r>
-              <a:rPr kumimoji="1" lang="ja-JP" altLang="en-US" smtClean="0"/>
+              <a:rPr lang="ja-JP" altLang="en-US" smtClean="0"/>
               <a:t>第 </a:t>
             </a:r>
             <a:r>
-              <a:rPr kumimoji="1" lang="en-US" altLang="ja-JP" smtClean="0"/>
+              <a:rPr lang="en-US" altLang="ja-JP" smtClean="0"/>
               <a:t>3 </a:t>
             </a:r>
             <a:r>
-              <a:rPr kumimoji="1" lang="ja-JP" altLang="en-US" smtClean="0"/>
+              <a:rPr lang="ja-JP" altLang="en-US" smtClean="0"/>
               <a:t>レベル</a:t>
             </a:r>
           </a:p>
           <a:p>
             <a:pPr lvl="3"/>
             <a:r>
-              <a:rPr kumimoji="1" lang="ja-JP" altLang="en-US" smtClean="0"/>
+              <a:rPr lang="ja-JP" altLang="en-US" smtClean="0"/>
               <a:t>第 </a:t>
             </a:r>
             <a:r>
-              <a:rPr kumimoji="1" lang="en-US" altLang="ja-JP" smtClean="0"/>
+              <a:rPr lang="en-US" altLang="ja-JP" smtClean="0"/>
               <a:t>4 </a:t>
             </a:r>
             <a:r>
-              <a:rPr kumimoji="1" lang="ja-JP" altLang="en-US" smtClean="0"/>
+              <a:rPr lang="ja-JP" altLang="en-US" smtClean="0"/>
               <a:t>レベル</a:t>
             </a:r>
           </a:p>
           <a:p>
             <a:pPr lvl="4"/>
             <a:r>
-              <a:rPr kumimoji="1" lang="ja-JP" altLang="en-US" smtClean="0"/>
+              <a:rPr lang="ja-JP" altLang="en-US" smtClean="0"/>
               <a:t>第 </a:t>
             </a:r>
             <a:r>
-              <a:rPr kumimoji="1" lang="en-US" altLang="ja-JP" smtClean="0"/>
+              <a:rPr lang="en-US" altLang="ja-JP" smtClean="0"/>
               <a:t>5 </a:t>
             </a:r>
             <a:r>
-              <a:rPr kumimoji="1" lang="ja-JP" altLang="en-US" smtClean="0"/>
+              <a:rPr lang="ja-JP" altLang="en-US" smtClean="0"/>
               <a:t>レベル</a:t>
             </a:r>
-            <a:endParaRPr kumimoji="1" lang="ja-JP" altLang="en-US"/>
-          </a:p>
-        </p:txBody>
-      </p:sp>
-      <p:sp>
-        <p:nvSpPr>
-          <p:cNvPr id="7" name="日付プレースホルダー 6"/>
+            <a:endParaRPr lang="en-US" dirty="0"/>
+          </a:p>
+        </p:txBody>
+      </p:sp>
+      <p:sp>
+        <p:nvSpPr>
+          <p:cNvPr id="7" name="Date Placeholder 6"/>
           <p:cNvSpPr>
             <a:spLocks noGrp="1"/>
           </p:cNvSpPr>
@@ -2217,7 +2217,7 @@
           <a:p>
             <a:fld id="{AA641DB4-C951-4763-94FC-F650C3AA7E65}" type="datetimeFigureOut">
               <a:rPr kumimoji="1" lang="ja-JP" altLang="en-US" smtClean="0"/>
-              <a:t>2017/2/7</a:t>
+              <a:t>2017/11/16</a:t>
             </a:fld>
             <a:endParaRPr kumimoji="1" lang="ja-JP" altLang="en-US"/>
           </a:p>
@@ -2225,7 +2225,7 @@
       </p:sp>
       <p:sp>
         <p:nvSpPr>
-          <p:cNvPr id="8" name="フッター プレースホルダー 7"/>
+          <p:cNvPr id="8" name="Footer Placeholder 7"/>
           <p:cNvSpPr>
             <a:spLocks noGrp="1"/>
           </p:cNvSpPr>
@@ -2244,7 +2244,7 @@
       </p:sp>
       <p:sp>
         <p:nvSpPr>
-          <p:cNvPr id="9" name="スライド番号プレースホルダー 8"/>
+          <p:cNvPr id="9" name="Slide Number Placeholder 8"/>
           <p:cNvSpPr>
             <a:spLocks noGrp="1"/>
           </p:cNvSpPr>
@@ -2268,7 +2268,7 @@
     </p:spTree>
     <p:extLst>
       <p:ext uri="{BB962C8B-B14F-4D97-AF65-F5344CB8AC3E}">
-        <p14:creationId xmlns:p14="http://schemas.microsoft.com/office/powerpoint/2010/main" val="1967088265"/>
+        <p14:creationId xmlns:p14="http://schemas.microsoft.com/office/powerpoint/2010/main" val="486577335"/>
       </p:ext>
     </p:extLst>
   </p:cSld>
@@ -2297,7 +2297,7 @@
       </p:grpSpPr>
       <p:sp>
         <p:nvSpPr>
-          <p:cNvPr id="2" name="タイトル 1"/>
+          <p:cNvPr id="2" name="Title 1"/>
           <p:cNvSpPr>
             <a:spLocks noGrp="1"/>
           </p:cNvSpPr>
@@ -2311,16 +2311,16 @@
           <a:lstStyle/>
           <a:p>
             <a:r>
-              <a:rPr kumimoji="1" lang="ja-JP" altLang="en-US" smtClean="0"/>
+              <a:rPr lang="ja-JP" altLang="en-US" smtClean="0"/>
               <a:t>マスター タイトルの書式設定</a:t>
             </a:r>
-            <a:endParaRPr kumimoji="1" lang="ja-JP" altLang="en-US"/>
-          </a:p>
-        </p:txBody>
-      </p:sp>
-      <p:sp>
-        <p:nvSpPr>
-          <p:cNvPr id="3" name="日付プレースホルダー 2"/>
+            <a:endParaRPr lang="en-US" dirty="0"/>
+          </a:p>
+        </p:txBody>
+      </p:sp>
+      <p:sp>
+        <p:nvSpPr>
+          <p:cNvPr id="3" name="Date Placeholder 2"/>
           <p:cNvSpPr>
             <a:spLocks noGrp="1"/>
           </p:cNvSpPr>
@@ -2335,7 +2335,7 @@
           <a:p>
             <a:fld id="{AA641DB4-C951-4763-94FC-F650C3AA7E65}" type="datetimeFigureOut">
               <a:rPr kumimoji="1" lang="ja-JP" altLang="en-US" smtClean="0"/>
-              <a:t>2017/2/7</a:t>
+              <a:t>2017/11/16</a:t>
             </a:fld>
             <a:endParaRPr kumimoji="1" lang="ja-JP" altLang="en-US"/>
           </a:p>
@@ -2343,7 +2343,7 @@
       </p:sp>
       <p:sp>
         <p:nvSpPr>
-          <p:cNvPr id="4" name="フッター プレースホルダー 3"/>
+          <p:cNvPr id="4" name="Footer Placeholder 3"/>
           <p:cNvSpPr>
             <a:spLocks noGrp="1"/>
           </p:cNvSpPr>
@@ -2362,7 +2362,7 @@
       </p:sp>
       <p:sp>
         <p:nvSpPr>
-          <p:cNvPr id="5" name="スライド番号プレースホルダー 4"/>
+          <p:cNvPr id="5" name="Slide Number Placeholder 4"/>
           <p:cNvSpPr>
             <a:spLocks noGrp="1"/>
           </p:cNvSpPr>
@@ -2386,7 +2386,7 @@
     </p:spTree>
     <p:extLst>
       <p:ext uri="{BB962C8B-B14F-4D97-AF65-F5344CB8AC3E}">
-        <p14:creationId xmlns:p14="http://schemas.microsoft.com/office/powerpoint/2010/main" val="2110663203"/>
+        <p14:creationId xmlns:p14="http://schemas.microsoft.com/office/powerpoint/2010/main" val="1153002665"/>
       </p:ext>
     </p:extLst>
   </p:cSld>
@@ -2415,7 +2415,7 @@
       </p:grpSpPr>
       <p:sp>
         <p:nvSpPr>
-          <p:cNvPr id="2" name="日付プレースホルダー 1"/>
+          <p:cNvPr id="2" name="Date Placeholder 1"/>
           <p:cNvSpPr>
             <a:spLocks noGrp="1"/>
           </p:cNvSpPr>
@@ -2430,7 +2430,7 @@
           <a:p>
             <a:fld id="{AA641DB4-C951-4763-94FC-F650C3AA7E65}" type="datetimeFigureOut">
               <a:rPr kumimoji="1" lang="ja-JP" altLang="en-US" smtClean="0"/>
-              <a:t>2017/2/7</a:t>
+              <a:t>2017/11/16</a:t>
             </a:fld>
             <a:endParaRPr kumimoji="1" lang="ja-JP" altLang="en-US"/>
           </a:p>
@@ -2438,7 +2438,7 @@
       </p:sp>
       <p:sp>
         <p:nvSpPr>
-          <p:cNvPr id="3" name="フッター プレースホルダー 2"/>
+          <p:cNvPr id="3" name="Footer Placeholder 2"/>
           <p:cNvSpPr>
             <a:spLocks noGrp="1"/>
           </p:cNvSpPr>
@@ -2457,7 +2457,7 @@
       </p:sp>
       <p:sp>
         <p:nvSpPr>
-          <p:cNvPr id="4" name="スライド番号プレースホルダー 3"/>
+          <p:cNvPr id="4" name="Slide Number Placeholder 3"/>
           <p:cNvSpPr>
             <a:spLocks noGrp="1"/>
           </p:cNvSpPr>
@@ -2481,7 +2481,7 @@
     </p:spTree>
     <p:extLst>
       <p:ext uri="{BB962C8B-B14F-4D97-AF65-F5344CB8AC3E}">
-        <p14:creationId xmlns:p14="http://schemas.microsoft.com/office/powerpoint/2010/main" val="2514589980"/>
+        <p14:creationId xmlns:p14="http://schemas.microsoft.com/office/powerpoint/2010/main" val="101284153"/>
       </p:ext>
     </p:extLst>
   </p:cSld>
@@ -2510,7 +2510,7 @@
       </p:grpSpPr>
       <p:sp>
         <p:nvSpPr>
-          <p:cNvPr id="2" name="タイトル 1"/>
+          <p:cNvPr id="2" name="Title 1"/>
           <p:cNvSpPr>
             <a:spLocks noGrp="1"/>
           </p:cNvSpPr>
@@ -2520,29 +2520,29 @@
         </p:nvSpPr>
         <p:spPr>
           <a:xfrm>
-            <a:off x="839790" y="457200"/>
-            <a:ext cx="3932237" cy="1600200"/>
+            <a:off x="839789" y="336021"/>
+            <a:ext cx="3932237" cy="1176073"/>
           </a:xfrm>
         </p:spPr>
         <p:txBody>
           <a:bodyPr anchor="b"/>
           <a:lstStyle>
             <a:lvl1pPr>
-              <a:defRPr sz="3200"/>
+              <a:defRPr sz="2352"/>
             </a:lvl1pPr>
           </a:lstStyle>
           <a:p>
             <a:r>
-              <a:rPr kumimoji="1" lang="ja-JP" altLang="en-US" smtClean="0"/>
+              <a:rPr lang="ja-JP" altLang="en-US" smtClean="0"/>
               <a:t>マスター タイトルの書式設定</a:t>
             </a:r>
-            <a:endParaRPr kumimoji="1" lang="ja-JP" altLang="en-US"/>
-          </a:p>
-        </p:txBody>
-      </p:sp>
-      <p:sp>
-        <p:nvSpPr>
-          <p:cNvPr id="3" name="コンテンツ プレースホルダー 2"/>
+            <a:endParaRPr lang="en-US" dirty="0"/>
+          </a:p>
+        </p:txBody>
+      </p:sp>
+      <p:sp>
+        <p:nvSpPr>
+          <p:cNvPr id="3" name="Content Placeholder 2"/>
           <p:cNvSpPr>
             <a:spLocks noGrp="1"/>
           </p:cNvSpPr>
@@ -2552,114 +2552,114 @@
         </p:nvSpPr>
         <p:spPr>
           <a:xfrm>
-            <a:off x="5183188" y="987426"/>
-            <a:ext cx="6172200" cy="4873625"/>
+            <a:off x="5183188" y="725712"/>
+            <a:ext cx="6172200" cy="3581889"/>
           </a:xfrm>
         </p:spPr>
         <p:txBody>
           <a:bodyPr/>
           <a:lstStyle>
             <a:lvl1pPr>
-              <a:defRPr sz="3200"/>
+              <a:defRPr sz="2352"/>
             </a:lvl1pPr>
             <a:lvl2pPr>
-              <a:defRPr sz="2800"/>
+              <a:defRPr sz="2058"/>
             </a:lvl2pPr>
             <a:lvl3pPr>
-              <a:defRPr sz="2400"/>
+              <a:defRPr sz="1764"/>
             </a:lvl3pPr>
             <a:lvl4pPr>
-              <a:defRPr sz="2000"/>
+              <a:defRPr sz="1470"/>
             </a:lvl4pPr>
             <a:lvl5pPr>
-              <a:defRPr sz="2000"/>
+              <a:defRPr sz="1470"/>
             </a:lvl5pPr>
             <a:lvl6pPr>
-              <a:defRPr sz="2000"/>
+              <a:defRPr sz="1470"/>
             </a:lvl6pPr>
             <a:lvl7pPr>
-              <a:defRPr sz="2000"/>
+              <a:defRPr sz="1470"/>
             </a:lvl7pPr>
             <a:lvl8pPr>
-              <a:defRPr sz="2000"/>
+              <a:defRPr sz="1470"/>
             </a:lvl8pPr>
             <a:lvl9pPr>
-              <a:defRPr sz="2000"/>
+              <a:defRPr sz="1470"/>
             </a:lvl9pPr>
           </a:lstStyle>
           <a:p>
             <a:pPr lvl="0"/>
             <a:r>
-              <a:rPr kumimoji="1" lang="ja-JP" altLang="en-US" smtClean="0"/>
+              <a:rPr lang="ja-JP" altLang="en-US" smtClean="0"/>
               <a:t>マスター テキストの書式設定</a:t>
             </a:r>
           </a:p>
           <a:p>
             <a:pPr lvl="1"/>
             <a:r>
-              <a:rPr kumimoji="1" lang="ja-JP" altLang="en-US" smtClean="0"/>
+              <a:rPr lang="ja-JP" altLang="en-US" smtClean="0"/>
               <a:t>第 </a:t>
             </a:r>
             <a:r>
-              <a:rPr kumimoji="1" lang="en-US" altLang="ja-JP" smtClean="0"/>
+              <a:rPr lang="en-US" altLang="ja-JP" smtClean="0"/>
               <a:t>2 </a:t>
             </a:r>
             <a:r>
-              <a:rPr kumimoji="1" lang="ja-JP" altLang="en-US" smtClean="0"/>
+              <a:rPr lang="ja-JP" altLang="en-US" smtClean="0"/>
               <a:t>レベル</a:t>
             </a:r>
           </a:p>
           <a:p>
             <a:pPr lvl="2"/>
             <a:r>
-              <a:rPr kumimoji="1" lang="ja-JP" altLang="en-US" smtClean="0"/>
+              <a:rPr lang="ja-JP" altLang="en-US" smtClean="0"/>
               <a:t>第 </a:t>
             </a:r>
             <a:r>
-              <a:rPr kumimoji="1" lang="en-US" altLang="ja-JP" smtClean="0"/>
+              <a:rPr lang="en-US" altLang="ja-JP" smtClean="0"/>
               <a:t>3 </a:t>
             </a:r>
             <a:r>
-              <a:rPr kumimoji="1" lang="ja-JP" altLang="en-US" smtClean="0"/>
+              <a:rPr lang="ja-JP" altLang="en-US" smtClean="0"/>
               <a:t>レベル</a:t>
             </a:r>
           </a:p>
           <a:p>
             <a:pPr lvl="3"/>
             <a:r>
-              <a:rPr kumimoji="1" lang="ja-JP" altLang="en-US" smtClean="0"/>
+              <a:rPr lang="ja-JP" altLang="en-US" smtClean="0"/>
               <a:t>第 </a:t>
             </a:r>
             <a:r>
-              <a:rPr kumimoji="1" lang="en-US" altLang="ja-JP" smtClean="0"/>
+              <a:rPr lang="en-US" altLang="ja-JP" smtClean="0"/>
               <a:t>4 </a:t>
             </a:r>
             <a:r>
-              <a:rPr kumimoji="1" lang="ja-JP" altLang="en-US" smtClean="0"/>
+              <a:rPr lang="ja-JP" altLang="en-US" smtClean="0"/>
               <a:t>レベル</a:t>
             </a:r>
           </a:p>
           <a:p>
             <a:pPr lvl="4"/>
             <a:r>
-              <a:rPr kumimoji="1" lang="ja-JP" altLang="en-US" smtClean="0"/>
+              <a:rPr lang="ja-JP" altLang="en-US" smtClean="0"/>
               <a:t>第 </a:t>
             </a:r>
             <a:r>
-              <a:rPr kumimoji="1" lang="en-US" altLang="ja-JP" smtClean="0"/>
+              <a:rPr lang="en-US" altLang="ja-JP" smtClean="0"/>
               <a:t>5 </a:t>
             </a:r>
             <a:r>
-              <a:rPr kumimoji="1" lang="ja-JP" altLang="en-US" smtClean="0"/>
+              <a:rPr lang="ja-JP" altLang="en-US" smtClean="0"/>
               <a:t>レベル</a:t>
             </a:r>
-            <a:endParaRPr kumimoji="1" lang="ja-JP" altLang="en-US"/>
-          </a:p>
-        </p:txBody>
-      </p:sp>
-      <p:sp>
-        <p:nvSpPr>
-          <p:cNvPr id="4" name="テキスト プレースホルダー 3"/>
+            <a:endParaRPr lang="en-US" dirty="0"/>
+          </a:p>
+        </p:txBody>
+      </p:sp>
+      <p:sp>
+        <p:nvSpPr>
+          <p:cNvPr id="4" name="Text Placeholder 3"/>
           <p:cNvSpPr>
             <a:spLocks noGrp="1"/>
           </p:cNvSpPr>
@@ -2669,8 +2669,8 @@
         </p:nvSpPr>
         <p:spPr>
           <a:xfrm>
-            <a:off x="839790" y="2057400"/>
-            <a:ext cx="3932237" cy="3811589"/>
+            <a:off x="839789" y="1512094"/>
+            <a:ext cx="3932237" cy="2801341"/>
           </a:xfrm>
         </p:spPr>
         <p:txBody>
@@ -2678,45 +2678,45 @@
           <a:lstStyle>
             <a:lvl1pPr marL="0" indent="0">
               <a:buNone/>
-              <a:defRPr sz="1600"/>
+              <a:defRPr sz="1176"/>
             </a:lvl1pPr>
-            <a:lvl2pPr marL="457195" indent="0">
+            <a:lvl2pPr marL="336042" indent="0">
               <a:buNone/>
-              <a:defRPr sz="1400"/>
+              <a:defRPr sz="1029"/>
             </a:lvl2pPr>
-            <a:lvl3pPr marL="914392" indent="0">
+            <a:lvl3pPr marL="672084" indent="0">
               <a:buNone/>
-              <a:defRPr sz="1200"/>
+              <a:defRPr sz="882"/>
             </a:lvl3pPr>
-            <a:lvl4pPr marL="1371588" indent="0">
+            <a:lvl4pPr marL="1008126" indent="0">
               <a:buNone/>
-              <a:defRPr sz="1000"/>
+              <a:defRPr sz="735"/>
             </a:lvl4pPr>
-            <a:lvl5pPr marL="1828783" indent="0">
+            <a:lvl5pPr marL="1344168" indent="0">
               <a:buNone/>
-              <a:defRPr sz="1000"/>
+              <a:defRPr sz="735"/>
             </a:lvl5pPr>
-            <a:lvl6pPr marL="2285980" indent="0">
+            <a:lvl6pPr marL="1680210" indent="0">
               <a:buNone/>
-              <a:defRPr sz="1000"/>
+              <a:defRPr sz="735"/>
             </a:lvl6pPr>
-            <a:lvl7pPr marL="2743175" indent="0">
+            <a:lvl7pPr marL="2016252" indent="0">
               <a:buNone/>
-              <a:defRPr sz="1000"/>
+              <a:defRPr sz="735"/>
             </a:lvl7pPr>
-            <a:lvl8pPr marL="3200372" indent="0">
+            <a:lvl8pPr marL="2352294" indent="0">
               <a:buNone/>
-              <a:defRPr sz="1000"/>
+              <a:defRPr sz="735"/>
             </a:lvl8pPr>
-            <a:lvl9pPr marL="3657567" indent="0">
+            <a:lvl9pPr marL="2688336" indent="0">
               <a:buNone/>
-              <a:defRPr sz="1000"/>
+              <a:defRPr sz="735"/>
             </a:lvl9pPr>
           </a:lstStyle>
           <a:p>
             <a:pPr lvl="0"/>
             <a:r>
-              <a:rPr kumimoji="1" lang="ja-JP" altLang="en-US" smtClean="0"/>
+              <a:rPr lang="ja-JP" altLang="en-US" smtClean="0"/>
               <a:t>マスター テキストの書式設定</a:t>
             </a:r>
           </a:p>
@@ -2724,7 +2724,7 @@
       </p:sp>
       <p:sp>
         <p:nvSpPr>
-          <p:cNvPr id="5" name="日付プレースホルダー 4"/>
+          <p:cNvPr id="5" name="Date Placeholder 4"/>
           <p:cNvSpPr>
             <a:spLocks noGrp="1"/>
           </p:cNvSpPr>
@@ -2739,7 +2739,7 @@
           <a:p>
             <a:fld id="{AA641DB4-C951-4763-94FC-F650C3AA7E65}" type="datetimeFigureOut">
               <a:rPr kumimoji="1" lang="ja-JP" altLang="en-US" smtClean="0"/>
-              <a:t>2017/2/7</a:t>
+              <a:t>2017/11/16</a:t>
             </a:fld>
             <a:endParaRPr kumimoji="1" lang="ja-JP" altLang="en-US"/>
           </a:p>
@@ -2747,7 +2747,7 @@
       </p:sp>
       <p:sp>
         <p:nvSpPr>
-          <p:cNvPr id="6" name="フッター プレースホルダー 5"/>
+          <p:cNvPr id="6" name="Footer Placeholder 5"/>
           <p:cNvSpPr>
             <a:spLocks noGrp="1"/>
           </p:cNvSpPr>
@@ -2766,7 +2766,7 @@
       </p:sp>
       <p:sp>
         <p:nvSpPr>
-          <p:cNvPr id="7" name="スライド番号プレースホルダー 6"/>
+          <p:cNvPr id="7" name="Slide Number Placeholder 6"/>
           <p:cNvSpPr>
             <a:spLocks noGrp="1"/>
           </p:cNvSpPr>
@@ -2790,7 +2790,7 @@
     </p:spTree>
     <p:extLst>
       <p:ext uri="{BB962C8B-B14F-4D97-AF65-F5344CB8AC3E}">
-        <p14:creationId xmlns:p14="http://schemas.microsoft.com/office/powerpoint/2010/main" val="347036447"/>
+        <p14:creationId xmlns:p14="http://schemas.microsoft.com/office/powerpoint/2010/main" val="4090602671"/>
       </p:ext>
     </p:extLst>
   </p:cSld>
@@ -2819,7 +2819,7 @@
       </p:grpSpPr>
       <p:sp>
         <p:nvSpPr>
-          <p:cNvPr id="2" name="タイトル 1"/>
+          <p:cNvPr id="2" name="Title 1"/>
           <p:cNvSpPr>
             <a:spLocks noGrp="1"/>
           </p:cNvSpPr>
@@ -2829,31 +2829,31 @@
         </p:nvSpPr>
         <p:spPr>
           <a:xfrm>
-            <a:off x="839790" y="457200"/>
-            <a:ext cx="3932237" cy="1600200"/>
+            <a:off x="839789" y="336021"/>
+            <a:ext cx="3932237" cy="1176073"/>
           </a:xfrm>
         </p:spPr>
         <p:txBody>
           <a:bodyPr anchor="b"/>
           <a:lstStyle>
             <a:lvl1pPr>
-              <a:defRPr sz="3200"/>
+              <a:defRPr sz="2352"/>
             </a:lvl1pPr>
           </a:lstStyle>
           <a:p>
             <a:r>
-              <a:rPr kumimoji="1" lang="ja-JP" altLang="en-US" smtClean="0"/>
+              <a:rPr lang="ja-JP" altLang="en-US" smtClean="0"/>
               <a:t>マスター タイトルの書式設定</a:t>
             </a:r>
-            <a:endParaRPr kumimoji="1" lang="ja-JP" altLang="en-US"/>
-          </a:p>
-        </p:txBody>
-      </p:sp>
-      <p:sp>
-        <p:nvSpPr>
-          <p:cNvPr id="3" name="図プレースホルダー 2"/>
-          <p:cNvSpPr>
-            <a:spLocks noGrp="1"/>
+            <a:endParaRPr lang="en-US" dirty="0"/>
+          </a:p>
+        </p:txBody>
+      </p:sp>
+      <p:sp>
+        <p:nvSpPr>
+          <p:cNvPr id="3" name="Picture Placeholder 2"/>
+          <p:cNvSpPr>
+            <a:spLocks noGrp="1" noChangeAspect="1"/>
           </p:cNvSpPr>
           <p:nvPr>
             <p:ph type="pic" idx="1"/>
@@ -2861,8 +2861,73 @@
         </p:nvSpPr>
         <p:spPr>
           <a:xfrm>
-            <a:off x="5183188" y="987426"/>
-            <a:ext cx="6172200" cy="4873625"/>
+            <a:off x="5183188" y="725712"/>
+            <a:ext cx="6172200" cy="3581889"/>
+          </a:xfrm>
+        </p:spPr>
+        <p:txBody>
+          <a:bodyPr anchor="t"/>
+          <a:lstStyle>
+            <a:lvl1pPr marL="0" indent="0">
+              <a:buNone/>
+              <a:defRPr sz="2352"/>
+            </a:lvl1pPr>
+            <a:lvl2pPr marL="336042" indent="0">
+              <a:buNone/>
+              <a:defRPr sz="2058"/>
+            </a:lvl2pPr>
+            <a:lvl3pPr marL="672084" indent="0">
+              <a:buNone/>
+              <a:defRPr sz="1764"/>
+            </a:lvl3pPr>
+            <a:lvl4pPr marL="1008126" indent="0">
+              <a:buNone/>
+              <a:defRPr sz="1470"/>
+            </a:lvl4pPr>
+            <a:lvl5pPr marL="1344168" indent="0">
+              <a:buNone/>
+              <a:defRPr sz="1470"/>
+            </a:lvl5pPr>
+            <a:lvl6pPr marL="1680210" indent="0">
+              <a:buNone/>
+              <a:defRPr sz="1470"/>
+            </a:lvl6pPr>
+            <a:lvl7pPr marL="2016252" indent="0">
+              <a:buNone/>
+              <a:defRPr sz="1470"/>
+            </a:lvl7pPr>
+            <a:lvl8pPr marL="2352294" indent="0">
+              <a:buNone/>
+              <a:defRPr sz="1470"/>
+            </a:lvl8pPr>
+            <a:lvl9pPr marL="2688336" indent="0">
+              <a:buNone/>
+              <a:defRPr sz="1470"/>
+            </a:lvl9pPr>
+          </a:lstStyle>
+          <a:p>
+            <a:r>
+              <a:rPr lang="ja-JP" altLang="en-US" smtClean="0"/>
+              <a:t>図を追加</a:t>
+            </a:r>
+            <a:endParaRPr lang="en-US" dirty="0"/>
+          </a:p>
+        </p:txBody>
+      </p:sp>
+      <p:sp>
+        <p:nvSpPr>
+          <p:cNvPr id="4" name="Text Placeholder 3"/>
+          <p:cNvSpPr>
+            <a:spLocks noGrp="1"/>
+          </p:cNvSpPr>
+          <p:nvPr>
+            <p:ph type="body" sz="half" idx="2"/>
+          </p:nvPr>
+        </p:nvSpPr>
+        <p:spPr>
+          <a:xfrm>
+            <a:off x="839789" y="1512094"/>
+            <a:ext cx="3932237" cy="2801341"/>
           </a:xfrm>
         </p:spPr>
         <p:txBody>
@@ -2870,106 +2935,45 @@
           <a:lstStyle>
             <a:lvl1pPr marL="0" indent="0">
               <a:buNone/>
-              <a:defRPr sz="3200"/>
+              <a:defRPr sz="1176"/>
             </a:lvl1pPr>
-            <a:lvl2pPr marL="457195" indent="0">
+            <a:lvl2pPr marL="336042" indent="0">
               <a:buNone/>
-              <a:defRPr sz="2800"/>
+              <a:defRPr sz="1029"/>
             </a:lvl2pPr>
-            <a:lvl3pPr marL="914392" indent="0">
+            <a:lvl3pPr marL="672084" indent="0">
               <a:buNone/>
-              <a:defRPr sz="2400"/>
+              <a:defRPr sz="882"/>
             </a:lvl3pPr>
-            <a:lvl4pPr marL="1371588" indent="0">
+            <a:lvl4pPr marL="1008126" indent="0">
               <a:buNone/>
-              <a:defRPr sz="2000"/>
+              <a:defRPr sz="735"/>
             </a:lvl4pPr>
-            <a:lvl5pPr marL="1828783" indent="0">
+            <a:lvl5pPr marL="1344168" indent="0">
               <a:buNone/>
-              <a:defRPr sz="2000"/>
+              <a:defRPr sz="735"/>
             </a:lvl5pPr>
-            <a:lvl6pPr marL="2285980" indent="0">
+            <a:lvl6pPr marL="1680210" indent="0">
               <a:buNone/>
-              <a:defRPr sz="2000"/>
+              <a:defRPr sz="735"/>
             </a:lvl6pPr>
-            <a:lvl7pPr marL="2743175" indent="0">
+            <a:lvl7pPr marL="2016252" indent="0">
               <a:buNone/>
-              <a:defRPr sz="2000"/>
+              <a:defRPr sz="735"/>
             </a:lvl7pPr>
-            <a:lvl8pPr marL="3200372" indent="0">
+            <a:lvl8pPr marL="2352294" indent="0">
               <a:buNone/>
-              <a:defRPr sz="2000"/>
+              <a:defRPr sz="735"/>
             </a:lvl8pPr>
-            <a:lvl9pPr marL="3657567" indent="0">
+            <a:lvl9pPr marL="2688336" indent="0">
               <a:buNone/>
-              <a:defRPr sz="2000"/>
+              <a:defRPr sz="735"/>
             </a:lvl9pPr>
           </a:lstStyle>
           <a:p>
-            <a:endParaRPr kumimoji="1" lang="ja-JP" altLang="en-US"/>
-          </a:p>
-        </p:txBody>
-      </p:sp>
-      <p:sp>
-        <p:nvSpPr>
-          <p:cNvPr id="4" name="テキスト プレースホルダー 3"/>
-          <p:cNvSpPr>
-            <a:spLocks noGrp="1"/>
-          </p:cNvSpPr>
-          <p:nvPr>
-            <p:ph type="body" sz="half" idx="2"/>
-          </p:nvPr>
-        </p:nvSpPr>
-        <p:spPr>
-          <a:xfrm>
-            <a:off x="839790" y="2057400"/>
-            <a:ext cx="3932237" cy="3811589"/>
-          </a:xfrm>
-        </p:spPr>
-        <p:txBody>
-          <a:bodyPr/>
-          <a:lstStyle>
-            <a:lvl1pPr marL="0" indent="0">
-              <a:buNone/>
-              <a:defRPr sz="1600"/>
-            </a:lvl1pPr>
-            <a:lvl2pPr marL="457195" indent="0">
-              <a:buNone/>
-              <a:defRPr sz="1400"/>
-            </a:lvl2pPr>
-            <a:lvl3pPr marL="914392" indent="0">
-              <a:buNone/>
-              <a:defRPr sz="1200"/>
-            </a:lvl3pPr>
-            <a:lvl4pPr marL="1371588" indent="0">
-              <a:buNone/>
-              <a:defRPr sz="1000"/>
-            </a:lvl4pPr>
-            <a:lvl5pPr marL="1828783" indent="0">
-              <a:buNone/>
-              <a:defRPr sz="1000"/>
-            </a:lvl5pPr>
-            <a:lvl6pPr marL="2285980" indent="0">
-              <a:buNone/>
-              <a:defRPr sz="1000"/>
-            </a:lvl6pPr>
-            <a:lvl7pPr marL="2743175" indent="0">
-              <a:buNone/>
-              <a:defRPr sz="1000"/>
-            </a:lvl7pPr>
-            <a:lvl8pPr marL="3200372" indent="0">
-              <a:buNone/>
-              <a:defRPr sz="1000"/>
-            </a:lvl8pPr>
-            <a:lvl9pPr marL="3657567" indent="0">
-              <a:buNone/>
-              <a:defRPr sz="1000"/>
-            </a:lvl9pPr>
-          </a:lstStyle>
-          <a:p>
             <a:pPr lvl="0"/>
             <a:r>
-              <a:rPr kumimoji="1" lang="ja-JP" altLang="en-US" smtClean="0"/>
+              <a:rPr lang="ja-JP" altLang="en-US" smtClean="0"/>
               <a:t>マスター テキストの書式設定</a:t>
             </a:r>
           </a:p>
@@ -2977,7 +2981,7 @@
       </p:sp>
       <p:sp>
         <p:nvSpPr>
-          <p:cNvPr id="5" name="日付プレースホルダー 4"/>
+          <p:cNvPr id="5" name="Date Placeholder 4"/>
           <p:cNvSpPr>
             <a:spLocks noGrp="1"/>
           </p:cNvSpPr>
@@ -2992,7 +2996,7 @@
           <a:p>
             <a:fld id="{AA641DB4-C951-4763-94FC-F650C3AA7E65}" type="datetimeFigureOut">
               <a:rPr kumimoji="1" lang="ja-JP" altLang="en-US" smtClean="0"/>
-              <a:t>2017/2/7</a:t>
+              <a:t>2017/11/16</a:t>
             </a:fld>
             <a:endParaRPr kumimoji="1" lang="ja-JP" altLang="en-US"/>
           </a:p>
@@ -3000,7 +3004,7 @@
       </p:sp>
       <p:sp>
         <p:nvSpPr>
-          <p:cNvPr id="6" name="フッター プレースホルダー 5"/>
+          <p:cNvPr id="6" name="Footer Placeholder 5"/>
           <p:cNvSpPr>
             <a:spLocks noGrp="1"/>
           </p:cNvSpPr>
@@ -3019,7 +3023,7 @@
       </p:sp>
       <p:sp>
         <p:nvSpPr>
-          <p:cNvPr id="7" name="スライド番号プレースホルダー 6"/>
+          <p:cNvPr id="7" name="Slide Number Placeholder 6"/>
           <p:cNvSpPr>
             <a:spLocks noGrp="1"/>
           </p:cNvSpPr>
@@ -3043,7 +3047,7 @@
     </p:spTree>
     <p:extLst>
       <p:ext uri="{BB962C8B-B14F-4D97-AF65-F5344CB8AC3E}">
-        <p14:creationId xmlns:p14="http://schemas.microsoft.com/office/powerpoint/2010/main" val="1851267295"/>
+        <p14:creationId xmlns:p14="http://schemas.microsoft.com/office/powerpoint/2010/main" val="3363061454"/>
       </p:ext>
     </p:extLst>
   </p:cSld>
@@ -3077,7 +3081,7 @@
       </p:grpSpPr>
       <p:sp>
         <p:nvSpPr>
-          <p:cNvPr id="2" name="タイトル プレースホルダー 1"/>
+          <p:cNvPr id="2" name="Title Placeholder 1"/>
           <p:cNvSpPr>
             <a:spLocks noGrp="1"/>
           </p:cNvSpPr>
@@ -3087,8 +3091,8 @@
         </p:nvSpPr>
         <p:spPr>
           <a:xfrm>
-            <a:off x="838200" y="365126"/>
-            <a:ext cx="10515600" cy="1325563"/>
+            <a:off x="838200" y="268350"/>
+            <a:ext cx="10515600" cy="974228"/>
           </a:xfrm>
           <a:prstGeom prst="rect">
             <a:avLst/>
@@ -3101,16 +3105,16 @@
           <a:lstStyle/>
           <a:p>
             <a:r>
-              <a:rPr kumimoji="1" lang="ja-JP" altLang="en-US" smtClean="0"/>
+              <a:rPr lang="ja-JP" altLang="en-US" smtClean="0"/>
               <a:t>マスター タイトルの書式設定</a:t>
             </a:r>
-            <a:endParaRPr kumimoji="1" lang="ja-JP" altLang="en-US"/>
-          </a:p>
-        </p:txBody>
-      </p:sp>
-      <p:sp>
-        <p:nvSpPr>
-          <p:cNvPr id="3" name="テキスト プレースホルダー 2"/>
+            <a:endParaRPr lang="en-US" dirty="0"/>
+          </a:p>
+        </p:txBody>
+      </p:sp>
+      <p:sp>
+        <p:nvSpPr>
+          <p:cNvPr id="3" name="Text Placeholder 2"/>
           <p:cNvSpPr>
             <a:spLocks noGrp="1"/>
           </p:cNvSpPr>
@@ -3120,8 +3124,8 @@
         </p:nvSpPr>
         <p:spPr>
           <a:xfrm>
-            <a:off x="838200" y="1825625"/>
-            <a:ext cx="10515600" cy="4351338"/>
+            <a:off x="838200" y="1341750"/>
+            <a:ext cx="10515600" cy="3198032"/>
           </a:xfrm>
           <a:prstGeom prst="rect">
             <a:avLst/>
@@ -3135,76 +3139,76 @@
           <a:p>
             <a:pPr lvl="0"/>
             <a:r>
-              <a:rPr kumimoji="1" lang="ja-JP" altLang="en-US" smtClean="0"/>
+              <a:rPr lang="ja-JP" altLang="en-US" smtClean="0"/>
               <a:t>マスター テキストの書式設定</a:t>
             </a:r>
           </a:p>
           <a:p>
             <a:pPr lvl="1"/>
             <a:r>
-              <a:rPr kumimoji="1" lang="ja-JP" altLang="en-US" smtClean="0"/>
+              <a:rPr lang="ja-JP" altLang="en-US" smtClean="0"/>
               <a:t>第 </a:t>
             </a:r>
             <a:r>
-              <a:rPr kumimoji="1" lang="en-US" altLang="ja-JP" smtClean="0"/>
+              <a:rPr lang="en-US" altLang="ja-JP" smtClean="0"/>
               <a:t>2 </a:t>
             </a:r>
             <a:r>
-              <a:rPr kumimoji="1" lang="ja-JP" altLang="en-US" smtClean="0"/>
+              <a:rPr lang="ja-JP" altLang="en-US" smtClean="0"/>
               <a:t>レベル</a:t>
             </a:r>
           </a:p>
           <a:p>
             <a:pPr lvl="2"/>
             <a:r>
-              <a:rPr kumimoji="1" lang="ja-JP" altLang="en-US" smtClean="0"/>
+              <a:rPr lang="ja-JP" altLang="en-US" smtClean="0"/>
               <a:t>第 </a:t>
             </a:r>
             <a:r>
-              <a:rPr kumimoji="1" lang="en-US" altLang="ja-JP" smtClean="0"/>
+              <a:rPr lang="en-US" altLang="ja-JP" smtClean="0"/>
               <a:t>3 </a:t>
             </a:r>
             <a:r>
-              <a:rPr kumimoji="1" lang="ja-JP" altLang="en-US" smtClean="0"/>
+              <a:rPr lang="ja-JP" altLang="en-US" smtClean="0"/>
               <a:t>レベル</a:t>
             </a:r>
           </a:p>
           <a:p>
             <a:pPr lvl="3"/>
             <a:r>
-              <a:rPr kumimoji="1" lang="ja-JP" altLang="en-US" smtClean="0"/>
+              <a:rPr lang="ja-JP" altLang="en-US" smtClean="0"/>
               <a:t>第 </a:t>
             </a:r>
             <a:r>
-              <a:rPr kumimoji="1" lang="en-US" altLang="ja-JP" smtClean="0"/>
+              <a:rPr lang="en-US" altLang="ja-JP" smtClean="0"/>
               <a:t>4 </a:t>
             </a:r>
             <a:r>
-              <a:rPr kumimoji="1" lang="ja-JP" altLang="en-US" smtClean="0"/>
+              <a:rPr lang="ja-JP" altLang="en-US" smtClean="0"/>
               <a:t>レベル</a:t>
             </a:r>
           </a:p>
           <a:p>
             <a:pPr lvl="4"/>
             <a:r>
-              <a:rPr kumimoji="1" lang="ja-JP" altLang="en-US" smtClean="0"/>
+              <a:rPr lang="ja-JP" altLang="en-US" smtClean="0"/>
               <a:t>第 </a:t>
             </a:r>
             <a:r>
-              <a:rPr kumimoji="1" lang="en-US" altLang="ja-JP" smtClean="0"/>
+              <a:rPr lang="en-US" altLang="ja-JP" smtClean="0"/>
               <a:t>5 </a:t>
             </a:r>
             <a:r>
-              <a:rPr kumimoji="1" lang="ja-JP" altLang="en-US" smtClean="0"/>
+              <a:rPr lang="ja-JP" altLang="en-US" smtClean="0"/>
               <a:t>レベル</a:t>
             </a:r>
-            <a:endParaRPr kumimoji="1" lang="ja-JP" altLang="en-US"/>
-          </a:p>
-        </p:txBody>
-      </p:sp>
-      <p:sp>
-        <p:nvSpPr>
-          <p:cNvPr id="4" name="日付プレースホルダー 3"/>
+            <a:endParaRPr lang="en-US" dirty="0"/>
+          </a:p>
+        </p:txBody>
+      </p:sp>
+      <p:sp>
+        <p:nvSpPr>
+          <p:cNvPr id="4" name="Date Placeholder 3"/>
           <p:cNvSpPr>
             <a:spLocks noGrp="1"/>
           </p:cNvSpPr>
@@ -3214,8 +3218,8 @@
         </p:nvSpPr>
         <p:spPr>
           <a:xfrm>
-            <a:off x="838200" y="6356351"/>
-            <a:ext cx="2743200" cy="365125"/>
+            <a:off x="838200" y="4671624"/>
+            <a:ext cx="2743200" cy="268350"/>
           </a:xfrm>
           <a:prstGeom prst="rect">
             <a:avLst/>
@@ -3225,7 +3229,7 @@
           <a:bodyPr vert="horz" lIns="91440" tIns="45720" rIns="91440" bIns="45720" rtlCol="0" anchor="ctr"/>
           <a:lstStyle>
             <a:lvl1pPr algn="l">
-              <a:defRPr sz="1200">
+              <a:defRPr sz="882">
                 <a:solidFill>
                   <a:schemeClr val="tx1">
                     <a:tint val="75000"/>
@@ -3237,7 +3241,7 @@
           <a:p>
             <a:fld id="{AA641DB4-C951-4763-94FC-F650C3AA7E65}" type="datetimeFigureOut">
               <a:rPr kumimoji="1" lang="ja-JP" altLang="en-US" smtClean="0"/>
-              <a:t>2017/2/7</a:t>
+              <a:t>2017/11/16</a:t>
             </a:fld>
             <a:endParaRPr kumimoji="1" lang="ja-JP" altLang="en-US"/>
           </a:p>
@@ -3245,7 +3249,7 @@
       </p:sp>
       <p:sp>
         <p:nvSpPr>
-          <p:cNvPr id="5" name="フッター プレースホルダー 4"/>
+          <p:cNvPr id="5" name="Footer Placeholder 4"/>
           <p:cNvSpPr>
             <a:spLocks noGrp="1"/>
           </p:cNvSpPr>
@@ -3255,8 +3259,8 @@
         </p:nvSpPr>
         <p:spPr>
           <a:xfrm>
-            <a:off x="4038600" y="6356351"/>
-            <a:ext cx="4114800" cy="365125"/>
+            <a:off x="4038600" y="4671624"/>
+            <a:ext cx="4114800" cy="268350"/>
           </a:xfrm>
           <a:prstGeom prst="rect">
             <a:avLst/>
@@ -3266,7 +3270,7 @@
           <a:bodyPr vert="horz" lIns="91440" tIns="45720" rIns="91440" bIns="45720" rtlCol="0" anchor="ctr"/>
           <a:lstStyle>
             <a:lvl1pPr algn="ctr">
-              <a:defRPr sz="1200">
+              <a:defRPr sz="882">
                 <a:solidFill>
                   <a:schemeClr val="tx1">
                     <a:tint val="75000"/>
@@ -3282,7 +3286,7 @@
       </p:sp>
       <p:sp>
         <p:nvSpPr>
-          <p:cNvPr id="6" name="スライド番号プレースホルダー 5"/>
+          <p:cNvPr id="6" name="Slide Number Placeholder 5"/>
           <p:cNvSpPr>
             <a:spLocks noGrp="1"/>
           </p:cNvSpPr>
@@ -3292,8 +3296,8 @@
         </p:nvSpPr>
         <p:spPr>
           <a:xfrm>
-            <a:off x="8610600" y="6356351"/>
-            <a:ext cx="2743200" cy="365125"/>
+            <a:off x="8610600" y="4671624"/>
+            <a:ext cx="2743200" cy="268350"/>
           </a:xfrm>
           <a:prstGeom prst="rect">
             <a:avLst/>
@@ -3303,7 +3307,7 @@
           <a:bodyPr vert="horz" lIns="91440" tIns="45720" rIns="91440" bIns="45720" rtlCol="0" anchor="ctr"/>
           <a:lstStyle>
             <a:lvl1pPr algn="r">
-              <a:defRPr sz="1200">
+              <a:defRPr sz="882">
                 <a:solidFill>
                   <a:schemeClr val="tx1">
                     <a:tint val="75000"/>
@@ -3324,27 +3328,27 @@
     </p:spTree>
     <p:extLst>
       <p:ext uri="{BB962C8B-B14F-4D97-AF65-F5344CB8AC3E}">
-        <p14:creationId xmlns:p14="http://schemas.microsoft.com/office/powerpoint/2010/main" val="1848971880"/>
+        <p14:creationId xmlns:p14="http://schemas.microsoft.com/office/powerpoint/2010/main" val="754430864"/>
       </p:ext>
     </p:extLst>
   </p:cSld>
   <p:clrMap bg1="lt1" tx1="dk1" bg2="lt2" tx2="dk2" accent1="accent1" accent2="accent2" accent3="accent3" accent4="accent4" accent5="accent5" accent6="accent6" hlink="hlink" folHlink="folHlink"/>
   <p:sldLayoutIdLst>
-    <p:sldLayoutId id="2147483649" r:id="rId1"/>
-    <p:sldLayoutId id="2147483650" r:id="rId2"/>
-    <p:sldLayoutId id="2147483651" r:id="rId3"/>
-    <p:sldLayoutId id="2147483652" r:id="rId4"/>
-    <p:sldLayoutId id="2147483653" r:id="rId5"/>
-    <p:sldLayoutId id="2147483654" r:id="rId6"/>
-    <p:sldLayoutId id="2147483655" r:id="rId7"/>
-    <p:sldLayoutId id="2147483656" r:id="rId8"/>
-    <p:sldLayoutId id="2147483657" r:id="rId9"/>
-    <p:sldLayoutId id="2147483658" r:id="rId10"/>
-    <p:sldLayoutId id="2147483659" r:id="rId11"/>
+    <p:sldLayoutId id="2147483661" r:id="rId1"/>
+    <p:sldLayoutId id="2147483662" r:id="rId2"/>
+    <p:sldLayoutId id="2147483663" r:id="rId3"/>
+    <p:sldLayoutId id="2147483664" r:id="rId4"/>
+    <p:sldLayoutId id="2147483665" r:id="rId5"/>
+    <p:sldLayoutId id="2147483666" r:id="rId6"/>
+    <p:sldLayoutId id="2147483667" r:id="rId7"/>
+    <p:sldLayoutId id="2147483668" r:id="rId8"/>
+    <p:sldLayoutId id="2147483669" r:id="rId9"/>
+    <p:sldLayoutId id="2147483670" r:id="rId10"/>
+    <p:sldLayoutId id="2147483671" r:id="rId11"/>
   </p:sldLayoutIdLst>
   <p:txStyles>
     <p:titleStyle>
-      <a:lvl1pPr algn="l" defTabSz="914392" rtl="0" eaLnBrk="1" latinLnBrk="0" hangingPunct="1">
+      <a:lvl1pPr algn="l" defTabSz="672084" rtl="0" eaLnBrk="1" latinLnBrk="0" hangingPunct="1">
         <a:lnSpc>
           <a:spcPct val="90000"/>
         </a:lnSpc>
@@ -3352,7 +3356,7 @@
           <a:spcPct val="0"/>
         </a:spcBef>
         <a:buNone/>
-        <a:defRPr kumimoji="1" sz="4400" kern="1200">
+        <a:defRPr kumimoji="1" sz="3234" kern="1200">
           <a:solidFill>
             <a:schemeClr val="tx1"/>
           </a:solidFill>
@@ -3363,16 +3367,16 @@
       </a:lvl1pPr>
     </p:titleStyle>
     <p:bodyStyle>
-      <a:lvl1pPr marL="228598" indent="-228598" algn="l" defTabSz="914392" rtl="0" eaLnBrk="1" latinLnBrk="0" hangingPunct="1">
+      <a:lvl1pPr marL="168021" indent="-168021" algn="l" defTabSz="672084" rtl="0" eaLnBrk="1" latinLnBrk="0" hangingPunct="1">
         <a:lnSpc>
           <a:spcPct val="90000"/>
         </a:lnSpc>
         <a:spcBef>
-          <a:spcPts val="1000"/>
+          <a:spcPts val="735"/>
         </a:spcBef>
         <a:buFont typeface="Arial" panose="020B0604020202020204" pitchFamily="34" charset="0"/>
         <a:buChar char="•"/>
-        <a:defRPr kumimoji="1" sz="2800" kern="1200">
+        <a:defRPr kumimoji="1" sz="2058" kern="1200">
           <a:solidFill>
             <a:schemeClr val="tx1"/>
           </a:solidFill>
@@ -3381,16 +3385,16 @@
           <a:cs typeface="+mn-cs"/>
         </a:defRPr>
       </a:lvl1pPr>
-      <a:lvl2pPr marL="685794" indent="-228598" algn="l" defTabSz="914392" rtl="0" eaLnBrk="1" latinLnBrk="0" hangingPunct="1">
+      <a:lvl2pPr marL="504063" indent="-168021" algn="l" defTabSz="672084" rtl="0" eaLnBrk="1" latinLnBrk="0" hangingPunct="1">
         <a:lnSpc>
           <a:spcPct val="90000"/>
         </a:lnSpc>
         <a:spcBef>
-          <a:spcPts val="500"/>
+          <a:spcPts val="368"/>
         </a:spcBef>
         <a:buFont typeface="Arial" panose="020B0604020202020204" pitchFamily="34" charset="0"/>
         <a:buChar char="•"/>
-        <a:defRPr kumimoji="1" sz="2400" kern="1200">
+        <a:defRPr kumimoji="1" sz="1764" kern="1200">
           <a:solidFill>
             <a:schemeClr val="tx1"/>
           </a:solidFill>
@@ -3399,16 +3403,16 @@
           <a:cs typeface="+mn-cs"/>
         </a:defRPr>
       </a:lvl2pPr>
-      <a:lvl3pPr marL="1142990" indent="-228598" algn="l" defTabSz="914392" rtl="0" eaLnBrk="1" latinLnBrk="0" hangingPunct="1">
+      <a:lvl3pPr marL="840105" indent="-168021" algn="l" defTabSz="672084" rtl="0" eaLnBrk="1" latinLnBrk="0" hangingPunct="1">
         <a:lnSpc>
           <a:spcPct val="90000"/>
         </a:lnSpc>
         <a:spcBef>
-          <a:spcPts val="500"/>
+          <a:spcPts val="368"/>
         </a:spcBef>
         <a:buFont typeface="Arial" panose="020B0604020202020204" pitchFamily="34" charset="0"/>
         <a:buChar char="•"/>
-        <a:defRPr kumimoji="1" sz="2000" kern="1200">
+        <a:defRPr kumimoji="1" sz="1470" kern="1200">
           <a:solidFill>
             <a:schemeClr val="tx1"/>
           </a:solidFill>
@@ -3417,16 +3421,16 @@
           <a:cs typeface="+mn-cs"/>
         </a:defRPr>
       </a:lvl3pPr>
-      <a:lvl4pPr marL="1600185" indent="-228598" algn="l" defTabSz="914392" rtl="0" eaLnBrk="1" latinLnBrk="0" hangingPunct="1">
+      <a:lvl4pPr marL="1176147" indent="-168021" algn="l" defTabSz="672084" rtl="0" eaLnBrk="1" latinLnBrk="0" hangingPunct="1">
         <a:lnSpc>
           <a:spcPct val="90000"/>
         </a:lnSpc>
         <a:spcBef>
-          <a:spcPts val="500"/>
+          <a:spcPts val="368"/>
         </a:spcBef>
         <a:buFont typeface="Arial" panose="020B0604020202020204" pitchFamily="34" charset="0"/>
         <a:buChar char="•"/>
-        <a:defRPr kumimoji="1" sz="1800" kern="1200">
+        <a:defRPr kumimoji="1" sz="1323" kern="1200">
           <a:solidFill>
             <a:schemeClr val="tx1"/>
           </a:solidFill>
@@ -3435,16 +3439,16 @@
           <a:cs typeface="+mn-cs"/>
         </a:defRPr>
       </a:lvl4pPr>
-      <a:lvl5pPr marL="2057382" indent="-228598" algn="l" defTabSz="914392" rtl="0" eaLnBrk="1" latinLnBrk="0" hangingPunct="1">
+      <a:lvl5pPr marL="1512189" indent="-168021" algn="l" defTabSz="672084" rtl="0" eaLnBrk="1" latinLnBrk="0" hangingPunct="1">
         <a:lnSpc>
           <a:spcPct val="90000"/>
         </a:lnSpc>
         <a:spcBef>
-          <a:spcPts val="500"/>
+          <a:spcPts val="368"/>
         </a:spcBef>
         <a:buFont typeface="Arial" panose="020B0604020202020204" pitchFamily="34" charset="0"/>
         <a:buChar char="•"/>
-        <a:defRPr kumimoji="1" sz="1800" kern="1200">
+        <a:defRPr kumimoji="1" sz="1323" kern="1200">
           <a:solidFill>
             <a:schemeClr val="tx1"/>
           </a:solidFill>
@@ -3453,16 +3457,16 @@
           <a:cs typeface="+mn-cs"/>
         </a:defRPr>
       </a:lvl5pPr>
-      <a:lvl6pPr marL="2514577" indent="-228598" algn="l" defTabSz="914392" rtl="0" eaLnBrk="1" latinLnBrk="0" hangingPunct="1">
+      <a:lvl6pPr marL="1848231" indent="-168021" algn="l" defTabSz="672084" rtl="0" eaLnBrk="1" latinLnBrk="0" hangingPunct="1">
         <a:lnSpc>
           <a:spcPct val="90000"/>
         </a:lnSpc>
         <a:spcBef>
-          <a:spcPts val="500"/>
+          <a:spcPts val="368"/>
         </a:spcBef>
         <a:buFont typeface="Arial" panose="020B0604020202020204" pitchFamily="34" charset="0"/>
         <a:buChar char="•"/>
-        <a:defRPr kumimoji="1" sz="1800" kern="1200">
+        <a:defRPr kumimoji="1" sz="1323" kern="1200">
           <a:solidFill>
             <a:schemeClr val="tx1"/>
           </a:solidFill>
@@ -3471,16 +3475,16 @@
           <a:cs typeface="+mn-cs"/>
         </a:defRPr>
       </a:lvl6pPr>
-      <a:lvl7pPr marL="2971773" indent="-228598" algn="l" defTabSz="914392" rtl="0" eaLnBrk="1" latinLnBrk="0" hangingPunct="1">
+      <a:lvl7pPr marL="2184273" indent="-168021" algn="l" defTabSz="672084" rtl="0" eaLnBrk="1" latinLnBrk="0" hangingPunct="1">
         <a:lnSpc>
           <a:spcPct val="90000"/>
         </a:lnSpc>
         <a:spcBef>
-          <a:spcPts val="500"/>
+          <a:spcPts val="368"/>
         </a:spcBef>
         <a:buFont typeface="Arial" panose="020B0604020202020204" pitchFamily="34" charset="0"/>
         <a:buChar char="•"/>
-        <a:defRPr kumimoji="1" sz="1800" kern="1200">
+        <a:defRPr kumimoji="1" sz="1323" kern="1200">
           <a:solidFill>
             <a:schemeClr val="tx1"/>
           </a:solidFill>
@@ -3489,16 +3493,16 @@
           <a:cs typeface="+mn-cs"/>
         </a:defRPr>
       </a:lvl7pPr>
-      <a:lvl8pPr marL="3428970" indent="-228598" algn="l" defTabSz="914392" rtl="0" eaLnBrk="1" latinLnBrk="0" hangingPunct="1">
+      <a:lvl8pPr marL="2520315" indent="-168021" algn="l" defTabSz="672084" rtl="0" eaLnBrk="1" latinLnBrk="0" hangingPunct="1">
         <a:lnSpc>
           <a:spcPct val="90000"/>
         </a:lnSpc>
         <a:spcBef>
-          <a:spcPts val="500"/>
+          <a:spcPts val="368"/>
         </a:spcBef>
         <a:buFont typeface="Arial" panose="020B0604020202020204" pitchFamily="34" charset="0"/>
         <a:buChar char="•"/>
-        <a:defRPr kumimoji="1" sz="1800" kern="1200">
+        <a:defRPr kumimoji="1" sz="1323" kern="1200">
           <a:solidFill>
             <a:schemeClr val="tx1"/>
           </a:solidFill>
@@ -3507,16 +3511,16 @@
           <a:cs typeface="+mn-cs"/>
         </a:defRPr>
       </a:lvl8pPr>
-      <a:lvl9pPr marL="3886165" indent="-228598" algn="l" defTabSz="914392" rtl="0" eaLnBrk="1" latinLnBrk="0" hangingPunct="1">
+      <a:lvl9pPr marL="2856357" indent="-168021" algn="l" defTabSz="672084" rtl="0" eaLnBrk="1" latinLnBrk="0" hangingPunct="1">
         <a:lnSpc>
           <a:spcPct val="90000"/>
         </a:lnSpc>
         <a:spcBef>
-          <a:spcPts val="500"/>
+          <a:spcPts val="368"/>
         </a:spcBef>
         <a:buFont typeface="Arial" panose="020B0604020202020204" pitchFamily="34" charset="0"/>
         <a:buChar char="•"/>
-        <a:defRPr kumimoji="1" sz="1800" kern="1200">
+        <a:defRPr kumimoji="1" sz="1323" kern="1200">
           <a:solidFill>
             <a:schemeClr val="tx1"/>
           </a:solidFill>
@@ -3528,10 +3532,10 @@
     </p:bodyStyle>
     <p:otherStyle>
       <a:defPPr>
-        <a:defRPr lang="ja-JP"/>
+        <a:defRPr lang="en-US"/>
       </a:defPPr>
-      <a:lvl1pPr marL="0" algn="l" defTabSz="914392" rtl="0" eaLnBrk="1" latinLnBrk="0" hangingPunct="1">
-        <a:defRPr kumimoji="1" sz="1800" kern="1200">
+      <a:lvl1pPr marL="0" algn="l" defTabSz="672084" rtl="0" eaLnBrk="1" latinLnBrk="0" hangingPunct="1">
+        <a:defRPr kumimoji="1" sz="1323" kern="1200">
           <a:solidFill>
             <a:schemeClr val="tx1"/>
           </a:solidFill>
@@ -3540,8 +3544,8 @@
           <a:cs typeface="+mn-cs"/>
         </a:defRPr>
       </a:lvl1pPr>
-      <a:lvl2pPr marL="457195" algn="l" defTabSz="914392" rtl="0" eaLnBrk="1" latinLnBrk="0" hangingPunct="1">
-        <a:defRPr kumimoji="1" sz="1800" kern="1200">
+      <a:lvl2pPr marL="336042" algn="l" defTabSz="672084" rtl="0" eaLnBrk="1" latinLnBrk="0" hangingPunct="1">
+        <a:defRPr kumimoji="1" sz="1323" kern="1200">
           <a:solidFill>
             <a:schemeClr val="tx1"/>
           </a:solidFill>
@@ -3550,8 +3554,8 @@
           <a:cs typeface="+mn-cs"/>
         </a:defRPr>
       </a:lvl2pPr>
-      <a:lvl3pPr marL="914392" algn="l" defTabSz="914392" rtl="0" eaLnBrk="1" latinLnBrk="0" hangingPunct="1">
-        <a:defRPr kumimoji="1" sz="1800" kern="1200">
+      <a:lvl3pPr marL="672084" algn="l" defTabSz="672084" rtl="0" eaLnBrk="1" latinLnBrk="0" hangingPunct="1">
+        <a:defRPr kumimoji="1" sz="1323" kern="1200">
           <a:solidFill>
             <a:schemeClr val="tx1"/>
           </a:solidFill>
@@ -3560,8 +3564,8 @@
           <a:cs typeface="+mn-cs"/>
         </a:defRPr>
       </a:lvl3pPr>
-      <a:lvl4pPr marL="1371588" algn="l" defTabSz="914392" rtl="0" eaLnBrk="1" latinLnBrk="0" hangingPunct="1">
-        <a:defRPr kumimoji="1" sz="1800" kern="1200">
+      <a:lvl4pPr marL="1008126" algn="l" defTabSz="672084" rtl="0" eaLnBrk="1" latinLnBrk="0" hangingPunct="1">
+        <a:defRPr kumimoji="1" sz="1323" kern="1200">
           <a:solidFill>
             <a:schemeClr val="tx1"/>
           </a:solidFill>
@@ -3570,8 +3574,8 @@
           <a:cs typeface="+mn-cs"/>
         </a:defRPr>
       </a:lvl4pPr>
-      <a:lvl5pPr marL="1828783" algn="l" defTabSz="914392" rtl="0" eaLnBrk="1" latinLnBrk="0" hangingPunct="1">
-        <a:defRPr kumimoji="1" sz="1800" kern="1200">
+      <a:lvl5pPr marL="1344168" algn="l" defTabSz="672084" rtl="0" eaLnBrk="1" latinLnBrk="0" hangingPunct="1">
+        <a:defRPr kumimoji="1" sz="1323" kern="1200">
           <a:solidFill>
             <a:schemeClr val="tx1"/>
           </a:solidFill>
@@ -3580,8 +3584,8 @@
           <a:cs typeface="+mn-cs"/>
         </a:defRPr>
       </a:lvl5pPr>
-      <a:lvl6pPr marL="2285980" algn="l" defTabSz="914392" rtl="0" eaLnBrk="1" latinLnBrk="0" hangingPunct="1">
-        <a:defRPr kumimoji="1" sz="1800" kern="1200">
+      <a:lvl6pPr marL="1680210" algn="l" defTabSz="672084" rtl="0" eaLnBrk="1" latinLnBrk="0" hangingPunct="1">
+        <a:defRPr kumimoji="1" sz="1323" kern="1200">
           <a:solidFill>
             <a:schemeClr val="tx1"/>
           </a:solidFill>
@@ -3590,8 +3594,8 @@
           <a:cs typeface="+mn-cs"/>
         </a:defRPr>
       </a:lvl6pPr>
-      <a:lvl7pPr marL="2743175" algn="l" defTabSz="914392" rtl="0" eaLnBrk="1" latinLnBrk="0" hangingPunct="1">
-        <a:defRPr kumimoji="1" sz="1800" kern="1200">
+      <a:lvl7pPr marL="2016252" algn="l" defTabSz="672084" rtl="0" eaLnBrk="1" latinLnBrk="0" hangingPunct="1">
+        <a:defRPr kumimoji="1" sz="1323" kern="1200">
           <a:solidFill>
             <a:schemeClr val="tx1"/>
           </a:solidFill>
@@ -3600,8 +3604,8 @@
           <a:cs typeface="+mn-cs"/>
         </a:defRPr>
       </a:lvl7pPr>
-      <a:lvl8pPr marL="3200372" algn="l" defTabSz="914392" rtl="0" eaLnBrk="1" latinLnBrk="0" hangingPunct="1">
-        <a:defRPr kumimoji="1" sz="1800" kern="1200">
+      <a:lvl8pPr marL="2352294" algn="l" defTabSz="672084" rtl="0" eaLnBrk="1" latinLnBrk="0" hangingPunct="1">
+        <a:defRPr kumimoji="1" sz="1323" kern="1200">
           <a:solidFill>
             <a:schemeClr val="tx1"/>
           </a:solidFill>
@@ -3610,8 +3614,8 @@
           <a:cs typeface="+mn-cs"/>
         </a:defRPr>
       </a:lvl8pPr>
-      <a:lvl9pPr marL="3657567" algn="l" defTabSz="914392" rtl="0" eaLnBrk="1" latinLnBrk="0" hangingPunct="1">
-        <a:defRPr kumimoji="1" sz="1800" kern="1200">
+      <a:lvl9pPr marL="2688336" algn="l" defTabSz="672084" rtl="0" eaLnBrk="1" latinLnBrk="0" hangingPunct="1">
+        <a:defRPr kumimoji="1" sz="1323" kern="1200">
           <a:solidFill>
             <a:schemeClr val="tx1"/>
           </a:solidFill>
@@ -3644,33 +3648,416 @@
       </p:grpSpPr>
       <p:grpSp>
         <p:nvGrpSpPr>
-          <p:cNvPr id="19" name="グループ化 18"/>
+          <p:cNvPr id="2" name="グループ化 1"/>
           <p:cNvGrpSpPr/>
           <p:nvPr/>
         </p:nvGrpSpPr>
         <p:grpSpPr>
           <a:xfrm>
-            <a:off x="177800" y="859044"/>
-            <a:ext cx="5702300" cy="1534875"/>
-            <a:chOff x="348342" y="1873529"/>
-            <a:chExt cx="4439558" cy="1120630"/>
+            <a:off x="29030" y="-217714"/>
+            <a:ext cx="12162971" cy="5399314"/>
+            <a:chOff x="29030" y="-908844"/>
+            <a:chExt cx="12162971" cy="6858000"/>
           </a:xfrm>
         </p:grpSpPr>
+        <p:grpSp>
+          <p:nvGrpSpPr>
+            <p:cNvPr id="19" name="グループ化 18"/>
+            <p:cNvGrpSpPr/>
+            <p:nvPr/>
+          </p:nvGrpSpPr>
+          <p:grpSpPr>
+            <a:xfrm>
+              <a:off x="177800" y="-49800"/>
+              <a:ext cx="5702300" cy="1534875"/>
+              <a:chOff x="348342" y="1873529"/>
+              <a:chExt cx="4439558" cy="1120630"/>
+            </a:xfrm>
+          </p:grpSpPr>
+          <p:sp>
+            <p:nvSpPr>
+              <p:cNvPr id="3" name="正方形/長方形 2"/>
+              <p:cNvSpPr/>
+              <p:nvPr/>
+            </p:nvSpPr>
+            <p:spPr bwMode="auto">
+              <a:xfrm>
+                <a:off x="348342" y="1873529"/>
+                <a:ext cx="1884137" cy="1120629"/>
+              </a:xfrm>
+              <a:prstGeom prst="rect">
+                <a:avLst/>
+              </a:prstGeom>
+              <a:ln>
+                <a:headEnd type="none" w="med" len="med"/>
+                <a:tailEnd type="triangle" w="med" len="med"/>
+              </a:ln>
+              <a:extLst/>
+            </p:spPr>
+            <p:style>
+              <a:lnRef idx="2">
+                <a:schemeClr val="dk1"/>
+              </a:lnRef>
+              <a:fillRef idx="1">
+                <a:schemeClr val="lt1"/>
+              </a:fillRef>
+              <a:effectRef idx="0">
+                <a:schemeClr val="dk1"/>
+              </a:effectRef>
+              <a:fontRef idx="minor">
+                <a:schemeClr val="dk1"/>
+              </a:fontRef>
+            </p:style>
+            <p:txBody>
+              <a:bodyPr vert="horz" wrap="square" lIns="90000" tIns="46800" rIns="90000" bIns="46800" numCol="1" rtlCol="0" anchor="ctr" anchorCtr="0" compatLnSpc="1">
+                <a:prstTxWarp prst="textNoShape">
+                  <a:avLst/>
+                </a:prstTxWarp>
+                <a:noAutofit/>
+              </a:bodyPr>
+              <a:lstStyle/>
+              <a:p>
+                <a:pPr defTabSz="914342" fontAlgn="base">
+                  <a:lnSpc>
+                    <a:spcPct val="90000"/>
+                  </a:lnSpc>
+                  <a:spcBef>
+                    <a:spcPct val="20000"/>
+                  </a:spcBef>
+                  <a:spcAft>
+                    <a:spcPct val="0"/>
+                  </a:spcAft>
+                </a:pPr>
+                <a:r>
+                  <a:rPr lang="en-US" altLang="ja-JP" sz="2400" dirty="0">
+                    <a:solidFill>
+                      <a:schemeClr val="tx1"/>
+                    </a:solidFill>
+                    <a:latin typeface="メイリオ" panose="020B0604030504040204" pitchFamily="50" charset="-128"/>
+                    <a:ea typeface="メイリオ" panose="020B0604030504040204" pitchFamily="50" charset="-128"/>
+                    <a:cs typeface="メイリオ" pitchFamily="50" charset="-128"/>
+                  </a:rPr>
+                  <a:t>  1. </a:t>
+                </a:r>
+                <a:r>
+                  <a:rPr lang="en-US" altLang="ja-JP" sz="2400" dirty="0" err="1">
+                    <a:solidFill>
+                      <a:schemeClr val="tx1"/>
+                    </a:solidFill>
+                    <a:latin typeface="メイリオ" panose="020B0604030504040204" pitchFamily="50" charset="-128"/>
+                    <a:ea typeface="メイリオ" panose="020B0604030504040204" pitchFamily="50" charset="-128"/>
+                    <a:cs typeface="メイリオ" pitchFamily="50" charset="-128"/>
+                  </a:rPr>
+                  <a:t>alloc</a:t>
+                </a:r>
+                <a:r>
+                  <a:rPr lang="en-US" altLang="ja-JP" sz="2400" dirty="0">
+                    <a:solidFill>
+                      <a:schemeClr val="tx1"/>
+                    </a:solidFill>
+                    <a:latin typeface="メイリオ" panose="020B0604030504040204" pitchFamily="50" charset="-128"/>
+                    <a:ea typeface="メイリオ" panose="020B0604030504040204" pitchFamily="50" charset="-128"/>
+                    <a:cs typeface="メイリオ" pitchFamily="50" charset="-128"/>
+                  </a:rPr>
+                  <a:t>()</a:t>
+                </a:r>
+              </a:p>
+              <a:p>
+                <a:pPr defTabSz="914342" fontAlgn="base">
+                  <a:lnSpc>
+                    <a:spcPct val="90000"/>
+                  </a:lnSpc>
+                  <a:spcBef>
+                    <a:spcPct val="20000"/>
+                  </a:spcBef>
+                  <a:spcAft>
+                    <a:spcPct val="0"/>
+                  </a:spcAft>
+                </a:pPr>
+                <a:r>
+                  <a:rPr lang="en-US" altLang="ja-JP" sz="2400" dirty="0">
+                    <a:solidFill>
+                      <a:schemeClr val="tx1"/>
+                    </a:solidFill>
+                    <a:latin typeface="メイリオ" panose="020B0604030504040204" pitchFamily="50" charset="-128"/>
+                    <a:ea typeface="メイリオ" panose="020B0604030504040204" pitchFamily="50" charset="-128"/>
+                    <a:cs typeface="メイリオ" pitchFamily="50" charset="-128"/>
+                  </a:rPr>
+                  <a:t>  2. </a:t>
+                </a:r>
+                <a:r>
+                  <a:rPr lang="en-US" altLang="ja-JP" sz="2400" dirty="0" err="1">
+                    <a:solidFill>
+                      <a:schemeClr val="tx1"/>
+                    </a:solidFill>
+                    <a:latin typeface="メイリオ" panose="020B0604030504040204" pitchFamily="50" charset="-128"/>
+                    <a:ea typeface="メイリオ" panose="020B0604030504040204" pitchFamily="50" charset="-128"/>
+                    <a:cs typeface="メイリオ" pitchFamily="50" charset="-128"/>
+                  </a:rPr>
+                  <a:t>func</a:t>
+                </a:r>
+                <a:r>
+                  <a:rPr lang="en-US" altLang="ja-JP" sz="2400" dirty="0">
+                    <a:solidFill>
+                      <a:schemeClr val="tx1"/>
+                    </a:solidFill>
+                    <a:latin typeface="メイリオ" panose="020B0604030504040204" pitchFamily="50" charset="-128"/>
+                    <a:ea typeface="メイリオ" panose="020B0604030504040204" pitchFamily="50" charset="-128"/>
+                    <a:cs typeface="メイリオ" pitchFamily="50" charset="-128"/>
+                  </a:rPr>
+                  <a:t>()</a:t>
+                </a:r>
+                <a:endParaRPr lang="en-US" altLang="ja-JP" sz="2400" dirty="0">
+                  <a:solidFill>
+                    <a:schemeClr val="tx1"/>
+                  </a:solidFill>
+                  <a:latin typeface="メイリオ" panose="020B0604030504040204" pitchFamily="50" charset="-128"/>
+                  <a:ea typeface="メイリオ" panose="020B0604030504040204" pitchFamily="50" charset="-128"/>
+                  <a:cs typeface="メイリオ" pitchFamily="50" charset="-128"/>
+                </a:endParaRPr>
+              </a:p>
+              <a:p>
+                <a:pPr defTabSz="914342" fontAlgn="base">
+                  <a:lnSpc>
+                    <a:spcPct val="90000"/>
+                  </a:lnSpc>
+                  <a:spcBef>
+                    <a:spcPct val="20000"/>
+                  </a:spcBef>
+                  <a:spcAft>
+                    <a:spcPct val="0"/>
+                  </a:spcAft>
+                </a:pPr>
+                <a:r>
+                  <a:rPr lang="en-US" altLang="ja-JP" sz="2400" dirty="0">
+                    <a:solidFill>
+                      <a:schemeClr val="tx1"/>
+                    </a:solidFill>
+                    <a:latin typeface="メイリオ" panose="020B0604030504040204" pitchFamily="50" charset="-128"/>
+                    <a:ea typeface="メイリオ" panose="020B0604030504040204" pitchFamily="50" charset="-128"/>
+                    <a:cs typeface="メイリオ" pitchFamily="50" charset="-128"/>
+                  </a:rPr>
+                  <a:t>  4. </a:t>
+                </a:r>
+                <a:r>
+                  <a:rPr lang="en-US" altLang="ja-JP" sz="2400" dirty="0" err="1">
+                    <a:solidFill>
+                      <a:schemeClr val="tx1"/>
+                    </a:solidFill>
+                    <a:latin typeface="メイリオ" panose="020B0604030504040204" pitchFamily="50" charset="-128"/>
+                    <a:ea typeface="メイリオ" panose="020B0604030504040204" pitchFamily="50" charset="-128"/>
+                    <a:cs typeface="メイリオ" pitchFamily="50" charset="-128"/>
+                  </a:rPr>
+                  <a:t>dealloc</a:t>
+                </a:r>
+                <a:r>
+                  <a:rPr lang="en-US" altLang="ja-JP" sz="2400" dirty="0">
+                    <a:solidFill>
+                      <a:schemeClr val="tx1"/>
+                    </a:solidFill>
+                    <a:latin typeface="メイリオ" panose="020B0604030504040204" pitchFamily="50" charset="-128"/>
+                    <a:ea typeface="メイリオ" panose="020B0604030504040204" pitchFamily="50" charset="-128"/>
+                    <a:cs typeface="メイリオ" pitchFamily="50" charset="-128"/>
+                  </a:rPr>
+                  <a:t>()</a:t>
+                </a:r>
+              </a:p>
+            </p:txBody>
+          </p:sp>
+          <p:sp>
+            <p:nvSpPr>
+              <p:cNvPr id="4" name="正方形/長方形 3"/>
+              <p:cNvSpPr/>
+              <p:nvPr/>
+            </p:nvSpPr>
+            <p:spPr bwMode="auto">
+              <a:xfrm>
+                <a:off x="2900136" y="1873529"/>
+                <a:ext cx="1887764" cy="1120630"/>
+              </a:xfrm>
+              <a:prstGeom prst="rect">
+                <a:avLst/>
+              </a:prstGeom>
+              <a:ln>
+                <a:headEnd type="none" w="med" len="med"/>
+                <a:tailEnd type="triangle" w="med" len="med"/>
+              </a:ln>
+              <a:extLst/>
+            </p:spPr>
+            <p:style>
+              <a:lnRef idx="2">
+                <a:schemeClr val="dk1"/>
+              </a:lnRef>
+              <a:fillRef idx="1">
+                <a:schemeClr val="lt1"/>
+              </a:fillRef>
+              <a:effectRef idx="0">
+                <a:schemeClr val="dk1"/>
+              </a:effectRef>
+              <a:fontRef idx="minor">
+                <a:schemeClr val="dk1"/>
+              </a:fontRef>
+            </p:style>
+            <p:txBody>
+              <a:bodyPr vert="horz" wrap="square" lIns="90000" tIns="46800" rIns="90000" bIns="46800" numCol="1" rtlCol="0" anchor="ctr" anchorCtr="0" compatLnSpc="1">
+                <a:prstTxWarp prst="textNoShape">
+                  <a:avLst/>
+                </a:prstTxWarp>
+                <a:noAutofit/>
+              </a:bodyPr>
+              <a:lstStyle/>
+              <a:p>
+                <a:pPr algn="ctr" defTabSz="914342" fontAlgn="base">
+                  <a:lnSpc>
+                    <a:spcPct val="90000"/>
+                  </a:lnSpc>
+                  <a:spcBef>
+                    <a:spcPct val="20000"/>
+                  </a:spcBef>
+                  <a:spcAft>
+                    <a:spcPct val="0"/>
+                  </a:spcAft>
+                </a:pPr>
+                <a:r>
+                  <a:rPr lang="en-US" altLang="ja-JP" sz="2400" dirty="0">
+                    <a:solidFill>
+                      <a:schemeClr val="tx1"/>
+                    </a:solidFill>
+                    <a:latin typeface="メイリオ" panose="020B0604030504040204" pitchFamily="50" charset="-128"/>
+                    <a:ea typeface="メイリオ" panose="020B0604030504040204" pitchFamily="50" charset="-128"/>
+                    <a:cs typeface="メイリオ" pitchFamily="50" charset="-128"/>
+                  </a:rPr>
+                  <a:t>3. exec()</a:t>
+                </a:r>
+                <a:endParaRPr lang="ja-JP" altLang="en-US" sz="2400" dirty="0">
+                  <a:solidFill>
+                    <a:schemeClr val="tx1"/>
+                  </a:solidFill>
+                  <a:latin typeface="メイリオ" panose="020B0604030504040204" pitchFamily="50" charset="-128"/>
+                  <a:ea typeface="メイリオ" panose="020B0604030504040204" pitchFamily="50" charset="-128"/>
+                  <a:cs typeface="メイリオ" pitchFamily="50" charset="-128"/>
+                </a:endParaRPr>
+              </a:p>
+            </p:txBody>
+          </p:sp>
+          <p:sp>
+            <p:nvSpPr>
+              <p:cNvPr id="5" name="二等辺三角形 4"/>
+              <p:cNvSpPr/>
+              <p:nvPr/>
+            </p:nvSpPr>
+            <p:spPr bwMode="auto">
+              <a:xfrm rot="5400000" flipH="1">
+                <a:off x="2781852" y="2284217"/>
+                <a:ext cx="518645" cy="282079"/>
+              </a:xfrm>
+              <a:prstGeom prst="triangle">
+                <a:avLst/>
+              </a:prstGeom>
+              <a:solidFill>
+                <a:schemeClr val="tx1"/>
+              </a:solidFill>
+              <a:ln w="9525" cap="flat" cmpd="sng" algn="ctr">
+                <a:solidFill>
+                  <a:schemeClr val="tx1"/>
+                </a:solidFill>
+                <a:prstDash val="solid"/>
+                <a:round/>
+                <a:headEnd type="none" w="med" len="med"/>
+                <a:tailEnd type="triangle" w="med" len="med"/>
+              </a:ln>
+              <a:effectLst/>
+              <a:extLst/>
+            </p:spPr>
+            <p:txBody>
+              <a:bodyPr vert="horz" wrap="square" lIns="90000" tIns="46800" rIns="90000" bIns="46800" numCol="1" rtlCol="0" anchor="t" anchorCtr="0" compatLnSpc="1">
+                <a:prstTxWarp prst="textNoShape">
+                  <a:avLst/>
+                </a:prstTxWarp>
+                <a:spAutoFit/>
+              </a:bodyPr>
+              <a:lstStyle/>
+              <a:p>
+                <a:pPr defTabSz="914342" fontAlgn="base">
+                  <a:lnSpc>
+                    <a:spcPct val="90000"/>
+                  </a:lnSpc>
+                  <a:spcBef>
+                    <a:spcPct val="20000"/>
+                  </a:spcBef>
+                  <a:spcAft>
+                    <a:spcPct val="0"/>
+                  </a:spcAft>
+                </a:pPr>
+                <a:endParaRPr lang="ja-JP" altLang="en-US">
+                  <a:latin typeface="Times New Roman" pitchFamily="18" charset="0"/>
+                  <a:ea typeface="メイリオ" pitchFamily="50" charset="-128"/>
+                  <a:cs typeface="メイリオ" pitchFamily="50" charset="-128"/>
+                </a:endParaRPr>
+              </a:p>
+            </p:txBody>
+          </p:sp>
+          <p:cxnSp>
+            <p:nvCxnSpPr>
+              <p:cNvPr id="6" name="直線コネクタ 5"/>
+              <p:cNvCxnSpPr>
+                <a:stCxn id="3" idx="3"/>
+                <a:endCxn id="4" idx="1"/>
+              </p:cNvCxnSpPr>
+              <p:nvPr/>
+            </p:nvCxnSpPr>
+            <p:spPr bwMode="auto">
+              <a:xfrm>
+                <a:off x="2232479" y="2433844"/>
+                <a:ext cx="667657" cy="1"/>
+              </a:xfrm>
+              <a:prstGeom prst="line">
+                <a:avLst/>
+              </a:prstGeom>
+              <a:solidFill>
+                <a:schemeClr val="accent1"/>
+              </a:solidFill>
+              <a:ln w="9525" cap="flat" cmpd="sng" algn="ctr">
+                <a:solidFill>
+                  <a:schemeClr val="tx1"/>
+                </a:solidFill>
+                <a:prstDash val="solid"/>
+                <a:round/>
+                <a:headEnd type="none" w="med" len="med"/>
+                <a:tailEnd type="none" w="med" len="med"/>
+              </a:ln>
+              <a:effectLst/>
+              <a:extLst>
+                <a:ext uri="{AF507438-7753-43E0-B8FC-AC1667EBCBE1}">
+                  <a14:hiddenEffects xmlns:a14="http://schemas.microsoft.com/office/drawing/2010/main">
+                    <a:effectLst>
+                      <a:outerShdw dist="35921" dir="2700000" algn="ctr" rotWithShape="0">
+                        <a:schemeClr val="bg2"/>
+                      </a:outerShdw>
+                    </a:effectLst>
+                  </a14:hiddenEffects>
+                </a:ext>
+              </a:extLst>
+            </p:spPr>
+          </p:cxnSp>
+        </p:grpSp>
         <p:sp>
           <p:nvSpPr>
-            <p:cNvPr id="3" name="正方形/長方形 2"/>
+            <p:cNvPr id="20" name="正方形/長方形 19"/>
             <p:cNvSpPr/>
             <p:nvPr/>
           </p:nvSpPr>
           <p:spPr bwMode="auto">
             <a:xfrm>
-              <a:off x="348342" y="1873529"/>
-              <a:ext cx="1884137" cy="1120629"/>
+              <a:off x="963386" y="-656762"/>
+              <a:ext cx="3824515" cy="606962"/>
             </a:xfrm>
             <a:prstGeom prst="rect">
               <a:avLst/>
             </a:prstGeom>
+            <a:noFill/>
             <a:ln>
+              <a:noFill/>
               <a:headEnd type="none" w="med" len="med"/>
               <a:tailEnd type="triangle" w="med" len="med"/>
             </a:ln>
@@ -3691,15 +4078,15 @@
             </a:fontRef>
           </p:style>
           <p:txBody>
-            <a:bodyPr vert="horz" wrap="square" lIns="90000" tIns="46800" rIns="90000" bIns="46800" numCol="1" rtlCol="0" anchor="ctr" anchorCtr="0" compatLnSpc="1">
+            <a:bodyPr vert="horz" wrap="square" lIns="90000" tIns="46800" rIns="90000" bIns="46800" numCol="1" rtlCol="0" anchor="t" anchorCtr="0" compatLnSpc="1">
               <a:prstTxWarp prst="textNoShape">
                 <a:avLst/>
               </a:prstTxWarp>
-              <a:noAutofit/>
+              <a:spAutoFit/>
             </a:bodyPr>
             <a:lstStyle/>
             <a:p>
-              <a:pPr defTabSz="914342" fontAlgn="base">
+              <a:pPr algn="ctr" defTabSz="914342" fontAlgn="base">
                 <a:lnSpc>
                   <a:spcPct val="90000"/>
                 </a:lnSpc>
@@ -3711,7 +4098,7 @@
                 </a:spcAft>
               </a:pPr>
               <a:r>
-                <a:rPr lang="en-US" altLang="ja-JP" sz="2800" dirty="0" smtClean="0">
+                <a:rPr lang="en-US" altLang="ja-JP" sz="3600" dirty="0">
                   <a:solidFill>
                     <a:schemeClr val="tx1"/>
                   </a:solidFill>
@@ -3719,33 +4106,103 @@
                   <a:ea typeface="メイリオ" panose="020B0604030504040204" pitchFamily="50" charset="-128"/>
                   <a:cs typeface="メイリオ" pitchFamily="50" charset="-128"/>
                 </a:rPr>
-                <a:t>  1. </a:t>
+                <a:t>in</a:t>
               </a:r>
-              <a:r>
-                <a:rPr lang="en-US" altLang="ja-JP" sz="2800" dirty="0" err="1" smtClean="0">
-                  <a:solidFill>
-                    <a:schemeClr val="tx1"/>
-                  </a:solidFill>
-                  <a:latin typeface="メイリオ" panose="020B0604030504040204" pitchFamily="50" charset="-128"/>
-                  <a:ea typeface="メイリオ" panose="020B0604030504040204" pitchFamily="50" charset="-128"/>
-                  <a:cs typeface="メイリオ" pitchFamily="50" charset="-128"/>
-                </a:rPr>
-                <a:t>alloc</a:t>
-              </a:r>
-              <a:r>
-                <a:rPr lang="en-US" altLang="ja-JP" sz="2800" dirty="0" smtClean="0">
-                  <a:solidFill>
-                    <a:schemeClr val="tx1"/>
-                  </a:solidFill>
-                  <a:latin typeface="メイリオ" panose="020B0604030504040204" pitchFamily="50" charset="-128"/>
-                  <a:ea typeface="メイリオ" panose="020B0604030504040204" pitchFamily="50" charset="-128"/>
-                  <a:cs typeface="メイリオ" pitchFamily="50" charset="-128"/>
-                </a:rPr>
-                <a:t>()</a:t>
-              </a:r>
+              <a:endParaRPr lang="ja-JP" altLang="en-US" sz="3600" dirty="0">
+                <a:solidFill>
+                  <a:schemeClr val="tx1"/>
+                </a:solidFill>
+                <a:latin typeface="メイリオ" panose="020B0604030504040204" pitchFamily="50" charset="-128"/>
+                <a:ea typeface="メイリオ" panose="020B0604030504040204" pitchFamily="50" charset="-128"/>
+                <a:cs typeface="メイリオ" pitchFamily="50" charset="-128"/>
+              </a:endParaRPr>
             </a:p>
+          </p:txBody>
+        </p:sp>
+        <p:cxnSp>
+          <p:nvCxnSpPr>
+            <p:cNvPr id="11" name="直線コネクタ 10"/>
+            <p:cNvCxnSpPr/>
+            <p:nvPr/>
+          </p:nvCxnSpPr>
+          <p:spPr>
+            <a:xfrm>
+              <a:off x="6096000" y="-908844"/>
+              <a:ext cx="0" cy="6858000"/>
+            </a:xfrm>
+            <a:prstGeom prst="line">
+              <a:avLst/>
+            </a:prstGeom>
+            <a:ln w="25400">
+              <a:solidFill>
+                <a:schemeClr val="bg1">
+                  <a:lumMod val="50000"/>
+                </a:schemeClr>
+              </a:solidFill>
+              <a:prstDash val="sysDash"/>
+            </a:ln>
+          </p:spPr>
+          <p:style>
+            <a:lnRef idx="1">
+              <a:schemeClr val="accent1"/>
+            </a:lnRef>
+            <a:fillRef idx="0">
+              <a:schemeClr val="accent1"/>
+            </a:fillRef>
+            <a:effectRef idx="0">
+              <a:schemeClr val="accent1"/>
+            </a:effectRef>
+            <a:fontRef idx="minor">
+              <a:schemeClr val="tx1"/>
+            </a:fontRef>
+          </p:style>
+        </p:cxnSp>
+        <p:sp>
+          <p:nvSpPr>
+            <p:cNvPr id="25" name="正方形/長方形 24"/>
+            <p:cNvSpPr/>
+            <p:nvPr/>
+          </p:nvSpPr>
+          <p:spPr bwMode="auto">
+            <a:xfrm>
+              <a:off x="7404102" y="-656762"/>
+              <a:ext cx="3824515" cy="606962"/>
+            </a:xfrm>
+            <a:prstGeom prst="rect">
+              <a:avLst/>
+            </a:prstGeom>
+            <a:noFill/>
+            <a:ln>
+              <a:noFill/>
+              <a:headEnd type="none" w="med" len="med"/>
+              <a:tailEnd type="triangle" w="med" len="med"/>
+            </a:ln>
+            <a:extLst/>
+          </p:spPr>
+          <p:style>
+            <a:lnRef idx="2">
+              <a:schemeClr val="dk1"/>
+            </a:lnRef>
+            <a:fillRef idx="1">
+              <a:schemeClr val="lt1"/>
+            </a:fillRef>
+            <a:effectRef idx="0">
+              <a:schemeClr val="dk1"/>
+            </a:effectRef>
+            <a:fontRef idx="minor">
+              <a:schemeClr val="dk1"/>
+            </a:fontRef>
+          </p:style>
+          <p:txBody>
+            <a:bodyPr vert="horz" wrap="square" lIns="90000" tIns="46800" rIns="90000" bIns="46800" numCol="1" rtlCol="0" anchor="t" anchorCtr="0" compatLnSpc="1">
+              <a:prstTxWarp prst="textNoShape">
+                <a:avLst/>
+              </a:prstTxWarp>
+              <a:spAutoFit/>
+            </a:bodyPr>
+            <a:lstStyle/>
             <a:p>
-              <a:pPr defTabSz="914342" fontAlgn="base">
+              <a:pPr algn="ctr" defTabSz="914342" fontAlgn="base">
                 <a:lnSpc>
                   <a:spcPct val="90000"/>
                 </a:lnSpc>
@@ -3757,7 +4214,7 @@
                 </a:spcAft>
               </a:pPr>
               <a:r>
-                <a:rPr lang="en-US" altLang="ja-JP" sz="2800" dirty="0" smtClean="0">
+                <a:rPr lang="en-US" altLang="ja-JP" sz="3600" dirty="0">
                   <a:solidFill>
                     <a:schemeClr val="tx1"/>
                   </a:solidFill>
@@ -3765,31 +4222,9 @@
                   <a:ea typeface="メイリオ" panose="020B0604030504040204" pitchFamily="50" charset="-128"/>
                   <a:cs typeface="メイリオ" pitchFamily="50" charset="-128"/>
                 </a:rPr>
-                <a:t>  2. </a:t>
+                <a:t>send</a:t>
               </a:r>
-              <a:r>
-                <a:rPr lang="en-US" altLang="ja-JP" sz="2800" dirty="0" err="1" smtClean="0">
-                  <a:solidFill>
-                    <a:schemeClr val="tx1"/>
-                  </a:solidFill>
-                  <a:latin typeface="メイリオ" panose="020B0604030504040204" pitchFamily="50" charset="-128"/>
-                  <a:ea typeface="メイリオ" panose="020B0604030504040204" pitchFamily="50" charset="-128"/>
-                  <a:cs typeface="メイリオ" pitchFamily="50" charset="-128"/>
-                </a:rPr>
-                <a:t>func</a:t>
-              </a:r>
-              <a:r>
-                <a:rPr lang="en-US" altLang="ja-JP" sz="2800" dirty="0" smtClean="0">
-                  <a:solidFill>
-                    <a:schemeClr val="tx1"/>
-                  </a:solidFill>
-                  <a:latin typeface="メイリオ" panose="020B0604030504040204" pitchFamily="50" charset="-128"/>
-                  <a:ea typeface="メイリオ" panose="020B0604030504040204" pitchFamily="50" charset="-128"/>
-                  <a:cs typeface="メイリオ" pitchFamily="50" charset="-128"/>
-                </a:rPr>
-                <a:t>()</a:t>
-              </a:r>
-              <a:endParaRPr lang="en-US" altLang="ja-JP" sz="2800" dirty="0">
+              <a:endParaRPr lang="ja-JP" altLang="en-US" sz="3600" dirty="0">
                 <a:solidFill>
                   <a:schemeClr val="tx1"/>
                 </a:solidFill>
@@ -3798,69 +4233,535 @@
                 <a:cs typeface="メイリオ" pitchFamily="50" charset="-128"/>
               </a:endParaRPr>
             </a:p>
-            <a:p>
-              <a:pPr defTabSz="914342" fontAlgn="base">
-                <a:lnSpc>
-                  <a:spcPct val="90000"/>
-                </a:lnSpc>
-                <a:spcBef>
-                  <a:spcPct val="20000"/>
-                </a:spcBef>
-                <a:spcAft>
-                  <a:spcPct val="0"/>
-                </a:spcAft>
-              </a:pPr>
-              <a:r>
-                <a:rPr lang="en-US" altLang="ja-JP" sz="2800" dirty="0" smtClean="0">
+          </p:txBody>
+        </p:sp>
+        <p:cxnSp>
+          <p:nvCxnSpPr>
+            <p:cNvPr id="28" name="直線コネクタ 27"/>
+            <p:cNvCxnSpPr/>
+            <p:nvPr/>
+          </p:nvCxnSpPr>
+          <p:spPr>
+            <a:xfrm flipH="1" flipV="1">
+              <a:off x="29030" y="2516527"/>
+              <a:ext cx="12162971" cy="25402"/>
+            </a:xfrm>
+            <a:prstGeom prst="line">
+              <a:avLst/>
+            </a:prstGeom>
+            <a:ln w="25400">
+              <a:solidFill>
+                <a:schemeClr val="tx1"/>
+              </a:solidFill>
+              <a:prstDash val="solid"/>
+            </a:ln>
+          </p:spPr>
+          <p:style>
+            <a:lnRef idx="1">
+              <a:schemeClr val="accent1"/>
+            </a:lnRef>
+            <a:fillRef idx="0">
+              <a:schemeClr val="accent1"/>
+            </a:fillRef>
+            <a:effectRef idx="0">
+              <a:schemeClr val="accent1"/>
+            </a:effectRef>
+            <a:fontRef idx="minor">
+              <a:schemeClr val="tx1"/>
+            </a:fontRef>
+          </p:style>
+        </p:cxnSp>
+        <p:grpSp>
+          <p:nvGrpSpPr>
+            <p:cNvPr id="47" name="グループ化 46"/>
+            <p:cNvGrpSpPr/>
+            <p:nvPr/>
+          </p:nvGrpSpPr>
+          <p:grpSpPr>
+            <a:xfrm>
+              <a:off x="6313717" y="-49803"/>
+              <a:ext cx="5702300" cy="1534875"/>
+              <a:chOff x="348342" y="1873529"/>
+              <a:chExt cx="4439558" cy="1120630"/>
+            </a:xfrm>
+          </p:grpSpPr>
+          <p:sp>
+            <p:nvSpPr>
+              <p:cNvPr id="48" name="正方形/長方形 47"/>
+              <p:cNvSpPr/>
+              <p:nvPr/>
+            </p:nvSpPr>
+            <p:spPr bwMode="auto">
+              <a:xfrm>
+                <a:off x="348342" y="1873529"/>
+                <a:ext cx="1887763" cy="1120629"/>
+              </a:xfrm>
+              <a:prstGeom prst="rect">
+                <a:avLst/>
+              </a:prstGeom>
+              <a:ln>
+                <a:headEnd type="none" w="med" len="med"/>
+                <a:tailEnd type="triangle" w="med" len="med"/>
+              </a:ln>
+              <a:extLst/>
+            </p:spPr>
+            <p:style>
+              <a:lnRef idx="2">
+                <a:schemeClr val="dk1"/>
+              </a:lnRef>
+              <a:fillRef idx="1">
+                <a:schemeClr val="lt1"/>
+              </a:fillRef>
+              <a:effectRef idx="0">
+                <a:schemeClr val="dk1"/>
+              </a:effectRef>
+              <a:fontRef idx="minor">
+                <a:schemeClr val="dk1"/>
+              </a:fontRef>
+            </p:style>
+            <p:txBody>
+              <a:bodyPr vert="horz" wrap="square" lIns="90000" tIns="46800" rIns="90000" bIns="46800" numCol="1" rtlCol="0" anchor="ctr" anchorCtr="0" compatLnSpc="1">
+                <a:prstTxWarp prst="textNoShape">
+                  <a:avLst/>
+                </a:prstTxWarp>
+                <a:noAutofit/>
+              </a:bodyPr>
+              <a:lstStyle/>
+              <a:p>
+                <a:pPr defTabSz="914342" fontAlgn="base">
+                  <a:lnSpc>
+                    <a:spcPct val="90000"/>
+                  </a:lnSpc>
+                  <a:spcBef>
+                    <a:spcPct val="20000"/>
+                  </a:spcBef>
+                  <a:spcAft>
+                    <a:spcPct val="0"/>
+                  </a:spcAft>
+                </a:pPr>
+                <a:r>
+                  <a:rPr lang="en-US" altLang="ja-JP" sz="2400" dirty="0">
+                    <a:solidFill>
+                      <a:schemeClr val="tx1"/>
+                    </a:solidFill>
+                    <a:latin typeface="メイリオ" panose="020B0604030504040204" pitchFamily="50" charset="-128"/>
+                    <a:ea typeface="メイリオ" panose="020B0604030504040204" pitchFamily="50" charset="-128"/>
+                    <a:cs typeface="メイリオ" pitchFamily="50" charset="-128"/>
+                  </a:rPr>
+                  <a:t>  1. </a:t>
+                </a:r>
+                <a:r>
+                  <a:rPr lang="en-US" altLang="ja-JP" sz="2400" dirty="0" err="1">
+                    <a:solidFill>
+                      <a:schemeClr val="tx1"/>
+                    </a:solidFill>
+                    <a:latin typeface="メイリオ" panose="020B0604030504040204" pitchFamily="50" charset="-128"/>
+                    <a:ea typeface="メイリオ" panose="020B0604030504040204" pitchFamily="50" charset="-128"/>
+                    <a:cs typeface="メイリオ" pitchFamily="50" charset="-128"/>
+                  </a:rPr>
+                  <a:t>alloc</a:t>
+                </a:r>
+                <a:r>
+                  <a:rPr lang="en-US" altLang="ja-JP" sz="2400" dirty="0">
+                    <a:solidFill>
+                      <a:schemeClr val="tx1"/>
+                    </a:solidFill>
+                    <a:latin typeface="メイリオ" panose="020B0604030504040204" pitchFamily="50" charset="-128"/>
+                    <a:ea typeface="メイリオ" panose="020B0604030504040204" pitchFamily="50" charset="-128"/>
+                    <a:cs typeface="メイリオ" pitchFamily="50" charset="-128"/>
+                  </a:rPr>
+                  <a:t>()</a:t>
+                </a:r>
+              </a:p>
+              <a:p>
+                <a:pPr defTabSz="914342" fontAlgn="base">
+                  <a:lnSpc>
+                    <a:spcPct val="90000"/>
+                  </a:lnSpc>
+                  <a:spcBef>
+                    <a:spcPct val="20000"/>
+                  </a:spcBef>
+                  <a:spcAft>
+                    <a:spcPct val="0"/>
+                  </a:spcAft>
+                </a:pPr>
+                <a:r>
+                  <a:rPr lang="en-US" altLang="ja-JP" sz="2400" dirty="0">
+                    <a:solidFill>
+                      <a:schemeClr val="tx1"/>
+                    </a:solidFill>
+                    <a:latin typeface="メイリオ" panose="020B0604030504040204" pitchFamily="50" charset="-128"/>
+                    <a:ea typeface="メイリオ" panose="020B0604030504040204" pitchFamily="50" charset="-128"/>
+                    <a:cs typeface="メイリオ" pitchFamily="50" charset="-128"/>
+                  </a:rPr>
+                  <a:t>  2. </a:t>
+                </a:r>
+                <a:r>
+                  <a:rPr lang="en-US" altLang="ja-JP" sz="2400" dirty="0" err="1">
+                    <a:solidFill>
+                      <a:schemeClr val="tx1"/>
+                    </a:solidFill>
+                    <a:latin typeface="メイリオ" panose="020B0604030504040204" pitchFamily="50" charset="-128"/>
+                    <a:ea typeface="メイリオ" panose="020B0604030504040204" pitchFamily="50" charset="-128"/>
+                    <a:cs typeface="メイリオ" pitchFamily="50" charset="-128"/>
+                  </a:rPr>
+                  <a:t>func</a:t>
+                </a:r>
+                <a:r>
+                  <a:rPr lang="en-US" altLang="ja-JP" sz="2400" dirty="0">
+                    <a:solidFill>
+                      <a:schemeClr val="tx1"/>
+                    </a:solidFill>
+                    <a:latin typeface="メイリオ" panose="020B0604030504040204" pitchFamily="50" charset="-128"/>
+                    <a:ea typeface="メイリオ" panose="020B0604030504040204" pitchFamily="50" charset="-128"/>
+                    <a:cs typeface="メイリオ" pitchFamily="50" charset="-128"/>
+                  </a:rPr>
+                  <a:t>()</a:t>
+                </a:r>
+                <a:endParaRPr lang="en-US" altLang="ja-JP" sz="2400" dirty="0">
                   <a:solidFill>
                     <a:schemeClr val="tx1"/>
                   </a:solidFill>
                   <a:latin typeface="メイリオ" panose="020B0604030504040204" pitchFamily="50" charset="-128"/>
                   <a:ea typeface="メイリオ" panose="020B0604030504040204" pitchFamily="50" charset="-128"/>
                   <a:cs typeface="メイリオ" pitchFamily="50" charset="-128"/>
-                </a:rPr>
-                <a:t>  4. </a:t>
-              </a:r>
-              <a:r>
-                <a:rPr lang="en-US" altLang="ja-JP" sz="2800" dirty="0" err="1" smtClean="0">
+                </a:endParaRPr>
+              </a:p>
+            </p:txBody>
+          </p:sp>
+          <p:sp>
+            <p:nvSpPr>
+              <p:cNvPr id="49" name="正方形/長方形 48"/>
+              <p:cNvSpPr/>
+              <p:nvPr/>
+            </p:nvSpPr>
+            <p:spPr bwMode="auto">
+              <a:xfrm>
+                <a:off x="2903762" y="1873529"/>
+                <a:ext cx="1884138" cy="1120630"/>
+              </a:xfrm>
+              <a:prstGeom prst="rect">
+                <a:avLst/>
+              </a:prstGeom>
+              <a:ln>
+                <a:headEnd type="none" w="med" len="med"/>
+                <a:tailEnd type="triangle" w="med" len="med"/>
+              </a:ln>
+              <a:extLst/>
+            </p:spPr>
+            <p:style>
+              <a:lnRef idx="2">
+                <a:schemeClr val="dk1"/>
+              </a:lnRef>
+              <a:fillRef idx="1">
+                <a:schemeClr val="lt1"/>
+              </a:fillRef>
+              <a:effectRef idx="0">
+                <a:schemeClr val="dk1"/>
+              </a:effectRef>
+              <a:fontRef idx="minor">
+                <a:schemeClr val="dk1"/>
+              </a:fontRef>
+            </p:style>
+            <p:txBody>
+              <a:bodyPr vert="horz" wrap="square" lIns="90000" tIns="46800" rIns="90000" bIns="46800" numCol="1" rtlCol="0" anchor="ctr" anchorCtr="0" compatLnSpc="1">
+                <a:prstTxWarp prst="textNoShape">
+                  <a:avLst/>
+                </a:prstTxWarp>
+                <a:noAutofit/>
+              </a:bodyPr>
+              <a:lstStyle/>
+              <a:p>
+                <a:pPr defTabSz="914342" fontAlgn="base">
+                  <a:lnSpc>
+                    <a:spcPct val="90000"/>
+                  </a:lnSpc>
+                  <a:spcBef>
+                    <a:spcPct val="20000"/>
+                  </a:spcBef>
+                  <a:spcAft>
+                    <a:spcPct val="0"/>
+                  </a:spcAft>
+                </a:pPr>
+                <a:r>
+                  <a:rPr lang="en-US" altLang="ja-JP" sz="2400" dirty="0">
+                    <a:solidFill>
+                      <a:schemeClr val="tx1"/>
+                    </a:solidFill>
+                    <a:latin typeface="メイリオ" panose="020B0604030504040204" pitchFamily="50" charset="-128"/>
+                    <a:ea typeface="メイリオ" panose="020B0604030504040204" pitchFamily="50" charset="-128"/>
+                    <a:cs typeface="メイリオ" pitchFamily="50" charset="-128"/>
+                  </a:rPr>
+                  <a:t>  </a:t>
+                </a:r>
+                <a:r>
+                  <a:rPr lang="en-US" altLang="ja-JP" sz="2400" dirty="0" smtClean="0">
+                    <a:solidFill>
+                      <a:schemeClr val="tx1"/>
+                    </a:solidFill>
+                    <a:latin typeface="メイリオ" panose="020B0604030504040204" pitchFamily="50" charset="-128"/>
+                    <a:ea typeface="メイリオ" panose="020B0604030504040204" pitchFamily="50" charset="-128"/>
+                    <a:cs typeface="メイリオ" pitchFamily="50" charset="-128"/>
+                  </a:rPr>
+                  <a:t>  3</a:t>
+                </a:r>
+                <a:r>
+                  <a:rPr lang="en-US" altLang="ja-JP" sz="2400" dirty="0">
+                    <a:solidFill>
+                      <a:schemeClr val="tx1"/>
+                    </a:solidFill>
+                    <a:latin typeface="メイリオ" panose="020B0604030504040204" pitchFamily="50" charset="-128"/>
+                    <a:ea typeface="メイリオ" panose="020B0604030504040204" pitchFamily="50" charset="-128"/>
+                    <a:cs typeface="メイリオ" pitchFamily="50" charset="-128"/>
+                  </a:rPr>
+                  <a:t>. </a:t>
+                </a:r>
+                <a:r>
+                  <a:rPr lang="en-US" altLang="ja-JP" sz="2400" dirty="0">
+                    <a:solidFill>
+                      <a:schemeClr val="tx1"/>
+                    </a:solidFill>
+                    <a:latin typeface="メイリオ" panose="020B0604030504040204" pitchFamily="50" charset="-128"/>
+                    <a:ea typeface="メイリオ" panose="020B0604030504040204" pitchFamily="50" charset="-128"/>
+                    <a:cs typeface="メイリオ" pitchFamily="50" charset="-128"/>
+                  </a:rPr>
+                  <a:t>exec()</a:t>
+                </a:r>
+              </a:p>
+              <a:p>
+                <a:pPr defTabSz="914342" fontAlgn="base">
+                  <a:lnSpc>
+                    <a:spcPct val="90000"/>
+                  </a:lnSpc>
+                  <a:spcBef>
+                    <a:spcPct val="20000"/>
+                  </a:spcBef>
+                  <a:spcAft>
+                    <a:spcPct val="0"/>
+                  </a:spcAft>
+                </a:pPr>
+                <a:r>
+                  <a:rPr lang="en-US" altLang="ja-JP" sz="2400" dirty="0">
+                    <a:solidFill>
+                      <a:schemeClr val="tx1"/>
+                    </a:solidFill>
+                    <a:latin typeface="メイリオ" panose="020B0604030504040204" pitchFamily="50" charset="-128"/>
+                    <a:ea typeface="メイリオ" panose="020B0604030504040204" pitchFamily="50" charset="-128"/>
+                    <a:cs typeface="メイリオ" pitchFamily="50" charset="-128"/>
+                  </a:rPr>
+                  <a:t>  </a:t>
+                </a:r>
+                <a:r>
+                  <a:rPr lang="en-US" altLang="ja-JP" sz="2400" dirty="0" smtClean="0">
+                    <a:solidFill>
+                      <a:schemeClr val="tx1"/>
+                    </a:solidFill>
+                    <a:latin typeface="メイリオ" panose="020B0604030504040204" pitchFamily="50" charset="-128"/>
+                    <a:ea typeface="メイリオ" panose="020B0604030504040204" pitchFamily="50" charset="-128"/>
+                    <a:cs typeface="メイリオ" pitchFamily="50" charset="-128"/>
+                  </a:rPr>
+                  <a:t>  4</a:t>
+                </a:r>
+                <a:r>
+                  <a:rPr lang="en-US" altLang="ja-JP" sz="2400" dirty="0">
+                    <a:solidFill>
+                      <a:schemeClr val="tx1"/>
+                    </a:solidFill>
+                    <a:latin typeface="メイリオ" panose="020B0604030504040204" pitchFamily="50" charset="-128"/>
+                    <a:ea typeface="メイリオ" panose="020B0604030504040204" pitchFamily="50" charset="-128"/>
+                    <a:cs typeface="メイリオ" pitchFamily="50" charset="-128"/>
+                  </a:rPr>
+                  <a:t>. </a:t>
+                </a:r>
+                <a:r>
+                  <a:rPr lang="en-US" altLang="ja-JP" sz="2400" dirty="0" err="1">
+                    <a:solidFill>
+                      <a:schemeClr val="tx1"/>
+                    </a:solidFill>
+                    <a:latin typeface="メイリオ" panose="020B0604030504040204" pitchFamily="50" charset="-128"/>
+                    <a:ea typeface="メイリオ" panose="020B0604030504040204" pitchFamily="50" charset="-128"/>
+                    <a:cs typeface="メイリオ" pitchFamily="50" charset="-128"/>
+                  </a:rPr>
+                  <a:t>dealloc</a:t>
+                </a:r>
+                <a:r>
+                  <a:rPr lang="en-US" altLang="ja-JP" sz="2400" dirty="0">
+                    <a:solidFill>
+                      <a:schemeClr val="tx1"/>
+                    </a:solidFill>
+                    <a:latin typeface="メイリオ" panose="020B0604030504040204" pitchFamily="50" charset="-128"/>
+                    <a:ea typeface="メイリオ" panose="020B0604030504040204" pitchFamily="50" charset="-128"/>
+                    <a:cs typeface="メイリオ" pitchFamily="50" charset="-128"/>
+                  </a:rPr>
+                  <a:t>()</a:t>
+                </a:r>
+                <a:endParaRPr lang="en-US" altLang="ja-JP" sz="2400" dirty="0">
                   <a:solidFill>
                     <a:schemeClr val="tx1"/>
                   </a:solidFill>
                   <a:latin typeface="メイリオ" panose="020B0604030504040204" pitchFamily="50" charset="-128"/>
                   <a:ea typeface="メイリオ" panose="020B0604030504040204" pitchFamily="50" charset="-128"/>
                   <a:cs typeface="メイリオ" pitchFamily="50" charset="-128"/>
-                </a:rPr>
-                <a:t>dealloc</a:t>
-              </a:r>
-              <a:r>
-                <a:rPr lang="en-US" altLang="ja-JP" sz="2800" dirty="0" smtClean="0">
-                  <a:solidFill>
-                    <a:schemeClr val="tx1"/>
-                  </a:solidFill>
-                  <a:latin typeface="メイリオ" panose="020B0604030504040204" pitchFamily="50" charset="-128"/>
-                  <a:ea typeface="メイリオ" panose="020B0604030504040204" pitchFamily="50" charset="-128"/>
+                </a:endParaRPr>
+              </a:p>
+            </p:txBody>
+          </p:sp>
+          <p:sp>
+            <p:nvSpPr>
+              <p:cNvPr id="50" name="二等辺三角形 49"/>
+              <p:cNvSpPr/>
+              <p:nvPr/>
+            </p:nvSpPr>
+            <p:spPr bwMode="auto">
+              <a:xfrm rot="5400000" flipH="1">
+                <a:off x="2785479" y="2292805"/>
+                <a:ext cx="518645" cy="282079"/>
+              </a:xfrm>
+              <a:prstGeom prst="triangle">
+                <a:avLst/>
+              </a:prstGeom>
+              <a:solidFill>
+                <a:schemeClr val="tx1"/>
+              </a:solidFill>
+              <a:ln w="9525" cap="flat" cmpd="sng" algn="ctr">
+                <a:solidFill>
+                  <a:schemeClr val="tx1"/>
+                </a:solidFill>
+                <a:prstDash val="solid"/>
+                <a:round/>
+                <a:headEnd type="none" w="med" len="med"/>
+                <a:tailEnd type="triangle" w="med" len="med"/>
+              </a:ln>
+              <a:effectLst/>
+              <a:extLst/>
+            </p:spPr>
+            <p:txBody>
+              <a:bodyPr vert="horz" wrap="square" lIns="90000" tIns="46800" rIns="90000" bIns="46800" numCol="1" rtlCol="0" anchor="t" anchorCtr="0" compatLnSpc="1">
+                <a:prstTxWarp prst="textNoShape">
+                  <a:avLst/>
+                </a:prstTxWarp>
+                <a:spAutoFit/>
+              </a:bodyPr>
+              <a:lstStyle/>
+              <a:p>
+                <a:pPr defTabSz="914342" fontAlgn="base">
+                  <a:lnSpc>
+                    <a:spcPct val="90000"/>
+                  </a:lnSpc>
+                  <a:spcBef>
+                    <a:spcPct val="20000"/>
+                  </a:spcBef>
+                  <a:spcAft>
+                    <a:spcPct val="0"/>
+                  </a:spcAft>
+                </a:pPr>
+                <a:endParaRPr lang="ja-JP" altLang="en-US">
+                  <a:latin typeface="Times New Roman" pitchFamily="18" charset="0"/>
+                  <a:ea typeface="メイリオ" pitchFamily="50" charset="-128"/>
                   <a:cs typeface="メイリオ" pitchFamily="50" charset="-128"/>
-                </a:rPr>
-                <a:t>()</a:t>
-              </a:r>
+                </a:endParaRPr>
+              </a:p>
+            </p:txBody>
+          </p:sp>
+          <p:cxnSp>
+            <p:nvCxnSpPr>
+              <p:cNvPr id="51" name="直線コネクタ 50"/>
+              <p:cNvCxnSpPr>
+                <a:stCxn id="48" idx="3"/>
+                <a:endCxn id="49" idx="1"/>
+              </p:cNvCxnSpPr>
+              <p:nvPr/>
+            </p:nvCxnSpPr>
+            <p:spPr bwMode="auto">
+              <a:xfrm>
+                <a:off x="2236105" y="2433844"/>
+                <a:ext cx="667657" cy="1"/>
+              </a:xfrm>
+              <a:prstGeom prst="line">
+                <a:avLst/>
+              </a:prstGeom>
+              <a:solidFill>
+                <a:schemeClr val="accent1"/>
+              </a:solidFill>
+              <a:ln w="9525" cap="flat" cmpd="sng" algn="ctr">
+                <a:solidFill>
+                  <a:schemeClr val="tx1"/>
+                </a:solidFill>
+                <a:prstDash val="solid"/>
+                <a:round/>
+                <a:headEnd type="none" w="med" len="med"/>
+                <a:tailEnd type="none" w="med" len="med"/>
+              </a:ln>
+              <a:effectLst/>
+              <a:extLst>
+                <a:ext uri="{AF507438-7753-43E0-B8FC-AC1667EBCBE1}">
+                  <a14:hiddenEffects xmlns:a14="http://schemas.microsoft.com/office/drawing/2010/main">
+                    <a:effectLst>
+                      <a:outerShdw dist="35921" dir="2700000" algn="ctr" rotWithShape="0">
+                        <a:schemeClr val="bg2"/>
+                      </a:outerShdw>
+                    </a:effectLst>
+                  </a14:hiddenEffects>
+                </a:ext>
+              </a:extLst>
+            </p:spPr>
+          </p:cxnSp>
+        </p:grpSp>
+        <p:sp>
+          <p:nvSpPr>
+            <p:cNvPr id="53" name="右矢印 52"/>
+            <p:cNvSpPr/>
+            <p:nvPr/>
+          </p:nvSpPr>
+          <p:spPr>
+            <a:xfrm>
+              <a:off x="2384624" y="1816494"/>
+              <a:ext cx="978408" cy="484632"/>
+            </a:xfrm>
+            <a:prstGeom prst="rightArrow">
+              <a:avLst/>
+            </a:prstGeom>
+          </p:spPr>
+          <p:style>
+            <a:lnRef idx="2">
+              <a:schemeClr val="dk1"/>
+            </a:lnRef>
+            <a:fillRef idx="1">
+              <a:schemeClr val="lt1"/>
+            </a:fillRef>
+            <a:effectRef idx="0">
+              <a:schemeClr val="dk1"/>
+            </a:effectRef>
+            <a:fontRef idx="minor">
+              <a:schemeClr val="dk1"/>
+            </a:fontRef>
+          </p:style>
+          <p:txBody>
+            <a:bodyPr rtlCol="0" anchor="ctr"/>
+            <a:lstStyle/>
+            <a:p>
+              <a:pPr algn="ctr"/>
+              <a:endParaRPr lang="ja-JP" altLang="en-US"/>
             </a:p>
           </p:txBody>
         </p:sp>
         <p:sp>
           <p:nvSpPr>
-            <p:cNvPr id="4" name="正方形/長方形 3"/>
+            <p:cNvPr id="54" name="正方形/長方形 53"/>
             <p:cNvSpPr/>
             <p:nvPr/>
           </p:nvSpPr>
           <p:spPr bwMode="auto">
             <a:xfrm>
-              <a:off x="2900136" y="1873529"/>
-              <a:ext cx="1887764" cy="1120630"/>
+              <a:off x="1929946" y="1485077"/>
+              <a:ext cx="1887764" cy="414583"/>
             </a:xfrm>
             <a:prstGeom prst="rect">
               <a:avLst/>
             </a:prstGeom>
+            <a:noFill/>
             <a:ln>
+              <a:noFill/>
               <a:headEnd type="none" w="med" len="med"/>
               <a:tailEnd type="triangle" w="med" len="med"/>
             </a:ln>
@@ -3901,7 +4802,7 @@
                 </a:spcAft>
               </a:pPr>
               <a:r>
-                <a:rPr lang="en-US" altLang="ja-JP" sz="2800" dirty="0" smtClean="0">
+                <a:rPr lang="en-US" altLang="ja-JP" sz="2000" dirty="0">
                   <a:solidFill>
                     <a:schemeClr val="tx1"/>
                   </a:solidFill>
@@ -3909,9 +4810,9 @@
                   <a:ea typeface="メイリオ" panose="020B0604030504040204" pitchFamily="50" charset="-128"/>
                   <a:cs typeface="メイリオ" pitchFamily="50" charset="-128"/>
                 </a:rPr>
-                <a:t>3. exec()</a:t>
+                <a:t>Data Flow</a:t>
               </a:r>
-              <a:endParaRPr lang="ja-JP" altLang="en-US" sz="2800" dirty="0">
+              <a:endParaRPr lang="ja-JP" altLang="en-US" sz="2000" dirty="0">
                 <a:solidFill>
                   <a:schemeClr val="tx1"/>
                 </a:solidFill>
@@ -3924,368 +4825,18 @@
         </p:sp>
         <p:sp>
           <p:nvSpPr>
-            <p:cNvPr id="5" name="二等辺三角形 4"/>
+            <p:cNvPr id="55" name="右矢印 54"/>
             <p:cNvSpPr/>
             <p:nvPr/>
           </p:nvSpPr>
-          <p:spPr bwMode="auto">
-            <a:xfrm rot="5400000" flipH="1">
-              <a:off x="2768682" y="2297386"/>
-              <a:ext cx="518645" cy="255740"/>
+          <p:spPr>
+            <a:xfrm>
+              <a:off x="8828969" y="1821712"/>
+              <a:ext cx="978408" cy="484632"/>
             </a:xfrm>
-            <a:prstGeom prst="triangle">
+            <a:prstGeom prst="rightArrow">
               <a:avLst/>
             </a:prstGeom>
-            <a:solidFill>
-              <a:schemeClr val="tx1"/>
-            </a:solidFill>
-            <a:ln w="9525" cap="flat" cmpd="sng" algn="ctr">
-              <a:solidFill>
-                <a:schemeClr val="tx1"/>
-              </a:solidFill>
-              <a:prstDash val="solid"/>
-              <a:round/>
-              <a:headEnd type="none" w="med" len="med"/>
-              <a:tailEnd type="triangle" w="med" len="med"/>
-            </a:ln>
-            <a:effectLst/>
-            <a:extLst/>
-          </p:spPr>
-          <p:txBody>
-            <a:bodyPr vert="horz" wrap="square" lIns="90000" tIns="46800" rIns="90000" bIns="46800" numCol="1" rtlCol="0" anchor="t" anchorCtr="0" compatLnSpc="1">
-              <a:prstTxWarp prst="textNoShape">
-                <a:avLst/>
-              </a:prstTxWarp>
-              <a:spAutoFit/>
-            </a:bodyPr>
-            <a:lstStyle/>
-            <a:p>
-              <a:pPr defTabSz="914342" fontAlgn="base">
-                <a:lnSpc>
-                  <a:spcPct val="90000"/>
-                </a:lnSpc>
-                <a:spcBef>
-                  <a:spcPct val="20000"/>
-                </a:spcBef>
-                <a:spcAft>
-                  <a:spcPct val="0"/>
-                </a:spcAft>
-              </a:pPr>
-              <a:endParaRPr lang="ja-JP" altLang="en-US">
-                <a:latin typeface="Times New Roman" pitchFamily="18" charset="0"/>
-                <a:ea typeface="メイリオ" pitchFamily="50" charset="-128"/>
-                <a:cs typeface="メイリオ" pitchFamily="50" charset="-128"/>
-              </a:endParaRPr>
-            </a:p>
-          </p:txBody>
-        </p:sp>
-        <p:cxnSp>
-          <p:nvCxnSpPr>
-            <p:cNvPr id="6" name="直線コネクタ 5"/>
-            <p:cNvCxnSpPr>
-              <a:stCxn id="3" idx="3"/>
-              <a:endCxn id="4" idx="1"/>
-            </p:cNvCxnSpPr>
-            <p:nvPr/>
-          </p:nvCxnSpPr>
-          <p:spPr bwMode="auto">
-            <a:xfrm>
-              <a:off x="2232479" y="2433844"/>
-              <a:ext cx="667657" cy="1"/>
-            </a:xfrm>
-            <a:prstGeom prst="line">
-              <a:avLst/>
-            </a:prstGeom>
-            <a:solidFill>
-              <a:schemeClr val="accent1"/>
-            </a:solidFill>
-            <a:ln w="9525" cap="flat" cmpd="sng" algn="ctr">
-              <a:solidFill>
-                <a:schemeClr val="tx1"/>
-              </a:solidFill>
-              <a:prstDash val="solid"/>
-              <a:round/>
-              <a:headEnd type="none" w="med" len="med"/>
-              <a:tailEnd type="none" w="med" len="med"/>
-            </a:ln>
-            <a:effectLst/>
-            <a:extLst>
-              <a:ext uri="{AF507438-7753-43E0-B8FC-AC1667EBCBE1}">
-                <a14:hiddenEffects xmlns:a14="http://schemas.microsoft.com/office/drawing/2010/main">
-                  <a:effectLst>
-                    <a:outerShdw dist="35921" dir="2700000" algn="ctr" rotWithShape="0">
-                      <a:schemeClr val="bg2"/>
-                    </a:outerShdw>
-                  </a:effectLst>
-                </a14:hiddenEffects>
-              </a:ext>
-            </a:extLst>
-          </p:spPr>
-        </p:cxnSp>
-      </p:grpSp>
-      <p:sp>
-        <p:nvSpPr>
-          <p:cNvPr id="20" name="正方形/長方形 19"/>
-          <p:cNvSpPr/>
-          <p:nvPr/>
-        </p:nvSpPr>
-        <p:spPr bwMode="auto">
-          <a:xfrm>
-            <a:off x="963385" y="252082"/>
-            <a:ext cx="3824515" cy="606962"/>
-          </a:xfrm>
-          <a:prstGeom prst="rect">
-            <a:avLst/>
-          </a:prstGeom>
-          <a:noFill/>
-          <a:ln>
-            <a:noFill/>
-            <a:headEnd type="none" w="med" len="med"/>
-            <a:tailEnd type="triangle" w="med" len="med"/>
-          </a:ln>
-          <a:extLst/>
-        </p:spPr>
-        <p:style>
-          <a:lnRef idx="2">
-            <a:schemeClr val="dk1"/>
-          </a:lnRef>
-          <a:fillRef idx="1">
-            <a:schemeClr val="lt1"/>
-          </a:fillRef>
-          <a:effectRef idx="0">
-            <a:schemeClr val="dk1"/>
-          </a:effectRef>
-          <a:fontRef idx="minor">
-            <a:schemeClr val="dk1"/>
-          </a:fontRef>
-        </p:style>
-        <p:txBody>
-          <a:bodyPr vert="horz" wrap="square" lIns="90000" tIns="46800" rIns="90000" bIns="46800" numCol="1" rtlCol="0" anchor="t" anchorCtr="0" compatLnSpc="1">
-            <a:prstTxWarp prst="textNoShape">
-              <a:avLst/>
-            </a:prstTxWarp>
-            <a:spAutoFit/>
-          </a:bodyPr>
-          <a:lstStyle/>
-          <a:p>
-            <a:pPr algn="ctr" defTabSz="914342" fontAlgn="base">
-              <a:lnSpc>
-                <a:spcPct val="90000"/>
-              </a:lnSpc>
-              <a:spcBef>
-                <a:spcPct val="20000"/>
-              </a:spcBef>
-              <a:spcAft>
-                <a:spcPct val="0"/>
-              </a:spcAft>
-            </a:pPr>
-            <a:r>
-              <a:rPr lang="en-US" altLang="ja-JP" sz="3600" dirty="0" smtClean="0">
-                <a:solidFill>
-                  <a:schemeClr val="tx1"/>
-                </a:solidFill>
-                <a:latin typeface="メイリオ" panose="020B0604030504040204" pitchFamily="50" charset="-128"/>
-                <a:ea typeface="メイリオ" panose="020B0604030504040204" pitchFamily="50" charset="-128"/>
-                <a:cs typeface="メイリオ" pitchFamily="50" charset="-128"/>
-              </a:rPr>
-              <a:t>in</a:t>
-            </a:r>
-            <a:endParaRPr lang="ja-JP" altLang="en-US" sz="3600" dirty="0">
-              <a:solidFill>
-                <a:schemeClr val="tx1"/>
-              </a:solidFill>
-              <a:latin typeface="メイリオ" panose="020B0604030504040204" pitchFamily="50" charset="-128"/>
-              <a:ea typeface="メイリオ" panose="020B0604030504040204" pitchFamily="50" charset="-128"/>
-              <a:cs typeface="メイリオ" pitchFamily="50" charset="-128"/>
-            </a:endParaRPr>
-          </a:p>
-        </p:txBody>
-      </p:sp>
-      <p:cxnSp>
-        <p:nvCxnSpPr>
-          <p:cNvPr id="11" name="直線コネクタ 10"/>
-          <p:cNvCxnSpPr/>
-          <p:nvPr/>
-        </p:nvCxnSpPr>
-        <p:spPr>
-          <a:xfrm>
-            <a:off x="6096000" y="0"/>
-            <a:ext cx="0" cy="6858000"/>
-          </a:xfrm>
-          <a:prstGeom prst="line">
-            <a:avLst/>
-          </a:prstGeom>
-          <a:ln w="25400">
-            <a:solidFill>
-              <a:schemeClr val="bg1">
-                <a:lumMod val="50000"/>
-              </a:schemeClr>
-            </a:solidFill>
-            <a:prstDash val="sysDash"/>
-          </a:ln>
-        </p:spPr>
-        <p:style>
-          <a:lnRef idx="1">
-            <a:schemeClr val="accent1"/>
-          </a:lnRef>
-          <a:fillRef idx="0">
-            <a:schemeClr val="accent1"/>
-          </a:fillRef>
-          <a:effectRef idx="0">
-            <a:schemeClr val="accent1"/>
-          </a:effectRef>
-          <a:fontRef idx="minor">
-            <a:schemeClr val="tx1"/>
-          </a:fontRef>
-        </p:style>
-      </p:cxnSp>
-      <p:sp>
-        <p:nvSpPr>
-          <p:cNvPr id="25" name="正方形/長方形 24"/>
-          <p:cNvSpPr/>
-          <p:nvPr/>
-        </p:nvSpPr>
-        <p:spPr bwMode="auto">
-          <a:xfrm>
-            <a:off x="7404101" y="252082"/>
-            <a:ext cx="3824515" cy="606962"/>
-          </a:xfrm>
-          <a:prstGeom prst="rect">
-            <a:avLst/>
-          </a:prstGeom>
-          <a:noFill/>
-          <a:ln>
-            <a:noFill/>
-            <a:headEnd type="none" w="med" len="med"/>
-            <a:tailEnd type="triangle" w="med" len="med"/>
-          </a:ln>
-          <a:extLst/>
-        </p:spPr>
-        <p:style>
-          <a:lnRef idx="2">
-            <a:schemeClr val="dk1"/>
-          </a:lnRef>
-          <a:fillRef idx="1">
-            <a:schemeClr val="lt1"/>
-          </a:fillRef>
-          <a:effectRef idx="0">
-            <a:schemeClr val="dk1"/>
-          </a:effectRef>
-          <a:fontRef idx="minor">
-            <a:schemeClr val="dk1"/>
-          </a:fontRef>
-        </p:style>
-        <p:txBody>
-          <a:bodyPr vert="horz" wrap="square" lIns="90000" tIns="46800" rIns="90000" bIns="46800" numCol="1" rtlCol="0" anchor="t" anchorCtr="0" compatLnSpc="1">
-            <a:prstTxWarp prst="textNoShape">
-              <a:avLst/>
-            </a:prstTxWarp>
-            <a:spAutoFit/>
-          </a:bodyPr>
-          <a:lstStyle/>
-          <a:p>
-            <a:pPr algn="ctr" defTabSz="914342" fontAlgn="base">
-              <a:lnSpc>
-                <a:spcPct val="90000"/>
-              </a:lnSpc>
-              <a:spcBef>
-                <a:spcPct val="20000"/>
-              </a:spcBef>
-              <a:spcAft>
-                <a:spcPct val="0"/>
-              </a:spcAft>
-            </a:pPr>
-            <a:r>
-              <a:rPr lang="en-US" altLang="ja-JP" sz="3600" dirty="0" smtClean="0">
-                <a:solidFill>
-                  <a:schemeClr val="tx1"/>
-                </a:solidFill>
-                <a:latin typeface="メイリオ" panose="020B0604030504040204" pitchFamily="50" charset="-128"/>
-                <a:ea typeface="メイリオ" panose="020B0604030504040204" pitchFamily="50" charset="-128"/>
-                <a:cs typeface="メイリオ" pitchFamily="50" charset="-128"/>
-              </a:rPr>
-              <a:t>send</a:t>
-            </a:r>
-            <a:endParaRPr lang="ja-JP" altLang="en-US" sz="3600" dirty="0">
-              <a:solidFill>
-                <a:schemeClr val="tx1"/>
-              </a:solidFill>
-              <a:latin typeface="メイリオ" panose="020B0604030504040204" pitchFamily="50" charset="-128"/>
-              <a:ea typeface="メイリオ" panose="020B0604030504040204" pitchFamily="50" charset="-128"/>
-              <a:cs typeface="メイリオ" pitchFamily="50" charset="-128"/>
-            </a:endParaRPr>
-          </a:p>
-        </p:txBody>
-      </p:sp>
-      <p:cxnSp>
-        <p:nvCxnSpPr>
-          <p:cNvPr id="28" name="直線コネクタ 27"/>
-          <p:cNvCxnSpPr/>
-          <p:nvPr/>
-        </p:nvCxnSpPr>
-        <p:spPr>
-          <a:xfrm flipH="1" flipV="1">
-            <a:off x="29029" y="3425371"/>
-            <a:ext cx="12162971" cy="25402"/>
-          </a:xfrm>
-          <a:prstGeom prst="line">
-            <a:avLst/>
-          </a:prstGeom>
-          <a:ln w="25400">
-            <a:solidFill>
-              <a:schemeClr val="tx1"/>
-            </a:solidFill>
-            <a:prstDash val="solid"/>
-          </a:ln>
-        </p:spPr>
-        <p:style>
-          <a:lnRef idx="1">
-            <a:schemeClr val="accent1"/>
-          </a:lnRef>
-          <a:fillRef idx="0">
-            <a:schemeClr val="accent1"/>
-          </a:fillRef>
-          <a:effectRef idx="0">
-            <a:schemeClr val="accent1"/>
-          </a:effectRef>
-          <a:fontRef idx="minor">
-            <a:schemeClr val="tx1"/>
-          </a:fontRef>
-        </p:style>
-      </p:cxnSp>
-      <p:grpSp>
-        <p:nvGrpSpPr>
-          <p:cNvPr id="47" name="グループ化 46"/>
-          <p:cNvGrpSpPr/>
-          <p:nvPr/>
-        </p:nvGrpSpPr>
-        <p:grpSpPr>
-          <a:xfrm>
-            <a:off x="6313717" y="859041"/>
-            <a:ext cx="5702300" cy="1534875"/>
-            <a:chOff x="348342" y="1873529"/>
-            <a:chExt cx="4439558" cy="1120630"/>
-          </a:xfrm>
-        </p:grpSpPr>
-        <p:sp>
-          <p:nvSpPr>
-            <p:cNvPr id="48" name="正方形/長方形 47"/>
-            <p:cNvSpPr/>
-            <p:nvPr/>
-          </p:nvSpPr>
-          <p:spPr bwMode="auto">
-            <a:xfrm>
-              <a:off x="348342" y="1873529"/>
-              <a:ext cx="1887763" cy="1120629"/>
-            </a:xfrm>
-            <a:prstGeom prst="rect">
-              <a:avLst/>
-            </a:prstGeom>
-            <a:ln>
-              <a:headEnd type="none" w="med" len="med"/>
-              <a:tailEnd type="triangle" w="med" len="med"/>
-            </a:ln>
-            <a:extLst/>
           </p:spPr>
           <p:style>
             <a:lnRef idx="2">
@@ -4302,800 +4853,31 @@
             </a:fontRef>
           </p:style>
           <p:txBody>
-            <a:bodyPr vert="horz" wrap="square" lIns="90000" tIns="46800" rIns="90000" bIns="46800" numCol="1" rtlCol="0" anchor="ctr" anchorCtr="0" compatLnSpc="1">
-              <a:prstTxWarp prst="textNoShape">
-                <a:avLst/>
-              </a:prstTxWarp>
-              <a:noAutofit/>
-            </a:bodyPr>
+            <a:bodyPr rtlCol="0" anchor="ctr"/>
             <a:lstStyle/>
             <a:p>
-              <a:pPr defTabSz="914342" fontAlgn="base">
-                <a:lnSpc>
-                  <a:spcPct val="90000"/>
-                </a:lnSpc>
-                <a:spcBef>
-                  <a:spcPct val="20000"/>
-                </a:spcBef>
-                <a:spcAft>
-                  <a:spcPct val="0"/>
-                </a:spcAft>
-              </a:pPr>
-              <a:r>
-                <a:rPr lang="en-US" altLang="ja-JP" sz="2800" dirty="0" smtClean="0">
-                  <a:solidFill>
-                    <a:schemeClr val="tx1"/>
-                  </a:solidFill>
-                  <a:latin typeface="メイリオ" panose="020B0604030504040204" pitchFamily="50" charset="-128"/>
-                  <a:ea typeface="メイリオ" panose="020B0604030504040204" pitchFamily="50" charset="-128"/>
-                  <a:cs typeface="メイリオ" pitchFamily="50" charset="-128"/>
-                </a:rPr>
-                <a:t>  1. </a:t>
-              </a:r>
-              <a:r>
-                <a:rPr lang="en-US" altLang="ja-JP" sz="2800" dirty="0" err="1" smtClean="0">
-                  <a:solidFill>
-                    <a:schemeClr val="tx1"/>
-                  </a:solidFill>
-                  <a:latin typeface="メイリオ" panose="020B0604030504040204" pitchFamily="50" charset="-128"/>
-                  <a:ea typeface="メイリオ" panose="020B0604030504040204" pitchFamily="50" charset="-128"/>
-                  <a:cs typeface="メイリオ" pitchFamily="50" charset="-128"/>
-                </a:rPr>
-                <a:t>alloc</a:t>
-              </a:r>
-              <a:r>
-                <a:rPr lang="en-US" altLang="ja-JP" sz="2800" dirty="0" smtClean="0">
-                  <a:solidFill>
-                    <a:schemeClr val="tx1"/>
-                  </a:solidFill>
-                  <a:latin typeface="メイリオ" panose="020B0604030504040204" pitchFamily="50" charset="-128"/>
-                  <a:ea typeface="メイリオ" panose="020B0604030504040204" pitchFamily="50" charset="-128"/>
-                  <a:cs typeface="メイリオ" pitchFamily="50" charset="-128"/>
-                </a:rPr>
-                <a:t>()</a:t>
-              </a:r>
-            </a:p>
-            <a:p>
-              <a:pPr defTabSz="914342" fontAlgn="base">
-                <a:lnSpc>
-                  <a:spcPct val="90000"/>
-                </a:lnSpc>
-                <a:spcBef>
-                  <a:spcPct val="20000"/>
-                </a:spcBef>
-                <a:spcAft>
-                  <a:spcPct val="0"/>
-                </a:spcAft>
-              </a:pPr>
-              <a:r>
-                <a:rPr lang="en-US" altLang="ja-JP" sz="2800" dirty="0" smtClean="0">
-                  <a:solidFill>
-                    <a:schemeClr val="tx1"/>
-                  </a:solidFill>
-                  <a:latin typeface="メイリオ" panose="020B0604030504040204" pitchFamily="50" charset="-128"/>
-                  <a:ea typeface="メイリオ" panose="020B0604030504040204" pitchFamily="50" charset="-128"/>
-                  <a:cs typeface="メイリオ" pitchFamily="50" charset="-128"/>
-                </a:rPr>
-                <a:t>  2. </a:t>
-              </a:r>
-              <a:r>
-                <a:rPr lang="en-US" altLang="ja-JP" sz="2800" dirty="0" err="1" smtClean="0">
-                  <a:solidFill>
-                    <a:schemeClr val="tx1"/>
-                  </a:solidFill>
-                  <a:latin typeface="メイリオ" panose="020B0604030504040204" pitchFamily="50" charset="-128"/>
-                  <a:ea typeface="メイリオ" panose="020B0604030504040204" pitchFamily="50" charset="-128"/>
-                  <a:cs typeface="メイリオ" pitchFamily="50" charset="-128"/>
-                </a:rPr>
-                <a:t>func</a:t>
-              </a:r>
-              <a:r>
-                <a:rPr lang="en-US" altLang="ja-JP" sz="2800" dirty="0" smtClean="0">
-                  <a:solidFill>
-                    <a:schemeClr val="tx1"/>
-                  </a:solidFill>
-                  <a:latin typeface="メイリオ" panose="020B0604030504040204" pitchFamily="50" charset="-128"/>
-                  <a:ea typeface="メイリオ" panose="020B0604030504040204" pitchFamily="50" charset="-128"/>
-                  <a:cs typeface="メイリオ" pitchFamily="50" charset="-128"/>
-                </a:rPr>
-                <a:t>()</a:t>
-              </a:r>
-              <a:endParaRPr lang="en-US" altLang="ja-JP" sz="2800" dirty="0">
-                <a:solidFill>
-                  <a:schemeClr val="tx1"/>
-                </a:solidFill>
-                <a:latin typeface="メイリオ" panose="020B0604030504040204" pitchFamily="50" charset="-128"/>
-                <a:ea typeface="メイリオ" panose="020B0604030504040204" pitchFamily="50" charset="-128"/>
-                <a:cs typeface="メイリオ" pitchFamily="50" charset="-128"/>
-              </a:endParaRPr>
+              <a:pPr algn="ctr"/>
+              <a:endParaRPr lang="ja-JP" altLang="en-US"/>
             </a:p>
           </p:txBody>
         </p:sp>
         <p:sp>
           <p:nvSpPr>
-            <p:cNvPr id="49" name="正方形/長方形 48"/>
+            <p:cNvPr id="56" name="正方形/長方形 55"/>
             <p:cNvSpPr/>
             <p:nvPr/>
           </p:nvSpPr>
           <p:spPr bwMode="auto">
             <a:xfrm>
-              <a:off x="2903762" y="1873529"/>
-              <a:ext cx="1884138" cy="1120630"/>
+              <a:off x="8374291" y="1490295"/>
+              <a:ext cx="1887764" cy="414583"/>
             </a:xfrm>
             <a:prstGeom prst="rect">
               <a:avLst/>
             </a:prstGeom>
+            <a:noFill/>
             <a:ln>
-              <a:headEnd type="none" w="med" len="med"/>
-              <a:tailEnd type="triangle" w="med" len="med"/>
-            </a:ln>
-            <a:extLst/>
-          </p:spPr>
-          <p:style>
-            <a:lnRef idx="2">
-              <a:schemeClr val="dk1"/>
-            </a:lnRef>
-            <a:fillRef idx="1">
-              <a:schemeClr val="lt1"/>
-            </a:fillRef>
-            <a:effectRef idx="0">
-              <a:schemeClr val="dk1"/>
-            </a:effectRef>
-            <a:fontRef idx="minor">
-              <a:schemeClr val="dk1"/>
-            </a:fontRef>
-          </p:style>
-          <p:txBody>
-            <a:bodyPr vert="horz" wrap="square" lIns="90000" tIns="46800" rIns="90000" bIns="46800" numCol="1" rtlCol="0" anchor="ctr" anchorCtr="0" compatLnSpc="1">
-              <a:prstTxWarp prst="textNoShape">
-                <a:avLst/>
-              </a:prstTxWarp>
-              <a:noAutofit/>
-            </a:bodyPr>
-            <a:lstStyle/>
-            <a:p>
-              <a:pPr defTabSz="914342" fontAlgn="base">
-                <a:lnSpc>
-                  <a:spcPct val="90000"/>
-                </a:lnSpc>
-                <a:spcBef>
-                  <a:spcPct val="20000"/>
-                </a:spcBef>
-                <a:spcAft>
-                  <a:spcPct val="0"/>
-                </a:spcAft>
-              </a:pPr>
-              <a:r>
-                <a:rPr lang="en-US" altLang="ja-JP" sz="2800" dirty="0" smtClean="0">
-                  <a:solidFill>
-                    <a:schemeClr val="tx1"/>
-                  </a:solidFill>
-                  <a:latin typeface="メイリオ" panose="020B0604030504040204" pitchFamily="50" charset="-128"/>
-                  <a:ea typeface="メイリオ" panose="020B0604030504040204" pitchFamily="50" charset="-128"/>
-                  <a:cs typeface="メイリオ" pitchFamily="50" charset="-128"/>
-                </a:rPr>
-                <a:t>  3. exec()</a:t>
-              </a:r>
-            </a:p>
-            <a:p>
-              <a:pPr defTabSz="914342" fontAlgn="base">
-                <a:lnSpc>
-                  <a:spcPct val="90000"/>
-                </a:lnSpc>
-                <a:spcBef>
-                  <a:spcPct val="20000"/>
-                </a:spcBef>
-                <a:spcAft>
-                  <a:spcPct val="0"/>
-                </a:spcAft>
-              </a:pPr>
-              <a:r>
-                <a:rPr lang="en-US" altLang="ja-JP" sz="2800" dirty="0" smtClean="0">
-                  <a:solidFill>
-                    <a:schemeClr val="tx1"/>
-                  </a:solidFill>
-                  <a:latin typeface="メイリオ" panose="020B0604030504040204" pitchFamily="50" charset="-128"/>
-                  <a:ea typeface="メイリオ" panose="020B0604030504040204" pitchFamily="50" charset="-128"/>
-                  <a:cs typeface="メイリオ" pitchFamily="50" charset="-128"/>
-                </a:rPr>
-                <a:t>  4</a:t>
-              </a:r>
-              <a:r>
-                <a:rPr lang="en-US" altLang="ja-JP" sz="2800" dirty="0">
-                  <a:solidFill>
-                    <a:schemeClr val="tx1"/>
-                  </a:solidFill>
-                  <a:latin typeface="メイリオ" panose="020B0604030504040204" pitchFamily="50" charset="-128"/>
-                  <a:ea typeface="メイリオ" panose="020B0604030504040204" pitchFamily="50" charset="-128"/>
-                  <a:cs typeface="メイリオ" pitchFamily="50" charset="-128"/>
-                </a:rPr>
-                <a:t>. </a:t>
-              </a:r>
-              <a:r>
-                <a:rPr lang="en-US" altLang="ja-JP" sz="2800" dirty="0" err="1">
-                  <a:solidFill>
-                    <a:schemeClr val="tx1"/>
-                  </a:solidFill>
-                  <a:latin typeface="メイリオ" panose="020B0604030504040204" pitchFamily="50" charset="-128"/>
-                  <a:ea typeface="メイリオ" panose="020B0604030504040204" pitchFamily="50" charset="-128"/>
-                  <a:cs typeface="メイリオ" pitchFamily="50" charset="-128"/>
-                </a:rPr>
-                <a:t>dealloc</a:t>
-              </a:r>
-              <a:r>
-                <a:rPr lang="en-US" altLang="ja-JP" sz="2800" dirty="0" smtClean="0">
-                  <a:solidFill>
-                    <a:schemeClr val="tx1"/>
-                  </a:solidFill>
-                  <a:latin typeface="メイリオ" panose="020B0604030504040204" pitchFamily="50" charset="-128"/>
-                  <a:ea typeface="メイリオ" panose="020B0604030504040204" pitchFamily="50" charset="-128"/>
-                  <a:cs typeface="メイリオ" pitchFamily="50" charset="-128"/>
-                </a:rPr>
-                <a:t>()</a:t>
-              </a:r>
-              <a:endParaRPr lang="en-US" altLang="ja-JP" sz="2800" dirty="0">
-                <a:solidFill>
-                  <a:schemeClr val="tx1"/>
-                </a:solidFill>
-                <a:latin typeface="メイリオ" panose="020B0604030504040204" pitchFamily="50" charset="-128"/>
-                <a:ea typeface="メイリオ" panose="020B0604030504040204" pitchFamily="50" charset="-128"/>
-                <a:cs typeface="メイリオ" pitchFamily="50" charset="-128"/>
-              </a:endParaRPr>
-            </a:p>
-          </p:txBody>
-        </p:sp>
-        <p:sp>
-          <p:nvSpPr>
-            <p:cNvPr id="50" name="二等辺三角形 49"/>
-            <p:cNvSpPr/>
-            <p:nvPr/>
-          </p:nvSpPr>
-          <p:spPr bwMode="auto">
-            <a:xfrm rot="5400000" flipH="1">
-              <a:off x="2772309" y="2305974"/>
-              <a:ext cx="518645" cy="255740"/>
-            </a:xfrm>
-            <a:prstGeom prst="triangle">
-              <a:avLst/>
-            </a:prstGeom>
-            <a:solidFill>
-              <a:schemeClr val="tx1"/>
-            </a:solidFill>
-            <a:ln w="9525" cap="flat" cmpd="sng" algn="ctr">
-              <a:solidFill>
-                <a:schemeClr val="tx1"/>
-              </a:solidFill>
-              <a:prstDash val="solid"/>
-              <a:round/>
-              <a:headEnd type="none" w="med" len="med"/>
-              <a:tailEnd type="triangle" w="med" len="med"/>
-            </a:ln>
-            <a:effectLst/>
-            <a:extLst/>
-          </p:spPr>
-          <p:txBody>
-            <a:bodyPr vert="horz" wrap="square" lIns="90000" tIns="46800" rIns="90000" bIns="46800" numCol="1" rtlCol="0" anchor="t" anchorCtr="0" compatLnSpc="1">
-              <a:prstTxWarp prst="textNoShape">
-                <a:avLst/>
-              </a:prstTxWarp>
-              <a:spAutoFit/>
-            </a:bodyPr>
-            <a:lstStyle/>
-            <a:p>
-              <a:pPr defTabSz="914342" fontAlgn="base">
-                <a:lnSpc>
-                  <a:spcPct val="90000"/>
-                </a:lnSpc>
-                <a:spcBef>
-                  <a:spcPct val="20000"/>
-                </a:spcBef>
-                <a:spcAft>
-                  <a:spcPct val="0"/>
-                </a:spcAft>
-              </a:pPr>
-              <a:endParaRPr lang="ja-JP" altLang="en-US">
-                <a:latin typeface="Times New Roman" pitchFamily="18" charset="0"/>
-                <a:ea typeface="メイリオ" pitchFamily="50" charset="-128"/>
-                <a:cs typeface="メイリオ" pitchFamily="50" charset="-128"/>
-              </a:endParaRPr>
-            </a:p>
-          </p:txBody>
-        </p:sp>
-        <p:cxnSp>
-          <p:nvCxnSpPr>
-            <p:cNvPr id="51" name="直線コネクタ 50"/>
-            <p:cNvCxnSpPr>
-              <a:stCxn id="48" idx="3"/>
-              <a:endCxn id="49" idx="1"/>
-            </p:cNvCxnSpPr>
-            <p:nvPr/>
-          </p:nvCxnSpPr>
-          <p:spPr bwMode="auto">
-            <a:xfrm>
-              <a:off x="2236105" y="2433844"/>
-              <a:ext cx="667657" cy="1"/>
-            </a:xfrm>
-            <a:prstGeom prst="line">
-              <a:avLst/>
-            </a:prstGeom>
-            <a:solidFill>
-              <a:schemeClr val="accent1"/>
-            </a:solidFill>
-            <a:ln w="9525" cap="flat" cmpd="sng" algn="ctr">
-              <a:solidFill>
-                <a:schemeClr val="tx1"/>
-              </a:solidFill>
-              <a:prstDash val="solid"/>
-              <a:round/>
-              <a:headEnd type="none" w="med" len="med"/>
-              <a:tailEnd type="none" w="med" len="med"/>
-            </a:ln>
-            <a:effectLst/>
-            <a:extLst>
-              <a:ext uri="{AF507438-7753-43E0-B8FC-AC1667EBCBE1}">
-                <a14:hiddenEffects xmlns:a14="http://schemas.microsoft.com/office/drawing/2010/main">
-                  <a:effectLst>
-                    <a:outerShdw dist="35921" dir="2700000" algn="ctr" rotWithShape="0">
-                      <a:schemeClr val="bg2"/>
-                    </a:outerShdw>
-                  </a:effectLst>
-                </a14:hiddenEffects>
-              </a:ext>
-            </a:extLst>
-          </p:spPr>
-        </p:cxnSp>
-      </p:grpSp>
-      <p:sp>
-        <p:nvSpPr>
-          <p:cNvPr id="53" name="右矢印 52"/>
-          <p:cNvSpPr/>
-          <p:nvPr/>
-        </p:nvSpPr>
-        <p:spPr>
-          <a:xfrm>
-            <a:off x="2384624" y="2725338"/>
-            <a:ext cx="978408" cy="484632"/>
-          </a:xfrm>
-          <a:prstGeom prst="rightArrow">
-            <a:avLst/>
-          </a:prstGeom>
-        </p:spPr>
-        <p:style>
-          <a:lnRef idx="2">
-            <a:schemeClr val="dk1"/>
-          </a:lnRef>
-          <a:fillRef idx="1">
-            <a:schemeClr val="lt1"/>
-          </a:fillRef>
-          <a:effectRef idx="0">
-            <a:schemeClr val="dk1"/>
-          </a:effectRef>
-          <a:fontRef idx="minor">
-            <a:schemeClr val="dk1"/>
-          </a:fontRef>
-        </p:style>
-        <p:txBody>
-          <a:bodyPr rtlCol="0" anchor="ctr"/>
-          <a:lstStyle/>
-          <a:p>
-            <a:pPr algn="ctr"/>
-            <a:endParaRPr kumimoji="1" lang="ja-JP" altLang="en-US"/>
-          </a:p>
-        </p:txBody>
-      </p:sp>
-      <p:sp>
-        <p:nvSpPr>
-          <p:cNvPr id="54" name="正方形/長方形 53"/>
-          <p:cNvSpPr/>
-          <p:nvPr/>
-        </p:nvSpPr>
-        <p:spPr bwMode="auto">
-          <a:xfrm>
-            <a:off x="1929946" y="2393920"/>
-            <a:ext cx="1887764" cy="414583"/>
-          </a:xfrm>
-          <a:prstGeom prst="rect">
-            <a:avLst/>
-          </a:prstGeom>
-          <a:noFill/>
-          <a:ln>
-            <a:noFill/>
-            <a:headEnd type="none" w="med" len="med"/>
-            <a:tailEnd type="triangle" w="med" len="med"/>
-          </a:ln>
-          <a:extLst/>
-        </p:spPr>
-        <p:style>
-          <a:lnRef idx="2">
-            <a:schemeClr val="dk1"/>
-          </a:lnRef>
-          <a:fillRef idx="1">
-            <a:schemeClr val="lt1"/>
-          </a:fillRef>
-          <a:effectRef idx="0">
-            <a:schemeClr val="dk1"/>
-          </a:effectRef>
-          <a:fontRef idx="minor">
-            <a:schemeClr val="dk1"/>
-          </a:fontRef>
-        </p:style>
-        <p:txBody>
-          <a:bodyPr vert="horz" wrap="square" lIns="90000" tIns="46800" rIns="90000" bIns="46800" numCol="1" rtlCol="0" anchor="ctr" anchorCtr="0" compatLnSpc="1">
-            <a:prstTxWarp prst="textNoShape">
-              <a:avLst/>
-            </a:prstTxWarp>
-            <a:noAutofit/>
-          </a:bodyPr>
-          <a:lstStyle/>
-          <a:p>
-            <a:pPr algn="ctr" defTabSz="914342" fontAlgn="base">
-              <a:lnSpc>
-                <a:spcPct val="90000"/>
-              </a:lnSpc>
-              <a:spcBef>
-                <a:spcPct val="20000"/>
-              </a:spcBef>
-              <a:spcAft>
-                <a:spcPct val="0"/>
-              </a:spcAft>
-            </a:pPr>
-            <a:r>
-              <a:rPr lang="en-US" altLang="ja-JP" sz="2000" dirty="0" smtClean="0">
-                <a:solidFill>
-                  <a:schemeClr val="tx1"/>
-                </a:solidFill>
-                <a:latin typeface="メイリオ" panose="020B0604030504040204" pitchFamily="50" charset="-128"/>
-                <a:ea typeface="メイリオ" panose="020B0604030504040204" pitchFamily="50" charset="-128"/>
-                <a:cs typeface="メイリオ" pitchFamily="50" charset="-128"/>
-              </a:rPr>
-              <a:t>Data Flow</a:t>
-            </a:r>
-            <a:endParaRPr lang="ja-JP" altLang="en-US" sz="2000" dirty="0">
-              <a:solidFill>
-                <a:schemeClr val="tx1"/>
-              </a:solidFill>
-              <a:latin typeface="メイリオ" panose="020B0604030504040204" pitchFamily="50" charset="-128"/>
-              <a:ea typeface="メイリオ" panose="020B0604030504040204" pitchFamily="50" charset="-128"/>
-              <a:cs typeface="メイリオ" pitchFamily="50" charset="-128"/>
-            </a:endParaRPr>
-          </a:p>
-        </p:txBody>
-      </p:sp>
-      <p:sp>
-        <p:nvSpPr>
-          <p:cNvPr id="55" name="右矢印 54"/>
-          <p:cNvSpPr/>
-          <p:nvPr/>
-        </p:nvSpPr>
-        <p:spPr>
-          <a:xfrm>
-            <a:off x="8828969" y="2730556"/>
-            <a:ext cx="978408" cy="484632"/>
-          </a:xfrm>
-          <a:prstGeom prst="rightArrow">
-            <a:avLst/>
-          </a:prstGeom>
-        </p:spPr>
-        <p:style>
-          <a:lnRef idx="2">
-            <a:schemeClr val="dk1"/>
-          </a:lnRef>
-          <a:fillRef idx="1">
-            <a:schemeClr val="lt1"/>
-          </a:fillRef>
-          <a:effectRef idx="0">
-            <a:schemeClr val="dk1"/>
-          </a:effectRef>
-          <a:fontRef idx="minor">
-            <a:schemeClr val="dk1"/>
-          </a:fontRef>
-        </p:style>
-        <p:txBody>
-          <a:bodyPr rtlCol="0" anchor="ctr"/>
-          <a:lstStyle/>
-          <a:p>
-            <a:pPr algn="ctr"/>
-            <a:endParaRPr kumimoji="1" lang="ja-JP" altLang="en-US"/>
-          </a:p>
-        </p:txBody>
-      </p:sp>
-      <p:sp>
-        <p:nvSpPr>
-          <p:cNvPr id="56" name="正方形/長方形 55"/>
-          <p:cNvSpPr/>
-          <p:nvPr/>
-        </p:nvSpPr>
-        <p:spPr bwMode="auto">
-          <a:xfrm>
-            <a:off x="8374291" y="2399138"/>
-            <a:ext cx="1887764" cy="414583"/>
-          </a:xfrm>
-          <a:prstGeom prst="rect">
-            <a:avLst/>
-          </a:prstGeom>
-          <a:noFill/>
-          <a:ln>
-            <a:noFill/>
-            <a:headEnd type="none" w="med" len="med"/>
-            <a:tailEnd type="triangle" w="med" len="med"/>
-          </a:ln>
-          <a:extLst/>
-        </p:spPr>
-        <p:style>
-          <a:lnRef idx="2">
-            <a:schemeClr val="dk1"/>
-          </a:lnRef>
-          <a:fillRef idx="1">
-            <a:schemeClr val="lt1"/>
-          </a:fillRef>
-          <a:effectRef idx="0">
-            <a:schemeClr val="dk1"/>
-          </a:effectRef>
-          <a:fontRef idx="minor">
-            <a:schemeClr val="dk1"/>
-          </a:fontRef>
-        </p:style>
-        <p:txBody>
-          <a:bodyPr vert="horz" wrap="square" lIns="90000" tIns="46800" rIns="90000" bIns="46800" numCol="1" rtlCol="0" anchor="ctr" anchorCtr="0" compatLnSpc="1">
-            <a:prstTxWarp prst="textNoShape">
-              <a:avLst/>
-            </a:prstTxWarp>
-            <a:noAutofit/>
-          </a:bodyPr>
-          <a:lstStyle/>
-          <a:p>
-            <a:pPr algn="ctr" defTabSz="914342" fontAlgn="base">
-              <a:lnSpc>
-                <a:spcPct val="90000"/>
-              </a:lnSpc>
-              <a:spcBef>
-                <a:spcPct val="20000"/>
-              </a:spcBef>
-              <a:spcAft>
-                <a:spcPct val="0"/>
-              </a:spcAft>
-            </a:pPr>
-            <a:r>
-              <a:rPr lang="en-US" altLang="ja-JP" sz="2000" dirty="0" smtClean="0">
-                <a:solidFill>
-                  <a:schemeClr val="tx1"/>
-                </a:solidFill>
-                <a:latin typeface="メイリオ" panose="020B0604030504040204" pitchFamily="50" charset="-128"/>
-                <a:ea typeface="メイリオ" panose="020B0604030504040204" pitchFamily="50" charset="-128"/>
-                <a:cs typeface="メイリオ" pitchFamily="50" charset="-128"/>
-              </a:rPr>
-              <a:t>Data Flow</a:t>
-            </a:r>
-            <a:endParaRPr lang="ja-JP" altLang="en-US" sz="2000" dirty="0">
-              <a:solidFill>
-                <a:schemeClr val="tx1"/>
-              </a:solidFill>
-              <a:latin typeface="メイリオ" panose="020B0604030504040204" pitchFamily="50" charset="-128"/>
-              <a:ea typeface="メイリオ" panose="020B0604030504040204" pitchFamily="50" charset="-128"/>
-              <a:cs typeface="メイリオ" pitchFamily="50" charset="-128"/>
-            </a:endParaRPr>
-          </a:p>
-        </p:txBody>
-      </p:sp>
-      <p:grpSp>
-        <p:nvGrpSpPr>
-          <p:cNvPr id="57" name="グループ化 56"/>
-          <p:cNvGrpSpPr/>
-          <p:nvPr/>
-        </p:nvGrpSpPr>
-        <p:grpSpPr>
-          <a:xfrm>
-            <a:off x="177800" y="4250573"/>
-            <a:ext cx="5702300" cy="1534875"/>
-            <a:chOff x="348342" y="1873529"/>
-            <a:chExt cx="4439558" cy="1120630"/>
-          </a:xfrm>
-        </p:grpSpPr>
-        <p:sp>
-          <p:nvSpPr>
-            <p:cNvPr id="58" name="正方形/長方形 57"/>
-            <p:cNvSpPr/>
-            <p:nvPr/>
-          </p:nvSpPr>
-          <p:spPr bwMode="auto">
-            <a:xfrm>
-              <a:off x="348342" y="1873529"/>
-              <a:ext cx="1884137" cy="1120629"/>
-            </a:xfrm>
-            <a:prstGeom prst="rect">
-              <a:avLst/>
-            </a:prstGeom>
-            <a:ln>
-              <a:headEnd type="none" w="med" len="med"/>
-              <a:tailEnd type="triangle" w="med" len="med"/>
-            </a:ln>
-            <a:extLst/>
-          </p:spPr>
-          <p:style>
-            <a:lnRef idx="2">
-              <a:schemeClr val="dk1"/>
-            </a:lnRef>
-            <a:fillRef idx="1">
-              <a:schemeClr val="lt1"/>
-            </a:fillRef>
-            <a:effectRef idx="0">
-              <a:schemeClr val="dk1"/>
-            </a:effectRef>
-            <a:fontRef idx="minor">
-              <a:schemeClr val="dk1"/>
-            </a:fontRef>
-          </p:style>
-          <p:txBody>
-            <a:bodyPr vert="horz" wrap="square" lIns="90000" tIns="46800" rIns="90000" bIns="46800" numCol="1" rtlCol="0" anchor="ctr" anchorCtr="0" compatLnSpc="1">
-              <a:prstTxWarp prst="textNoShape">
-                <a:avLst/>
-              </a:prstTxWarp>
-              <a:noAutofit/>
-            </a:bodyPr>
-            <a:lstStyle/>
-            <a:p>
-              <a:pPr defTabSz="914342" fontAlgn="base">
-                <a:lnSpc>
-                  <a:spcPct val="90000"/>
-                </a:lnSpc>
-                <a:spcBef>
-                  <a:spcPct val="20000"/>
-                </a:spcBef>
-                <a:spcAft>
-                  <a:spcPct val="0"/>
-                </a:spcAft>
-              </a:pPr>
-              <a:r>
-                <a:rPr lang="en-US" altLang="ja-JP" sz="2800" dirty="0" smtClean="0">
-                  <a:solidFill>
-                    <a:schemeClr val="tx1"/>
-                  </a:solidFill>
-                  <a:latin typeface="メイリオ" panose="020B0604030504040204" pitchFamily="50" charset="-128"/>
-                  <a:ea typeface="メイリオ" panose="020B0604030504040204" pitchFamily="50" charset="-128"/>
-                  <a:cs typeface="メイリオ" pitchFamily="50" charset="-128"/>
-                </a:rPr>
-                <a:t>  1. </a:t>
-              </a:r>
-              <a:r>
-                <a:rPr lang="en-US" altLang="ja-JP" sz="2800" dirty="0" err="1" smtClean="0">
-                  <a:solidFill>
-                    <a:schemeClr val="tx1"/>
-                  </a:solidFill>
-                  <a:latin typeface="メイリオ" panose="020B0604030504040204" pitchFamily="50" charset="-128"/>
-                  <a:ea typeface="メイリオ" panose="020B0604030504040204" pitchFamily="50" charset="-128"/>
-                  <a:cs typeface="メイリオ" pitchFamily="50" charset="-128"/>
-                </a:rPr>
-                <a:t>alloc</a:t>
-              </a:r>
-              <a:r>
-                <a:rPr lang="en-US" altLang="ja-JP" sz="2800" dirty="0" smtClean="0">
-                  <a:solidFill>
-                    <a:schemeClr val="tx1"/>
-                  </a:solidFill>
-                  <a:latin typeface="メイリオ" panose="020B0604030504040204" pitchFamily="50" charset="-128"/>
-                  <a:ea typeface="メイリオ" panose="020B0604030504040204" pitchFamily="50" charset="-128"/>
-                  <a:cs typeface="メイリオ" pitchFamily="50" charset="-128"/>
-                </a:rPr>
-                <a:t>()</a:t>
-              </a:r>
-            </a:p>
-            <a:p>
-              <a:pPr defTabSz="914342" fontAlgn="base">
-                <a:lnSpc>
-                  <a:spcPct val="90000"/>
-                </a:lnSpc>
-                <a:spcBef>
-                  <a:spcPct val="20000"/>
-                </a:spcBef>
-                <a:spcAft>
-                  <a:spcPct val="0"/>
-                </a:spcAft>
-              </a:pPr>
-              <a:r>
-                <a:rPr lang="en-US" altLang="ja-JP" sz="2800" dirty="0" smtClean="0">
-                  <a:solidFill>
-                    <a:schemeClr val="tx1"/>
-                  </a:solidFill>
-                  <a:latin typeface="メイリオ" panose="020B0604030504040204" pitchFamily="50" charset="-128"/>
-                  <a:ea typeface="メイリオ" panose="020B0604030504040204" pitchFamily="50" charset="-128"/>
-                  <a:cs typeface="メイリオ" pitchFamily="50" charset="-128"/>
-                </a:rPr>
-                <a:t>  2. </a:t>
-              </a:r>
-              <a:r>
-                <a:rPr lang="en-US" altLang="ja-JP" sz="2800" dirty="0" err="1" smtClean="0">
-                  <a:solidFill>
-                    <a:schemeClr val="tx1"/>
-                  </a:solidFill>
-                  <a:latin typeface="メイリオ" panose="020B0604030504040204" pitchFamily="50" charset="-128"/>
-                  <a:ea typeface="メイリオ" panose="020B0604030504040204" pitchFamily="50" charset="-128"/>
-                  <a:cs typeface="メイリオ" pitchFamily="50" charset="-128"/>
-                </a:rPr>
-                <a:t>func</a:t>
-              </a:r>
-              <a:r>
-                <a:rPr lang="en-US" altLang="ja-JP" sz="2800" dirty="0" smtClean="0">
-                  <a:solidFill>
-                    <a:schemeClr val="tx1"/>
-                  </a:solidFill>
-                  <a:latin typeface="メイリオ" panose="020B0604030504040204" pitchFamily="50" charset="-128"/>
-                  <a:ea typeface="メイリオ" panose="020B0604030504040204" pitchFamily="50" charset="-128"/>
-                  <a:cs typeface="メイリオ" pitchFamily="50" charset="-128"/>
-                </a:rPr>
-                <a:t>()</a:t>
-              </a:r>
-              <a:endParaRPr lang="en-US" altLang="ja-JP" sz="2800" dirty="0">
-                <a:solidFill>
-                  <a:schemeClr val="tx1"/>
-                </a:solidFill>
-                <a:latin typeface="メイリオ" panose="020B0604030504040204" pitchFamily="50" charset="-128"/>
-                <a:ea typeface="メイリオ" panose="020B0604030504040204" pitchFamily="50" charset="-128"/>
-                <a:cs typeface="メイリオ" pitchFamily="50" charset="-128"/>
-              </a:endParaRPr>
-            </a:p>
-            <a:p>
-              <a:pPr defTabSz="914342" fontAlgn="base">
-                <a:lnSpc>
-                  <a:spcPct val="90000"/>
-                </a:lnSpc>
-                <a:spcBef>
-                  <a:spcPct val="20000"/>
-                </a:spcBef>
-                <a:spcAft>
-                  <a:spcPct val="0"/>
-                </a:spcAft>
-              </a:pPr>
-              <a:r>
-                <a:rPr lang="en-US" altLang="ja-JP" sz="2800" dirty="0" smtClean="0">
-                  <a:solidFill>
-                    <a:schemeClr val="tx1"/>
-                  </a:solidFill>
-                  <a:latin typeface="メイリオ" panose="020B0604030504040204" pitchFamily="50" charset="-128"/>
-                  <a:ea typeface="メイリオ" panose="020B0604030504040204" pitchFamily="50" charset="-128"/>
-                  <a:cs typeface="メイリオ" pitchFamily="50" charset="-128"/>
-                </a:rPr>
-                <a:t>  4. </a:t>
-              </a:r>
-              <a:r>
-                <a:rPr lang="en-US" altLang="ja-JP" sz="2800" dirty="0" err="1" smtClean="0">
-                  <a:solidFill>
-                    <a:schemeClr val="tx1"/>
-                  </a:solidFill>
-                  <a:latin typeface="メイリオ" panose="020B0604030504040204" pitchFamily="50" charset="-128"/>
-                  <a:ea typeface="メイリオ" panose="020B0604030504040204" pitchFamily="50" charset="-128"/>
-                  <a:cs typeface="メイリオ" pitchFamily="50" charset="-128"/>
-                </a:rPr>
-                <a:t>dealloc</a:t>
-              </a:r>
-              <a:r>
-                <a:rPr lang="en-US" altLang="ja-JP" sz="2800" dirty="0" smtClean="0">
-                  <a:solidFill>
-                    <a:schemeClr val="tx1"/>
-                  </a:solidFill>
-                  <a:latin typeface="メイリオ" panose="020B0604030504040204" pitchFamily="50" charset="-128"/>
-                  <a:ea typeface="メイリオ" panose="020B0604030504040204" pitchFamily="50" charset="-128"/>
-                  <a:cs typeface="メイリオ" pitchFamily="50" charset="-128"/>
-                </a:rPr>
-                <a:t>()</a:t>
-              </a:r>
-            </a:p>
-          </p:txBody>
-        </p:sp>
-        <p:sp>
-          <p:nvSpPr>
-            <p:cNvPr id="59" name="正方形/長方形 58"/>
-            <p:cNvSpPr/>
-            <p:nvPr/>
-          </p:nvSpPr>
-          <p:spPr bwMode="auto">
-            <a:xfrm>
-              <a:off x="2900136" y="1873529"/>
-              <a:ext cx="1887764" cy="1120630"/>
-            </a:xfrm>
-            <a:prstGeom prst="rect">
-              <a:avLst/>
-            </a:prstGeom>
-            <a:ln>
+              <a:noFill/>
               <a:headEnd type="none" w="med" len="med"/>
               <a:tailEnd type="triangle" w="med" len="med"/>
             </a:ln>
@@ -5136,7 +4918,7 @@
                 </a:spcAft>
               </a:pPr>
               <a:r>
-                <a:rPr lang="en-US" altLang="ja-JP" sz="2800" dirty="0" smtClean="0">
+                <a:rPr lang="en-US" altLang="ja-JP" sz="2000" dirty="0">
                   <a:solidFill>
                     <a:schemeClr val="tx1"/>
                   </a:solidFill>
@@ -5144,9 +4926,9 @@
                   <a:ea typeface="メイリオ" panose="020B0604030504040204" pitchFamily="50" charset="-128"/>
                   <a:cs typeface="メイリオ" pitchFamily="50" charset="-128"/>
                 </a:rPr>
-                <a:t>3. exec()</a:t>
+                <a:t>Data Flow</a:t>
               </a:r>
-              <a:endParaRPr lang="ja-JP" altLang="en-US" sz="2800" dirty="0">
+              <a:endParaRPr lang="ja-JP" altLang="en-US" sz="2000" dirty="0">
                 <a:solidFill>
                   <a:schemeClr val="tx1"/>
                 </a:solidFill>
@@ -5157,292 +4939,404 @@
             </a:p>
           </p:txBody>
         </p:sp>
-        <p:sp>
-          <p:nvSpPr>
-            <p:cNvPr id="60" name="二等辺三角形 59"/>
-            <p:cNvSpPr/>
+        <p:grpSp>
+          <p:nvGrpSpPr>
+            <p:cNvPr id="57" name="グループ化 56"/>
+            <p:cNvGrpSpPr/>
             <p:nvPr/>
-          </p:nvSpPr>
-          <p:spPr bwMode="auto">
-            <a:xfrm rot="5400000" flipH="1">
-              <a:off x="2768682" y="2297386"/>
-              <a:ext cx="518645" cy="255740"/>
+          </p:nvGrpSpPr>
+          <p:grpSpPr>
+            <a:xfrm>
+              <a:off x="177800" y="3341730"/>
+              <a:ext cx="5702300" cy="1534875"/>
+              <a:chOff x="348342" y="1873529"/>
+              <a:chExt cx="4439558" cy="1120630"/>
             </a:xfrm>
-            <a:prstGeom prst="triangle">
-              <a:avLst/>
-            </a:prstGeom>
-            <a:solidFill>
-              <a:schemeClr val="tx1"/>
-            </a:solidFill>
-            <a:ln w="9525" cap="flat" cmpd="sng" algn="ctr">
+          </p:grpSpPr>
+          <p:sp>
+            <p:nvSpPr>
+              <p:cNvPr id="58" name="正方形/長方形 57"/>
+              <p:cNvSpPr/>
+              <p:nvPr/>
+            </p:nvSpPr>
+            <p:spPr bwMode="auto">
+              <a:xfrm>
+                <a:off x="348342" y="1873529"/>
+                <a:ext cx="1884137" cy="1120629"/>
+              </a:xfrm>
+              <a:prstGeom prst="rect">
+                <a:avLst/>
+              </a:prstGeom>
+              <a:ln>
+                <a:headEnd type="none" w="med" len="med"/>
+                <a:tailEnd type="triangle" w="med" len="med"/>
+              </a:ln>
+              <a:extLst/>
+            </p:spPr>
+            <p:style>
+              <a:lnRef idx="2">
+                <a:schemeClr val="dk1"/>
+              </a:lnRef>
+              <a:fillRef idx="1">
+                <a:schemeClr val="lt1"/>
+              </a:fillRef>
+              <a:effectRef idx="0">
+                <a:schemeClr val="dk1"/>
+              </a:effectRef>
+              <a:fontRef idx="minor">
+                <a:schemeClr val="dk1"/>
+              </a:fontRef>
+            </p:style>
+            <p:txBody>
+              <a:bodyPr vert="horz" wrap="square" lIns="90000" tIns="46800" rIns="90000" bIns="46800" numCol="1" rtlCol="0" anchor="ctr" anchorCtr="0" compatLnSpc="1">
+                <a:prstTxWarp prst="textNoShape">
+                  <a:avLst/>
+                </a:prstTxWarp>
+                <a:noAutofit/>
+              </a:bodyPr>
+              <a:lstStyle/>
+              <a:p>
+                <a:pPr defTabSz="914342" fontAlgn="base">
+                  <a:lnSpc>
+                    <a:spcPct val="90000"/>
+                  </a:lnSpc>
+                  <a:spcBef>
+                    <a:spcPct val="20000"/>
+                  </a:spcBef>
+                  <a:spcAft>
+                    <a:spcPct val="0"/>
+                  </a:spcAft>
+                </a:pPr>
+                <a:r>
+                  <a:rPr lang="en-US" altLang="ja-JP" sz="2400" dirty="0">
+                    <a:solidFill>
+                      <a:schemeClr val="tx1"/>
+                    </a:solidFill>
+                    <a:latin typeface="メイリオ" panose="020B0604030504040204" pitchFamily="50" charset="-128"/>
+                    <a:ea typeface="メイリオ" panose="020B0604030504040204" pitchFamily="50" charset="-128"/>
+                    <a:cs typeface="メイリオ" pitchFamily="50" charset="-128"/>
+                  </a:rPr>
+                  <a:t>  1. </a:t>
+                </a:r>
+                <a:r>
+                  <a:rPr lang="en-US" altLang="ja-JP" sz="2400" dirty="0" err="1">
+                    <a:solidFill>
+                      <a:schemeClr val="tx1"/>
+                    </a:solidFill>
+                    <a:latin typeface="メイリオ" panose="020B0604030504040204" pitchFamily="50" charset="-128"/>
+                    <a:ea typeface="メイリオ" panose="020B0604030504040204" pitchFamily="50" charset="-128"/>
+                    <a:cs typeface="メイリオ" pitchFamily="50" charset="-128"/>
+                  </a:rPr>
+                  <a:t>alloc</a:t>
+                </a:r>
+                <a:r>
+                  <a:rPr lang="en-US" altLang="ja-JP" sz="2400" dirty="0">
+                    <a:solidFill>
+                      <a:schemeClr val="tx1"/>
+                    </a:solidFill>
+                    <a:latin typeface="メイリオ" panose="020B0604030504040204" pitchFamily="50" charset="-128"/>
+                    <a:ea typeface="メイリオ" panose="020B0604030504040204" pitchFamily="50" charset="-128"/>
+                    <a:cs typeface="メイリオ" pitchFamily="50" charset="-128"/>
+                  </a:rPr>
+                  <a:t>()</a:t>
+                </a:r>
+              </a:p>
+              <a:p>
+                <a:pPr defTabSz="914342" fontAlgn="base">
+                  <a:lnSpc>
+                    <a:spcPct val="90000"/>
+                  </a:lnSpc>
+                  <a:spcBef>
+                    <a:spcPct val="20000"/>
+                  </a:spcBef>
+                  <a:spcAft>
+                    <a:spcPct val="0"/>
+                  </a:spcAft>
+                </a:pPr>
+                <a:r>
+                  <a:rPr lang="en-US" altLang="ja-JP" sz="2400" dirty="0">
+                    <a:solidFill>
+                      <a:schemeClr val="tx1"/>
+                    </a:solidFill>
+                    <a:latin typeface="メイリオ" panose="020B0604030504040204" pitchFamily="50" charset="-128"/>
+                    <a:ea typeface="メイリオ" panose="020B0604030504040204" pitchFamily="50" charset="-128"/>
+                    <a:cs typeface="メイリオ" pitchFamily="50" charset="-128"/>
+                  </a:rPr>
+                  <a:t>  2. </a:t>
+                </a:r>
+                <a:r>
+                  <a:rPr lang="en-US" altLang="ja-JP" sz="2400" dirty="0" err="1">
+                    <a:solidFill>
+                      <a:schemeClr val="tx1"/>
+                    </a:solidFill>
+                    <a:latin typeface="メイリオ" panose="020B0604030504040204" pitchFamily="50" charset="-128"/>
+                    <a:ea typeface="メイリオ" panose="020B0604030504040204" pitchFamily="50" charset="-128"/>
+                    <a:cs typeface="メイリオ" pitchFamily="50" charset="-128"/>
+                  </a:rPr>
+                  <a:t>func</a:t>
+                </a:r>
+                <a:r>
+                  <a:rPr lang="en-US" altLang="ja-JP" sz="2400" dirty="0">
+                    <a:solidFill>
+                      <a:schemeClr val="tx1"/>
+                    </a:solidFill>
+                    <a:latin typeface="メイリオ" panose="020B0604030504040204" pitchFamily="50" charset="-128"/>
+                    <a:ea typeface="メイリオ" panose="020B0604030504040204" pitchFamily="50" charset="-128"/>
+                    <a:cs typeface="メイリオ" pitchFamily="50" charset="-128"/>
+                  </a:rPr>
+                  <a:t>()</a:t>
+                </a:r>
+                <a:endParaRPr lang="en-US" altLang="ja-JP" sz="2400" dirty="0">
+                  <a:solidFill>
+                    <a:schemeClr val="tx1"/>
+                  </a:solidFill>
+                  <a:latin typeface="メイリオ" panose="020B0604030504040204" pitchFamily="50" charset="-128"/>
+                  <a:ea typeface="メイリオ" panose="020B0604030504040204" pitchFamily="50" charset="-128"/>
+                  <a:cs typeface="メイリオ" pitchFamily="50" charset="-128"/>
+                </a:endParaRPr>
+              </a:p>
+              <a:p>
+                <a:pPr defTabSz="914342" fontAlgn="base">
+                  <a:lnSpc>
+                    <a:spcPct val="90000"/>
+                  </a:lnSpc>
+                  <a:spcBef>
+                    <a:spcPct val="20000"/>
+                  </a:spcBef>
+                  <a:spcAft>
+                    <a:spcPct val="0"/>
+                  </a:spcAft>
+                </a:pPr>
+                <a:r>
+                  <a:rPr lang="en-US" altLang="ja-JP" sz="2400" dirty="0">
+                    <a:solidFill>
+                      <a:schemeClr val="tx1"/>
+                    </a:solidFill>
+                    <a:latin typeface="メイリオ" panose="020B0604030504040204" pitchFamily="50" charset="-128"/>
+                    <a:ea typeface="メイリオ" panose="020B0604030504040204" pitchFamily="50" charset="-128"/>
+                    <a:cs typeface="メイリオ" pitchFamily="50" charset="-128"/>
+                  </a:rPr>
+                  <a:t>  4. </a:t>
+                </a:r>
+                <a:r>
+                  <a:rPr lang="en-US" altLang="ja-JP" sz="2400" dirty="0" err="1">
+                    <a:solidFill>
+                      <a:schemeClr val="tx1"/>
+                    </a:solidFill>
+                    <a:latin typeface="メイリオ" panose="020B0604030504040204" pitchFamily="50" charset="-128"/>
+                    <a:ea typeface="メイリオ" panose="020B0604030504040204" pitchFamily="50" charset="-128"/>
+                    <a:cs typeface="メイリオ" pitchFamily="50" charset="-128"/>
+                  </a:rPr>
+                  <a:t>dealloc</a:t>
+                </a:r>
+                <a:r>
+                  <a:rPr lang="en-US" altLang="ja-JP" sz="2400" dirty="0">
+                    <a:solidFill>
+                      <a:schemeClr val="tx1"/>
+                    </a:solidFill>
+                    <a:latin typeface="メイリオ" panose="020B0604030504040204" pitchFamily="50" charset="-128"/>
+                    <a:ea typeface="メイリオ" panose="020B0604030504040204" pitchFamily="50" charset="-128"/>
+                    <a:cs typeface="メイリオ" pitchFamily="50" charset="-128"/>
+                  </a:rPr>
+                  <a:t>()</a:t>
+                </a:r>
+              </a:p>
+            </p:txBody>
+          </p:sp>
+          <p:sp>
+            <p:nvSpPr>
+              <p:cNvPr id="59" name="正方形/長方形 58"/>
+              <p:cNvSpPr/>
+              <p:nvPr/>
+            </p:nvSpPr>
+            <p:spPr bwMode="auto">
+              <a:xfrm>
+                <a:off x="2900136" y="1873529"/>
+                <a:ext cx="1887764" cy="1120630"/>
+              </a:xfrm>
+              <a:prstGeom prst="rect">
+                <a:avLst/>
+              </a:prstGeom>
+              <a:ln>
+                <a:headEnd type="none" w="med" len="med"/>
+                <a:tailEnd type="triangle" w="med" len="med"/>
+              </a:ln>
+              <a:extLst/>
+            </p:spPr>
+            <p:style>
+              <a:lnRef idx="2">
+                <a:schemeClr val="dk1"/>
+              </a:lnRef>
+              <a:fillRef idx="1">
+                <a:schemeClr val="lt1"/>
+              </a:fillRef>
+              <a:effectRef idx="0">
+                <a:schemeClr val="dk1"/>
+              </a:effectRef>
+              <a:fontRef idx="minor">
+                <a:schemeClr val="dk1"/>
+              </a:fontRef>
+            </p:style>
+            <p:txBody>
+              <a:bodyPr vert="horz" wrap="square" lIns="90000" tIns="46800" rIns="90000" bIns="46800" numCol="1" rtlCol="0" anchor="ctr" anchorCtr="0" compatLnSpc="1">
+                <a:prstTxWarp prst="textNoShape">
+                  <a:avLst/>
+                </a:prstTxWarp>
+                <a:noAutofit/>
+              </a:bodyPr>
+              <a:lstStyle/>
+              <a:p>
+                <a:pPr algn="ctr" defTabSz="914342" fontAlgn="base">
+                  <a:lnSpc>
+                    <a:spcPct val="90000"/>
+                  </a:lnSpc>
+                  <a:spcBef>
+                    <a:spcPct val="20000"/>
+                  </a:spcBef>
+                  <a:spcAft>
+                    <a:spcPct val="0"/>
+                  </a:spcAft>
+                </a:pPr>
+                <a:r>
+                  <a:rPr lang="en-US" altLang="ja-JP" sz="2400" dirty="0">
+                    <a:solidFill>
+                      <a:schemeClr val="tx1"/>
+                    </a:solidFill>
+                    <a:latin typeface="メイリオ" panose="020B0604030504040204" pitchFamily="50" charset="-128"/>
+                    <a:ea typeface="メイリオ" panose="020B0604030504040204" pitchFamily="50" charset="-128"/>
+                    <a:cs typeface="メイリオ" pitchFamily="50" charset="-128"/>
+                  </a:rPr>
+                  <a:t>3. exec()</a:t>
+                </a:r>
+                <a:endParaRPr lang="ja-JP" altLang="en-US" sz="2400" dirty="0">
+                  <a:solidFill>
+                    <a:schemeClr val="tx1"/>
+                  </a:solidFill>
+                  <a:latin typeface="メイリオ" panose="020B0604030504040204" pitchFamily="50" charset="-128"/>
+                  <a:ea typeface="メイリオ" panose="020B0604030504040204" pitchFamily="50" charset="-128"/>
+                  <a:cs typeface="メイリオ" pitchFamily="50" charset="-128"/>
+                </a:endParaRPr>
+              </a:p>
+            </p:txBody>
+          </p:sp>
+          <p:sp>
+            <p:nvSpPr>
+              <p:cNvPr id="60" name="二等辺三角形 59"/>
+              <p:cNvSpPr/>
+              <p:nvPr/>
+            </p:nvSpPr>
+            <p:spPr bwMode="auto">
+              <a:xfrm rot="5400000" flipH="1">
+                <a:off x="2781853" y="2284218"/>
+                <a:ext cx="518645" cy="282079"/>
+              </a:xfrm>
+              <a:prstGeom prst="triangle">
+                <a:avLst/>
+              </a:prstGeom>
               <a:solidFill>
                 <a:schemeClr val="tx1"/>
               </a:solidFill>
-              <a:prstDash val="solid"/>
-              <a:round/>
-              <a:headEnd type="none" w="med" len="med"/>
-              <a:tailEnd type="triangle" w="med" len="med"/>
-            </a:ln>
-            <a:effectLst/>
-            <a:extLst/>
-          </p:spPr>
-          <p:txBody>
-            <a:bodyPr vert="horz" wrap="square" lIns="90000" tIns="46800" rIns="90000" bIns="46800" numCol="1" rtlCol="0" anchor="t" anchorCtr="0" compatLnSpc="1">
-              <a:prstTxWarp prst="textNoShape">
-                <a:avLst/>
-              </a:prstTxWarp>
-              <a:spAutoFit/>
-            </a:bodyPr>
-            <a:lstStyle/>
-            <a:p>
-              <a:pPr defTabSz="914342" fontAlgn="base">
-                <a:lnSpc>
-                  <a:spcPct val="90000"/>
-                </a:lnSpc>
-                <a:spcBef>
-                  <a:spcPct val="20000"/>
-                </a:spcBef>
-                <a:spcAft>
-                  <a:spcPct val="0"/>
-                </a:spcAft>
-              </a:pPr>
-              <a:endParaRPr lang="ja-JP" altLang="en-US">
-                <a:latin typeface="Times New Roman" pitchFamily="18" charset="0"/>
-                <a:ea typeface="メイリオ" pitchFamily="50" charset="-128"/>
-                <a:cs typeface="メイリオ" pitchFamily="50" charset="-128"/>
-              </a:endParaRPr>
-            </a:p>
-          </p:txBody>
-        </p:sp>
-        <p:cxnSp>
-          <p:nvCxnSpPr>
-            <p:cNvPr id="61" name="直線コネクタ 60"/>
-            <p:cNvCxnSpPr>
-              <a:stCxn id="58" idx="3"/>
-              <a:endCxn id="59" idx="1"/>
-            </p:cNvCxnSpPr>
-            <p:nvPr/>
-          </p:nvCxnSpPr>
-          <p:spPr bwMode="auto">
-            <a:xfrm>
-              <a:off x="2232479" y="2433844"/>
-              <a:ext cx="667657" cy="1"/>
-            </a:xfrm>
-            <a:prstGeom prst="line">
-              <a:avLst/>
-            </a:prstGeom>
-            <a:solidFill>
-              <a:schemeClr val="accent1"/>
-            </a:solidFill>
-            <a:ln w="9525" cap="flat" cmpd="sng" algn="ctr">
-              <a:solidFill>
-                <a:schemeClr val="tx1"/>
-              </a:solidFill>
-              <a:prstDash val="solid"/>
-              <a:round/>
-              <a:headEnd type="none" w="med" len="med"/>
-              <a:tailEnd type="none" w="med" len="med"/>
-            </a:ln>
-            <a:effectLst/>
-            <a:extLst>
-              <a:ext uri="{AF507438-7753-43E0-B8FC-AC1667EBCBE1}">
-                <a14:hiddenEffects xmlns:a14="http://schemas.microsoft.com/office/drawing/2010/main">
-                  <a:effectLst>
-                    <a:outerShdw dist="35921" dir="2700000" algn="ctr" rotWithShape="0">
-                      <a:schemeClr val="bg2"/>
-                    </a:outerShdw>
-                  </a:effectLst>
-                </a14:hiddenEffects>
-              </a:ext>
-            </a:extLst>
-          </p:spPr>
-        </p:cxnSp>
-      </p:grpSp>
-      <p:sp>
-        <p:nvSpPr>
-          <p:cNvPr id="62" name="正方形/長方形 61"/>
-          <p:cNvSpPr/>
-          <p:nvPr/>
-        </p:nvSpPr>
-        <p:spPr bwMode="auto">
-          <a:xfrm>
-            <a:off x="963385" y="3643611"/>
-            <a:ext cx="3824515" cy="606962"/>
-          </a:xfrm>
-          <a:prstGeom prst="rect">
-            <a:avLst/>
-          </a:prstGeom>
-          <a:noFill/>
-          <a:ln>
-            <a:noFill/>
-            <a:headEnd type="none" w="med" len="med"/>
-            <a:tailEnd type="triangle" w="med" len="med"/>
-          </a:ln>
-          <a:extLst/>
-        </p:spPr>
-        <p:style>
-          <a:lnRef idx="2">
-            <a:schemeClr val="dk1"/>
-          </a:lnRef>
-          <a:fillRef idx="1">
-            <a:schemeClr val="lt1"/>
-          </a:fillRef>
-          <a:effectRef idx="0">
-            <a:schemeClr val="dk1"/>
-          </a:effectRef>
-          <a:fontRef idx="minor">
-            <a:schemeClr val="dk1"/>
-          </a:fontRef>
-        </p:style>
-        <p:txBody>
-          <a:bodyPr vert="horz" wrap="square" lIns="90000" tIns="46800" rIns="90000" bIns="46800" numCol="1" rtlCol="0" anchor="t" anchorCtr="0" compatLnSpc="1">
-            <a:prstTxWarp prst="textNoShape">
-              <a:avLst/>
-            </a:prstTxWarp>
-            <a:spAutoFit/>
-          </a:bodyPr>
-          <a:lstStyle/>
-          <a:p>
-            <a:pPr algn="ctr" defTabSz="914342" fontAlgn="base">
-              <a:lnSpc>
-                <a:spcPct val="90000"/>
-              </a:lnSpc>
-              <a:spcBef>
-                <a:spcPct val="20000"/>
-              </a:spcBef>
-              <a:spcAft>
-                <a:spcPct val="0"/>
-              </a:spcAft>
-            </a:pPr>
-            <a:r>
-              <a:rPr lang="en-US" altLang="ja-JP" sz="3600" dirty="0" smtClean="0">
+              <a:ln w="9525" cap="flat" cmpd="sng" algn="ctr">
                 <a:solidFill>
                   <a:schemeClr val="tx1"/>
                 </a:solidFill>
-                <a:latin typeface="メイリオ" panose="020B0604030504040204" pitchFamily="50" charset="-128"/>
-                <a:ea typeface="メイリオ" panose="020B0604030504040204" pitchFamily="50" charset="-128"/>
-                <a:cs typeface="メイリオ" pitchFamily="50" charset="-128"/>
-              </a:rPr>
-              <a:t>out</a:t>
-            </a:r>
-            <a:endParaRPr lang="ja-JP" altLang="en-US" sz="3600" dirty="0">
+                <a:prstDash val="solid"/>
+                <a:round/>
+                <a:headEnd type="none" w="med" len="med"/>
+                <a:tailEnd type="triangle" w="med" len="med"/>
+              </a:ln>
+              <a:effectLst/>
+              <a:extLst/>
+            </p:spPr>
+            <p:txBody>
+              <a:bodyPr vert="horz" wrap="square" lIns="90000" tIns="46800" rIns="90000" bIns="46800" numCol="1" rtlCol="0" anchor="t" anchorCtr="0" compatLnSpc="1">
+                <a:prstTxWarp prst="textNoShape">
+                  <a:avLst/>
+                </a:prstTxWarp>
+                <a:spAutoFit/>
+              </a:bodyPr>
+              <a:lstStyle/>
+              <a:p>
+                <a:pPr defTabSz="914342" fontAlgn="base">
+                  <a:lnSpc>
+                    <a:spcPct val="90000"/>
+                  </a:lnSpc>
+                  <a:spcBef>
+                    <a:spcPct val="20000"/>
+                  </a:spcBef>
+                  <a:spcAft>
+                    <a:spcPct val="0"/>
+                  </a:spcAft>
+                </a:pPr>
+                <a:endParaRPr lang="ja-JP" altLang="en-US">
+                  <a:latin typeface="Times New Roman" pitchFamily="18" charset="0"/>
+                  <a:ea typeface="メイリオ" pitchFamily="50" charset="-128"/>
+                  <a:cs typeface="メイリオ" pitchFamily="50" charset="-128"/>
+                </a:endParaRPr>
+              </a:p>
+            </p:txBody>
+          </p:sp>
+          <p:cxnSp>
+            <p:nvCxnSpPr>
+              <p:cNvPr id="61" name="直線コネクタ 60"/>
+              <p:cNvCxnSpPr>
+                <a:stCxn id="58" idx="3"/>
+                <a:endCxn id="59" idx="1"/>
+              </p:cNvCxnSpPr>
+              <p:nvPr/>
+            </p:nvCxnSpPr>
+            <p:spPr bwMode="auto">
+              <a:xfrm>
+                <a:off x="2232479" y="2433844"/>
+                <a:ext cx="667657" cy="1"/>
+              </a:xfrm>
+              <a:prstGeom prst="line">
+                <a:avLst/>
+              </a:prstGeom>
               <a:solidFill>
-                <a:schemeClr val="tx1"/>
+                <a:schemeClr val="accent1"/>
               </a:solidFill>
-              <a:latin typeface="メイリオ" panose="020B0604030504040204" pitchFamily="50" charset="-128"/>
-              <a:ea typeface="メイリオ" panose="020B0604030504040204" pitchFamily="50" charset="-128"/>
-              <a:cs typeface="メイリオ" pitchFamily="50" charset="-128"/>
-            </a:endParaRPr>
-          </a:p>
-        </p:txBody>
-      </p:sp>
-      <p:sp>
-        <p:nvSpPr>
-          <p:cNvPr id="63" name="正方形/長方形 62"/>
-          <p:cNvSpPr/>
-          <p:nvPr/>
-        </p:nvSpPr>
-        <p:spPr bwMode="auto">
-          <a:xfrm>
-            <a:off x="7404101" y="3643611"/>
-            <a:ext cx="3824515" cy="606962"/>
-          </a:xfrm>
-          <a:prstGeom prst="rect">
-            <a:avLst/>
-          </a:prstGeom>
-          <a:noFill/>
-          <a:ln>
-            <a:noFill/>
-            <a:headEnd type="none" w="med" len="med"/>
-            <a:tailEnd type="triangle" w="med" len="med"/>
-          </a:ln>
-          <a:extLst/>
-        </p:spPr>
-        <p:style>
-          <a:lnRef idx="2">
-            <a:schemeClr val="dk1"/>
-          </a:lnRef>
-          <a:fillRef idx="1">
-            <a:schemeClr val="lt1"/>
-          </a:fillRef>
-          <a:effectRef idx="0">
-            <a:schemeClr val="dk1"/>
-          </a:effectRef>
-          <a:fontRef idx="minor">
-            <a:schemeClr val="dk1"/>
-          </a:fontRef>
-        </p:style>
-        <p:txBody>
-          <a:bodyPr vert="horz" wrap="square" lIns="90000" tIns="46800" rIns="90000" bIns="46800" numCol="1" rtlCol="0" anchor="t" anchorCtr="0" compatLnSpc="1">
-            <a:prstTxWarp prst="textNoShape">
-              <a:avLst/>
-            </a:prstTxWarp>
-            <a:spAutoFit/>
-          </a:bodyPr>
-          <a:lstStyle/>
-          <a:p>
-            <a:pPr algn="ctr" defTabSz="914342" fontAlgn="base">
-              <a:lnSpc>
-                <a:spcPct val="90000"/>
-              </a:lnSpc>
-              <a:spcBef>
-                <a:spcPct val="20000"/>
-              </a:spcBef>
-              <a:spcAft>
-                <a:spcPct val="0"/>
-              </a:spcAft>
-            </a:pPr>
-            <a:r>
-              <a:rPr lang="en-US" altLang="ja-JP" sz="3600" dirty="0" smtClean="0">
+              <a:ln w="9525" cap="flat" cmpd="sng" algn="ctr">
                 <a:solidFill>
                   <a:schemeClr val="tx1"/>
                 </a:solidFill>
-                <a:latin typeface="メイリオ" panose="020B0604030504040204" pitchFamily="50" charset="-128"/>
-                <a:ea typeface="メイリオ" panose="020B0604030504040204" pitchFamily="50" charset="-128"/>
-                <a:cs typeface="メイリオ" pitchFamily="50" charset="-128"/>
-              </a:rPr>
-              <a:t>receive</a:t>
-            </a:r>
-            <a:endParaRPr lang="ja-JP" altLang="en-US" sz="3600" dirty="0">
-              <a:solidFill>
-                <a:schemeClr val="tx1"/>
-              </a:solidFill>
-              <a:latin typeface="メイリオ" panose="020B0604030504040204" pitchFamily="50" charset="-128"/>
-              <a:ea typeface="メイリオ" panose="020B0604030504040204" pitchFamily="50" charset="-128"/>
-              <a:cs typeface="メイリオ" pitchFamily="50" charset="-128"/>
-            </a:endParaRPr>
-          </a:p>
-        </p:txBody>
-      </p:sp>
-      <p:grpSp>
-        <p:nvGrpSpPr>
-          <p:cNvPr id="64" name="グループ化 63"/>
-          <p:cNvGrpSpPr/>
-          <p:nvPr/>
-        </p:nvGrpSpPr>
-        <p:grpSpPr>
-          <a:xfrm>
-            <a:off x="6313717" y="4250570"/>
-            <a:ext cx="5702300" cy="1534875"/>
-            <a:chOff x="348342" y="1873529"/>
-            <a:chExt cx="4439558" cy="1120630"/>
-          </a:xfrm>
-        </p:grpSpPr>
+                <a:prstDash val="solid"/>
+                <a:round/>
+                <a:headEnd type="none" w="med" len="med"/>
+                <a:tailEnd type="none" w="med" len="med"/>
+              </a:ln>
+              <a:effectLst/>
+              <a:extLst>
+                <a:ext uri="{AF507438-7753-43E0-B8FC-AC1667EBCBE1}">
+                  <a14:hiddenEffects xmlns:a14="http://schemas.microsoft.com/office/drawing/2010/main">
+                    <a:effectLst>
+                      <a:outerShdw dist="35921" dir="2700000" algn="ctr" rotWithShape="0">
+                        <a:schemeClr val="bg2"/>
+                      </a:outerShdw>
+                    </a:effectLst>
+                  </a14:hiddenEffects>
+                </a:ext>
+              </a:extLst>
+            </p:spPr>
+          </p:cxnSp>
+        </p:grpSp>
         <p:sp>
           <p:nvSpPr>
-            <p:cNvPr id="65" name="正方形/長方形 64"/>
+            <p:cNvPr id="62" name="正方形/長方形 61"/>
             <p:cNvSpPr/>
             <p:nvPr/>
           </p:nvSpPr>
           <p:spPr bwMode="auto">
             <a:xfrm>
-              <a:off x="348342" y="1873529"/>
-              <a:ext cx="1887763" cy="1120629"/>
+              <a:off x="963386" y="2734767"/>
+              <a:ext cx="3824515" cy="606962"/>
             </a:xfrm>
             <a:prstGeom prst="rect">
               <a:avLst/>
             </a:prstGeom>
+            <a:noFill/>
             <a:ln>
+              <a:noFill/>
               <a:headEnd type="none" w="med" len="med"/>
               <a:tailEnd type="triangle" w="med" len="med"/>
             </a:ln>
@@ -5463,15 +5357,15 @@
             </a:fontRef>
           </p:style>
           <p:txBody>
-            <a:bodyPr vert="horz" wrap="square" lIns="90000" tIns="46800" rIns="90000" bIns="46800" numCol="1" rtlCol="0" anchor="ctr" anchorCtr="0" compatLnSpc="1">
+            <a:bodyPr vert="horz" wrap="square" lIns="90000" tIns="46800" rIns="90000" bIns="46800" numCol="1" rtlCol="0" anchor="t" anchorCtr="0" compatLnSpc="1">
               <a:prstTxWarp prst="textNoShape">
                 <a:avLst/>
               </a:prstTxWarp>
-              <a:noAutofit/>
+              <a:spAutoFit/>
             </a:bodyPr>
             <a:lstStyle/>
             <a:p>
-              <a:pPr defTabSz="914342" fontAlgn="base">
+              <a:pPr algn="ctr" defTabSz="914342" fontAlgn="base">
                 <a:lnSpc>
                   <a:spcPct val="90000"/>
                 </a:lnSpc>
@@ -5483,7 +5377,7 @@
                 </a:spcAft>
               </a:pPr>
               <a:r>
-                <a:rPr lang="en-US" altLang="ja-JP" sz="2800" dirty="0" smtClean="0">
+                <a:rPr lang="en-US" altLang="ja-JP" sz="3600" dirty="0">
                   <a:solidFill>
                     <a:schemeClr val="tx1"/>
                   </a:solidFill>
@@ -5491,66 +5385,9 @@
                   <a:ea typeface="メイリオ" panose="020B0604030504040204" pitchFamily="50" charset="-128"/>
                   <a:cs typeface="メイリオ" pitchFamily="50" charset="-128"/>
                 </a:rPr>
-                <a:t>  1. </a:t>
+                <a:t>out</a:t>
               </a:r>
-              <a:r>
-                <a:rPr lang="en-US" altLang="ja-JP" sz="2800" dirty="0" err="1" smtClean="0">
-                  <a:solidFill>
-                    <a:schemeClr val="tx1"/>
-                  </a:solidFill>
-                  <a:latin typeface="メイリオ" panose="020B0604030504040204" pitchFamily="50" charset="-128"/>
-                  <a:ea typeface="メイリオ" panose="020B0604030504040204" pitchFamily="50" charset="-128"/>
-                  <a:cs typeface="メイリオ" pitchFamily="50" charset="-128"/>
-                </a:rPr>
-                <a:t>func</a:t>
-              </a:r>
-              <a:r>
-                <a:rPr lang="en-US" altLang="ja-JP" sz="2800" dirty="0" smtClean="0">
-                  <a:solidFill>
-                    <a:schemeClr val="tx1"/>
-                  </a:solidFill>
-                  <a:latin typeface="メイリオ" panose="020B0604030504040204" pitchFamily="50" charset="-128"/>
-                  <a:ea typeface="メイリオ" panose="020B0604030504040204" pitchFamily="50" charset="-128"/>
-                  <a:cs typeface="メイリオ" pitchFamily="50" charset="-128"/>
-                </a:rPr>
-                <a:t>()</a:t>
-              </a:r>
-            </a:p>
-            <a:p>
-              <a:pPr defTabSz="914342" fontAlgn="base">
-                <a:lnSpc>
-                  <a:spcPct val="90000"/>
-                </a:lnSpc>
-                <a:spcBef>
-                  <a:spcPct val="20000"/>
-                </a:spcBef>
-                <a:spcAft>
-                  <a:spcPct val="0"/>
-                </a:spcAft>
-              </a:pPr>
-              <a:r>
-                <a:rPr lang="en-US" altLang="ja-JP" sz="2800" dirty="0" smtClean="0">
-                  <a:solidFill>
-                    <a:schemeClr val="tx1"/>
-                  </a:solidFill>
-                  <a:latin typeface="メイリオ" panose="020B0604030504040204" pitchFamily="50" charset="-128"/>
-                  <a:ea typeface="メイリオ" panose="020B0604030504040204" pitchFamily="50" charset="-128"/>
-                  <a:cs typeface="メイリオ" pitchFamily="50" charset="-128"/>
-                </a:rPr>
-                <a:t>  4. </a:t>
-              </a:r>
-              <a:r>
-                <a:rPr lang="en-US" altLang="ja-JP" sz="2800" dirty="0" err="1" smtClean="0">
-                  <a:solidFill>
-                    <a:schemeClr val="tx1"/>
-                  </a:solidFill>
-                  <a:latin typeface="メイリオ" panose="020B0604030504040204" pitchFamily="50" charset="-128"/>
-                  <a:ea typeface="メイリオ" panose="020B0604030504040204" pitchFamily="50" charset="-128"/>
-                  <a:cs typeface="メイリオ" pitchFamily="50" charset="-128"/>
-                </a:rPr>
-                <a:t>dealloc</a:t>
-              </a:r>
-              <a:endParaRPr lang="en-US" altLang="ja-JP" sz="2800" dirty="0" smtClean="0">
+              <a:endParaRPr lang="ja-JP" altLang="en-US" sz="3600" dirty="0">
                 <a:solidFill>
                   <a:schemeClr val="tx1"/>
                 </a:solidFill>
@@ -5563,19 +5400,507 @@
         </p:sp>
         <p:sp>
           <p:nvSpPr>
-            <p:cNvPr id="66" name="正方形/長方形 65"/>
+            <p:cNvPr id="63" name="正方形/長方形 62"/>
             <p:cNvSpPr/>
             <p:nvPr/>
           </p:nvSpPr>
           <p:spPr bwMode="auto">
             <a:xfrm>
-              <a:off x="2903762" y="1873529"/>
-              <a:ext cx="1884138" cy="1120630"/>
+              <a:off x="7404102" y="2734767"/>
+              <a:ext cx="3824515" cy="606962"/>
             </a:xfrm>
             <a:prstGeom prst="rect">
               <a:avLst/>
             </a:prstGeom>
+            <a:noFill/>
             <a:ln>
+              <a:noFill/>
+              <a:headEnd type="none" w="med" len="med"/>
+              <a:tailEnd type="triangle" w="med" len="med"/>
+            </a:ln>
+            <a:extLst/>
+          </p:spPr>
+          <p:style>
+            <a:lnRef idx="2">
+              <a:schemeClr val="dk1"/>
+            </a:lnRef>
+            <a:fillRef idx="1">
+              <a:schemeClr val="lt1"/>
+            </a:fillRef>
+            <a:effectRef idx="0">
+              <a:schemeClr val="dk1"/>
+            </a:effectRef>
+            <a:fontRef idx="minor">
+              <a:schemeClr val="dk1"/>
+            </a:fontRef>
+          </p:style>
+          <p:txBody>
+            <a:bodyPr vert="horz" wrap="square" lIns="90000" tIns="46800" rIns="90000" bIns="46800" numCol="1" rtlCol="0" anchor="t" anchorCtr="0" compatLnSpc="1">
+              <a:prstTxWarp prst="textNoShape">
+                <a:avLst/>
+              </a:prstTxWarp>
+              <a:spAutoFit/>
+            </a:bodyPr>
+            <a:lstStyle/>
+            <a:p>
+              <a:pPr algn="ctr" defTabSz="914342" fontAlgn="base">
+                <a:lnSpc>
+                  <a:spcPct val="90000"/>
+                </a:lnSpc>
+                <a:spcBef>
+                  <a:spcPct val="20000"/>
+                </a:spcBef>
+                <a:spcAft>
+                  <a:spcPct val="0"/>
+                </a:spcAft>
+              </a:pPr>
+              <a:r>
+                <a:rPr lang="en-US" altLang="ja-JP" sz="3600" dirty="0">
+                  <a:solidFill>
+                    <a:schemeClr val="tx1"/>
+                  </a:solidFill>
+                  <a:latin typeface="メイリオ" panose="020B0604030504040204" pitchFamily="50" charset="-128"/>
+                  <a:ea typeface="メイリオ" panose="020B0604030504040204" pitchFamily="50" charset="-128"/>
+                  <a:cs typeface="メイリオ" pitchFamily="50" charset="-128"/>
+                </a:rPr>
+                <a:t>receive</a:t>
+              </a:r>
+              <a:endParaRPr lang="ja-JP" altLang="en-US" sz="3600" dirty="0">
+                <a:solidFill>
+                  <a:schemeClr val="tx1"/>
+                </a:solidFill>
+                <a:latin typeface="メイリオ" panose="020B0604030504040204" pitchFamily="50" charset="-128"/>
+                <a:ea typeface="メイリオ" panose="020B0604030504040204" pitchFamily="50" charset="-128"/>
+                <a:cs typeface="メイリオ" pitchFamily="50" charset="-128"/>
+              </a:endParaRPr>
+            </a:p>
+          </p:txBody>
+        </p:sp>
+        <p:grpSp>
+          <p:nvGrpSpPr>
+            <p:cNvPr id="64" name="グループ化 63"/>
+            <p:cNvGrpSpPr/>
+            <p:nvPr/>
+          </p:nvGrpSpPr>
+          <p:grpSpPr>
+            <a:xfrm>
+              <a:off x="6313717" y="3341727"/>
+              <a:ext cx="5702300" cy="1534875"/>
+              <a:chOff x="348342" y="1873529"/>
+              <a:chExt cx="4439558" cy="1120630"/>
+            </a:xfrm>
+          </p:grpSpPr>
+          <p:sp>
+            <p:nvSpPr>
+              <p:cNvPr id="65" name="正方形/長方形 64"/>
+              <p:cNvSpPr/>
+              <p:nvPr/>
+            </p:nvSpPr>
+            <p:spPr bwMode="auto">
+              <a:xfrm>
+                <a:off x="348342" y="1873529"/>
+                <a:ext cx="1887763" cy="1120629"/>
+              </a:xfrm>
+              <a:prstGeom prst="rect">
+                <a:avLst/>
+              </a:prstGeom>
+              <a:ln>
+                <a:headEnd type="none" w="med" len="med"/>
+                <a:tailEnd type="triangle" w="med" len="med"/>
+              </a:ln>
+              <a:extLst/>
+            </p:spPr>
+            <p:style>
+              <a:lnRef idx="2">
+                <a:schemeClr val="dk1"/>
+              </a:lnRef>
+              <a:fillRef idx="1">
+                <a:schemeClr val="lt1"/>
+              </a:fillRef>
+              <a:effectRef idx="0">
+                <a:schemeClr val="dk1"/>
+              </a:effectRef>
+              <a:fontRef idx="minor">
+                <a:schemeClr val="dk1"/>
+              </a:fontRef>
+            </p:style>
+            <p:txBody>
+              <a:bodyPr vert="horz" wrap="square" lIns="90000" tIns="46800" rIns="90000" bIns="46800" numCol="1" rtlCol="0" anchor="ctr" anchorCtr="0" compatLnSpc="1">
+                <a:prstTxWarp prst="textNoShape">
+                  <a:avLst/>
+                </a:prstTxWarp>
+                <a:noAutofit/>
+              </a:bodyPr>
+              <a:lstStyle/>
+              <a:p>
+                <a:pPr defTabSz="914342" fontAlgn="base">
+                  <a:lnSpc>
+                    <a:spcPct val="90000"/>
+                  </a:lnSpc>
+                  <a:spcBef>
+                    <a:spcPct val="20000"/>
+                  </a:spcBef>
+                  <a:spcAft>
+                    <a:spcPct val="0"/>
+                  </a:spcAft>
+                </a:pPr>
+                <a:r>
+                  <a:rPr lang="en-US" altLang="ja-JP" sz="2400" dirty="0">
+                    <a:solidFill>
+                      <a:schemeClr val="tx1"/>
+                    </a:solidFill>
+                    <a:latin typeface="メイリオ" panose="020B0604030504040204" pitchFamily="50" charset="-128"/>
+                    <a:ea typeface="メイリオ" panose="020B0604030504040204" pitchFamily="50" charset="-128"/>
+                    <a:cs typeface="メイリオ" pitchFamily="50" charset="-128"/>
+                  </a:rPr>
+                  <a:t>  1. </a:t>
+                </a:r>
+                <a:r>
+                  <a:rPr lang="en-US" altLang="ja-JP" sz="2400" dirty="0" err="1" smtClean="0">
+                    <a:solidFill>
+                      <a:schemeClr val="tx1"/>
+                    </a:solidFill>
+                    <a:latin typeface="メイリオ" panose="020B0604030504040204" pitchFamily="50" charset="-128"/>
+                    <a:ea typeface="メイリオ" panose="020B0604030504040204" pitchFamily="50" charset="-128"/>
+                    <a:cs typeface="メイリオ" pitchFamily="50" charset="-128"/>
+                  </a:rPr>
+                  <a:t>func</a:t>
+                </a:r>
+                <a:r>
+                  <a:rPr lang="en-US" altLang="ja-JP" sz="2400" dirty="0">
+                    <a:solidFill>
+                      <a:schemeClr val="tx1"/>
+                    </a:solidFill>
+                    <a:latin typeface="メイリオ" panose="020B0604030504040204" pitchFamily="50" charset="-128"/>
+                    <a:ea typeface="メイリオ" panose="020B0604030504040204" pitchFamily="50" charset="-128"/>
+                    <a:cs typeface="メイリオ" pitchFamily="50" charset="-128"/>
+                  </a:rPr>
+                  <a:t>()</a:t>
+                </a:r>
+              </a:p>
+              <a:p>
+                <a:pPr defTabSz="914342" fontAlgn="base">
+                  <a:lnSpc>
+                    <a:spcPct val="90000"/>
+                  </a:lnSpc>
+                  <a:spcBef>
+                    <a:spcPct val="20000"/>
+                  </a:spcBef>
+                  <a:spcAft>
+                    <a:spcPct val="0"/>
+                  </a:spcAft>
+                </a:pPr>
+                <a:r>
+                  <a:rPr lang="en-US" altLang="ja-JP" sz="2400" dirty="0">
+                    <a:solidFill>
+                      <a:schemeClr val="tx1"/>
+                    </a:solidFill>
+                    <a:latin typeface="メイリオ" panose="020B0604030504040204" pitchFamily="50" charset="-128"/>
+                    <a:ea typeface="メイリオ" panose="020B0604030504040204" pitchFamily="50" charset="-128"/>
+                    <a:cs typeface="メイリオ" pitchFamily="50" charset="-128"/>
+                  </a:rPr>
+                  <a:t>  4. </a:t>
+                </a:r>
+                <a:r>
+                  <a:rPr lang="en-US" altLang="ja-JP" sz="2400" dirty="0" err="1">
+                    <a:solidFill>
+                      <a:schemeClr val="tx1"/>
+                    </a:solidFill>
+                    <a:latin typeface="メイリオ" panose="020B0604030504040204" pitchFamily="50" charset="-128"/>
+                    <a:ea typeface="メイリオ" panose="020B0604030504040204" pitchFamily="50" charset="-128"/>
+                    <a:cs typeface="メイリオ" pitchFamily="50" charset="-128"/>
+                  </a:rPr>
+                  <a:t>dealloc</a:t>
+                </a:r>
+                <a:endParaRPr lang="en-US" altLang="ja-JP" sz="2400" dirty="0">
+                  <a:solidFill>
+                    <a:schemeClr val="tx1"/>
+                  </a:solidFill>
+                  <a:latin typeface="メイリオ" panose="020B0604030504040204" pitchFamily="50" charset="-128"/>
+                  <a:ea typeface="メイリオ" panose="020B0604030504040204" pitchFamily="50" charset="-128"/>
+                  <a:cs typeface="メイリオ" pitchFamily="50" charset="-128"/>
+                </a:endParaRPr>
+              </a:p>
+            </p:txBody>
+          </p:sp>
+          <p:sp>
+            <p:nvSpPr>
+              <p:cNvPr id="66" name="正方形/長方形 65"/>
+              <p:cNvSpPr/>
+              <p:nvPr/>
+            </p:nvSpPr>
+            <p:spPr bwMode="auto">
+              <a:xfrm>
+                <a:off x="2903762" y="1873529"/>
+                <a:ext cx="1884138" cy="1120630"/>
+              </a:xfrm>
+              <a:prstGeom prst="rect">
+                <a:avLst/>
+              </a:prstGeom>
+              <a:ln>
+                <a:headEnd type="none" w="med" len="med"/>
+                <a:tailEnd type="triangle" w="med" len="med"/>
+              </a:ln>
+              <a:extLst/>
+            </p:spPr>
+            <p:style>
+              <a:lnRef idx="2">
+                <a:schemeClr val="dk1"/>
+              </a:lnRef>
+              <a:fillRef idx="1">
+                <a:schemeClr val="lt1"/>
+              </a:fillRef>
+              <a:effectRef idx="0">
+                <a:schemeClr val="dk1"/>
+              </a:effectRef>
+              <a:fontRef idx="minor">
+                <a:schemeClr val="dk1"/>
+              </a:fontRef>
+            </p:style>
+            <p:txBody>
+              <a:bodyPr vert="horz" wrap="square" lIns="90000" tIns="46800" rIns="90000" bIns="46800" numCol="1" rtlCol="0" anchor="ctr" anchorCtr="0" compatLnSpc="1">
+                <a:prstTxWarp prst="textNoShape">
+                  <a:avLst/>
+                </a:prstTxWarp>
+                <a:noAutofit/>
+              </a:bodyPr>
+              <a:lstStyle/>
+              <a:p>
+                <a:pPr algn="ctr" defTabSz="914342" fontAlgn="base">
+                  <a:lnSpc>
+                    <a:spcPct val="90000"/>
+                  </a:lnSpc>
+                  <a:spcBef>
+                    <a:spcPct val="20000"/>
+                  </a:spcBef>
+                  <a:spcAft>
+                    <a:spcPct val="0"/>
+                  </a:spcAft>
+                </a:pPr>
+                <a:r>
+                  <a:rPr lang="en-US" altLang="ja-JP" sz="2400" dirty="0">
+                    <a:solidFill>
+                      <a:schemeClr val="tx1"/>
+                    </a:solidFill>
+                    <a:latin typeface="メイリオ" panose="020B0604030504040204" pitchFamily="50" charset="-128"/>
+                    <a:ea typeface="メイリオ" panose="020B0604030504040204" pitchFamily="50" charset="-128"/>
+                    <a:cs typeface="メイリオ" pitchFamily="50" charset="-128"/>
+                  </a:rPr>
+                  <a:t>2. </a:t>
+                </a:r>
+                <a:r>
+                  <a:rPr lang="en-US" altLang="ja-JP" sz="2400" dirty="0" err="1">
+                    <a:solidFill>
+                      <a:schemeClr val="tx1"/>
+                    </a:solidFill>
+                    <a:latin typeface="メイリオ" panose="020B0604030504040204" pitchFamily="50" charset="-128"/>
+                    <a:ea typeface="メイリオ" panose="020B0604030504040204" pitchFamily="50" charset="-128"/>
+                    <a:cs typeface="メイリオ" pitchFamily="50" charset="-128"/>
+                  </a:rPr>
+                  <a:t>alloc</a:t>
+                </a:r>
+                <a:r>
+                  <a:rPr lang="en-US" altLang="ja-JP" sz="2400" dirty="0">
+                    <a:solidFill>
+                      <a:schemeClr val="tx1"/>
+                    </a:solidFill>
+                    <a:latin typeface="メイリオ" panose="020B0604030504040204" pitchFamily="50" charset="-128"/>
+                    <a:ea typeface="メイリオ" panose="020B0604030504040204" pitchFamily="50" charset="-128"/>
+                    <a:cs typeface="メイリオ" pitchFamily="50" charset="-128"/>
+                  </a:rPr>
+                  <a:t>()</a:t>
+                </a:r>
+              </a:p>
+              <a:p>
+                <a:pPr algn="ctr" defTabSz="914342" fontAlgn="base">
+                  <a:lnSpc>
+                    <a:spcPct val="90000"/>
+                  </a:lnSpc>
+                  <a:spcBef>
+                    <a:spcPct val="20000"/>
+                  </a:spcBef>
+                  <a:spcAft>
+                    <a:spcPct val="0"/>
+                  </a:spcAft>
+                </a:pPr>
+                <a:r>
+                  <a:rPr lang="en-US" altLang="ja-JP" sz="2400" dirty="0">
+                    <a:solidFill>
+                      <a:schemeClr val="tx1"/>
+                    </a:solidFill>
+                    <a:latin typeface="メイリオ" panose="020B0604030504040204" pitchFamily="50" charset="-128"/>
+                    <a:ea typeface="メイリオ" panose="020B0604030504040204" pitchFamily="50" charset="-128"/>
+                    <a:cs typeface="メイリオ" pitchFamily="50" charset="-128"/>
+                  </a:rPr>
+                  <a:t>3. exec()</a:t>
+                </a:r>
+                <a:endParaRPr lang="en-US" altLang="ja-JP" sz="2400" dirty="0">
+                  <a:solidFill>
+                    <a:schemeClr val="tx1"/>
+                  </a:solidFill>
+                  <a:latin typeface="メイリオ" panose="020B0604030504040204" pitchFamily="50" charset="-128"/>
+                  <a:ea typeface="メイリオ" panose="020B0604030504040204" pitchFamily="50" charset="-128"/>
+                  <a:cs typeface="メイリオ" pitchFamily="50" charset="-128"/>
+                </a:endParaRPr>
+              </a:p>
+            </p:txBody>
+          </p:sp>
+          <p:sp>
+            <p:nvSpPr>
+              <p:cNvPr id="67" name="二等辺三角形 66"/>
+              <p:cNvSpPr/>
+              <p:nvPr/>
+            </p:nvSpPr>
+            <p:spPr bwMode="auto">
+              <a:xfrm rot="5400000" flipH="1">
+                <a:off x="2785479" y="2292805"/>
+                <a:ext cx="518645" cy="282079"/>
+              </a:xfrm>
+              <a:prstGeom prst="triangle">
+                <a:avLst/>
+              </a:prstGeom>
+              <a:solidFill>
+                <a:schemeClr val="tx1"/>
+              </a:solidFill>
+              <a:ln w="9525" cap="flat" cmpd="sng" algn="ctr">
+                <a:solidFill>
+                  <a:schemeClr val="tx1"/>
+                </a:solidFill>
+                <a:prstDash val="solid"/>
+                <a:round/>
+                <a:headEnd type="none" w="med" len="med"/>
+                <a:tailEnd type="triangle" w="med" len="med"/>
+              </a:ln>
+              <a:effectLst/>
+              <a:extLst/>
+            </p:spPr>
+            <p:txBody>
+              <a:bodyPr vert="horz" wrap="square" lIns="90000" tIns="46800" rIns="90000" bIns="46800" numCol="1" rtlCol="0" anchor="t" anchorCtr="0" compatLnSpc="1">
+                <a:prstTxWarp prst="textNoShape">
+                  <a:avLst/>
+                </a:prstTxWarp>
+                <a:spAutoFit/>
+              </a:bodyPr>
+              <a:lstStyle/>
+              <a:p>
+                <a:pPr defTabSz="914342" fontAlgn="base">
+                  <a:lnSpc>
+                    <a:spcPct val="90000"/>
+                  </a:lnSpc>
+                  <a:spcBef>
+                    <a:spcPct val="20000"/>
+                  </a:spcBef>
+                  <a:spcAft>
+                    <a:spcPct val="0"/>
+                  </a:spcAft>
+                </a:pPr>
+                <a:endParaRPr lang="ja-JP" altLang="en-US">
+                  <a:latin typeface="Times New Roman" pitchFamily="18" charset="0"/>
+                  <a:ea typeface="メイリオ" pitchFamily="50" charset="-128"/>
+                  <a:cs typeface="メイリオ" pitchFamily="50" charset="-128"/>
+                </a:endParaRPr>
+              </a:p>
+            </p:txBody>
+          </p:sp>
+          <p:cxnSp>
+            <p:nvCxnSpPr>
+              <p:cNvPr id="68" name="直線コネクタ 67"/>
+              <p:cNvCxnSpPr>
+                <a:stCxn id="65" idx="3"/>
+                <a:endCxn id="66" idx="1"/>
+              </p:cNvCxnSpPr>
+              <p:nvPr/>
+            </p:nvCxnSpPr>
+            <p:spPr bwMode="auto">
+              <a:xfrm>
+                <a:off x="2236105" y="2433844"/>
+                <a:ext cx="667657" cy="1"/>
+              </a:xfrm>
+              <a:prstGeom prst="line">
+                <a:avLst/>
+              </a:prstGeom>
+              <a:solidFill>
+                <a:schemeClr val="accent1"/>
+              </a:solidFill>
+              <a:ln w="9525" cap="flat" cmpd="sng" algn="ctr">
+                <a:solidFill>
+                  <a:schemeClr val="tx1"/>
+                </a:solidFill>
+                <a:prstDash val="solid"/>
+                <a:round/>
+                <a:headEnd type="none" w="med" len="med"/>
+                <a:tailEnd type="none" w="med" len="med"/>
+              </a:ln>
+              <a:effectLst/>
+              <a:extLst>
+                <a:ext uri="{AF507438-7753-43E0-B8FC-AC1667EBCBE1}">
+                  <a14:hiddenEffects xmlns:a14="http://schemas.microsoft.com/office/drawing/2010/main">
+                    <a:effectLst>
+                      <a:outerShdw dist="35921" dir="2700000" algn="ctr" rotWithShape="0">
+                        <a:schemeClr val="bg2"/>
+                      </a:outerShdw>
+                    </a:effectLst>
+                  </a14:hiddenEffects>
+                </a:ext>
+              </a:extLst>
+            </p:spPr>
+          </p:cxnSp>
+        </p:grpSp>
+        <p:sp>
+          <p:nvSpPr>
+            <p:cNvPr id="69" name="右矢印 68"/>
+            <p:cNvSpPr/>
+            <p:nvPr/>
+          </p:nvSpPr>
+          <p:spPr>
+            <a:xfrm rot="10800000">
+              <a:off x="2384624" y="5208023"/>
+              <a:ext cx="978408" cy="484632"/>
+            </a:xfrm>
+            <a:prstGeom prst="rightArrow">
+              <a:avLst/>
+            </a:prstGeom>
+          </p:spPr>
+          <p:style>
+            <a:lnRef idx="2">
+              <a:schemeClr val="dk1"/>
+            </a:lnRef>
+            <a:fillRef idx="1">
+              <a:schemeClr val="lt1"/>
+            </a:fillRef>
+            <a:effectRef idx="0">
+              <a:schemeClr val="dk1"/>
+            </a:effectRef>
+            <a:fontRef idx="minor">
+              <a:schemeClr val="dk1"/>
+            </a:fontRef>
+          </p:style>
+          <p:txBody>
+            <a:bodyPr rtlCol="0" anchor="ctr"/>
+            <a:lstStyle/>
+            <a:p>
+              <a:pPr algn="ctr"/>
+              <a:endParaRPr lang="ja-JP" altLang="en-US"/>
+            </a:p>
+          </p:txBody>
+        </p:sp>
+        <p:sp>
+          <p:nvSpPr>
+            <p:cNvPr id="70" name="正方形/長方形 69"/>
+            <p:cNvSpPr/>
+            <p:nvPr/>
+          </p:nvSpPr>
+          <p:spPr bwMode="auto">
+            <a:xfrm>
+              <a:off x="1929946" y="4876606"/>
+              <a:ext cx="1887764" cy="414583"/>
+            </a:xfrm>
+            <a:prstGeom prst="rect">
+              <a:avLst/>
+            </a:prstGeom>
+            <a:noFill/>
+            <a:ln>
+              <a:noFill/>
               <a:headEnd type="none" w="med" len="med"/>
               <a:tailEnd type="triangle" w="med" len="med"/>
             </a:ln>
@@ -5616,7 +5941,7 @@
                 </a:spcAft>
               </a:pPr>
               <a:r>
-                <a:rPr lang="en-US" altLang="ja-JP" sz="2800" dirty="0" smtClean="0">
+                <a:rPr lang="en-US" altLang="ja-JP" sz="2000" dirty="0">
                   <a:solidFill>
                     <a:schemeClr val="tx1"/>
                   </a:solidFill>
@@ -5624,31 +5949,101 @@
                   <a:ea typeface="メイリオ" panose="020B0604030504040204" pitchFamily="50" charset="-128"/>
                   <a:cs typeface="メイリオ" pitchFamily="50" charset="-128"/>
                 </a:rPr>
-                <a:t>2. </a:t>
+                <a:t>Data Flow</a:t>
               </a:r>
-              <a:r>
-                <a:rPr lang="en-US" altLang="ja-JP" sz="2800" dirty="0" err="1" smtClean="0">
-                  <a:solidFill>
-                    <a:schemeClr val="tx1"/>
-                  </a:solidFill>
-                  <a:latin typeface="メイリオ" panose="020B0604030504040204" pitchFamily="50" charset="-128"/>
-                  <a:ea typeface="メイリオ" panose="020B0604030504040204" pitchFamily="50" charset="-128"/>
-                  <a:cs typeface="メイリオ" pitchFamily="50" charset="-128"/>
-                </a:rPr>
-                <a:t>alloc</a:t>
-              </a:r>
-              <a:r>
-                <a:rPr lang="en-US" altLang="ja-JP" sz="2800" dirty="0" smtClean="0">
-                  <a:solidFill>
-                    <a:schemeClr val="tx1"/>
-                  </a:solidFill>
-                  <a:latin typeface="メイリオ" panose="020B0604030504040204" pitchFamily="50" charset="-128"/>
-                  <a:ea typeface="メイリオ" panose="020B0604030504040204" pitchFamily="50" charset="-128"/>
-                  <a:cs typeface="メイリオ" pitchFamily="50" charset="-128"/>
-                </a:rPr>
-                <a:t>()</a:t>
-              </a:r>
+              <a:endParaRPr lang="ja-JP" altLang="en-US" sz="2000" dirty="0">
+                <a:solidFill>
+                  <a:schemeClr val="tx1"/>
+                </a:solidFill>
+                <a:latin typeface="メイリオ" panose="020B0604030504040204" pitchFamily="50" charset="-128"/>
+                <a:ea typeface="メイリオ" panose="020B0604030504040204" pitchFamily="50" charset="-128"/>
+                <a:cs typeface="メイリオ" pitchFamily="50" charset="-128"/>
+              </a:endParaRPr>
             </a:p>
+          </p:txBody>
+        </p:sp>
+        <p:sp>
+          <p:nvSpPr>
+            <p:cNvPr id="71" name="右矢印 70"/>
+            <p:cNvSpPr/>
+            <p:nvPr/>
+          </p:nvSpPr>
+          <p:spPr>
+            <a:xfrm rot="10800000">
+              <a:off x="8828969" y="5213241"/>
+              <a:ext cx="978408" cy="484632"/>
+            </a:xfrm>
+            <a:prstGeom prst="rightArrow">
+              <a:avLst/>
+            </a:prstGeom>
+          </p:spPr>
+          <p:style>
+            <a:lnRef idx="2">
+              <a:schemeClr val="dk1"/>
+            </a:lnRef>
+            <a:fillRef idx="1">
+              <a:schemeClr val="lt1"/>
+            </a:fillRef>
+            <a:effectRef idx="0">
+              <a:schemeClr val="dk1"/>
+            </a:effectRef>
+            <a:fontRef idx="minor">
+              <a:schemeClr val="dk1"/>
+            </a:fontRef>
+          </p:style>
+          <p:txBody>
+            <a:bodyPr rtlCol="0" anchor="ctr"/>
+            <a:lstStyle/>
+            <a:p>
+              <a:pPr algn="ctr"/>
+              <a:endParaRPr lang="ja-JP" altLang="en-US"/>
+            </a:p>
+          </p:txBody>
+        </p:sp>
+        <p:sp>
+          <p:nvSpPr>
+            <p:cNvPr id="72" name="正方形/長方形 71"/>
+            <p:cNvSpPr/>
+            <p:nvPr/>
+          </p:nvSpPr>
+          <p:spPr bwMode="auto">
+            <a:xfrm>
+              <a:off x="8374291" y="4881824"/>
+              <a:ext cx="1887764" cy="414583"/>
+            </a:xfrm>
+            <a:prstGeom prst="rect">
+              <a:avLst/>
+            </a:prstGeom>
+            <a:noFill/>
+            <a:ln>
+              <a:noFill/>
+              <a:headEnd type="none" w="med" len="med"/>
+              <a:tailEnd type="triangle" w="med" len="med"/>
+            </a:ln>
+            <a:extLst/>
+          </p:spPr>
+          <p:style>
+            <a:lnRef idx="2">
+              <a:schemeClr val="dk1"/>
+            </a:lnRef>
+            <a:fillRef idx="1">
+              <a:schemeClr val="lt1"/>
+            </a:fillRef>
+            <a:effectRef idx="0">
+              <a:schemeClr val="dk1"/>
+            </a:effectRef>
+            <a:fontRef idx="minor">
+              <a:schemeClr val="dk1"/>
+            </a:fontRef>
+          </p:style>
+          <p:txBody>
+            <a:bodyPr vert="horz" wrap="square" lIns="90000" tIns="46800" rIns="90000" bIns="46800" numCol="1" rtlCol="0" anchor="ctr" anchorCtr="0" compatLnSpc="1">
+              <a:prstTxWarp prst="textNoShape">
+                <a:avLst/>
+              </a:prstTxWarp>
+              <a:noAutofit/>
+            </a:bodyPr>
+            <a:lstStyle/>
             <a:p>
               <a:pPr algn="ctr" defTabSz="914342" fontAlgn="base">
                 <a:lnSpc>
@@ -5662,7 +6057,7 @@
                 </a:spcAft>
               </a:pPr>
               <a:r>
-                <a:rPr lang="en-US" altLang="ja-JP" sz="2800" dirty="0" smtClean="0">
+                <a:rPr lang="en-US" altLang="ja-JP" sz="2000" dirty="0">
                   <a:solidFill>
                     <a:schemeClr val="tx1"/>
                   </a:solidFill>
@@ -5670,9 +6065,9 @@
                   <a:ea typeface="メイリオ" panose="020B0604030504040204" pitchFamily="50" charset="-128"/>
                   <a:cs typeface="メイリオ" pitchFamily="50" charset="-128"/>
                 </a:rPr>
-                <a:t>3. exec()</a:t>
+                <a:t>Data Flow</a:t>
               </a:r>
-              <a:endParaRPr lang="en-US" altLang="ja-JP" sz="2800" dirty="0">
+              <a:endParaRPr lang="ja-JP" altLang="en-US" sz="2000" dirty="0">
                 <a:solidFill>
                   <a:schemeClr val="tx1"/>
                 </a:solidFill>
@@ -5683,339 +6078,7 @@
             </a:p>
           </p:txBody>
         </p:sp>
-        <p:sp>
-          <p:nvSpPr>
-            <p:cNvPr id="67" name="二等辺三角形 66"/>
-            <p:cNvSpPr/>
-            <p:nvPr/>
-          </p:nvSpPr>
-          <p:spPr bwMode="auto">
-            <a:xfrm rot="5400000" flipH="1">
-              <a:off x="2772309" y="2305974"/>
-              <a:ext cx="518645" cy="255740"/>
-            </a:xfrm>
-            <a:prstGeom prst="triangle">
-              <a:avLst/>
-            </a:prstGeom>
-            <a:solidFill>
-              <a:schemeClr val="tx1"/>
-            </a:solidFill>
-            <a:ln w="9525" cap="flat" cmpd="sng" algn="ctr">
-              <a:solidFill>
-                <a:schemeClr val="tx1"/>
-              </a:solidFill>
-              <a:prstDash val="solid"/>
-              <a:round/>
-              <a:headEnd type="none" w="med" len="med"/>
-              <a:tailEnd type="triangle" w="med" len="med"/>
-            </a:ln>
-            <a:effectLst/>
-            <a:extLst/>
-          </p:spPr>
-          <p:txBody>
-            <a:bodyPr vert="horz" wrap="square" lIns="90000" tIns="46800" rIns="90000" bIns="46800" numCol="1" rtlCol="0" anchor="t" anchorCtr="0" compatLnSpc="1">
-              <a:prstTxWarp prst="textNoShape">
-                <a:avLst/>
-              </a:prstTxWarp>
-              <a:spAutoFit/>
-            </a:bodyPr>
-            <a:lstStyle/>
-            <a:p>
-              <a:pPr defTabSz="914342" fontAlgn="base">
-                <a:lnSpc>
-                  <a:spcPct val="90000"/>
-                </a:lnSpc>
-                <a:spcBef>
-                  <a:spcPct val="20000"/>
-                </a:spcBef>
-                <a:spcAft>
-                  <a:spcPct val="0"/>
-                </a:spcAft>
-              </a:pPr>
-              <a:endParaRPr lang="ja-JP" altLang="en-US">
-                <a:latin typeface="Times New Roman" pitchFamily="18" charset="0"/>
-                <a:ea typeface="メイリオ" pitchFamily="50" charset="-128"/>
-                <a:cs typeface="メイリオ" pitchFamily="50" charset="-128"/>
-              </a:endParaRPr>
-            </a:p>
-          </p:txBody>
-        </p:sp>
-        <p:cxnSp>
-          <p:nvCxnSpPr>
-            <p:cNvPr id="68" name="直線コネクタ 67"/>
-            <p:cNvCxnSpPr>
-              <a:stCxn id="65" idx="3"/>
-              <a:endCxn id="66" idx="1"/>
-            </p:cNvCxnSpPr>
-            <p:nvPr/>
-          </p:nvCxnSpPr>
-          <p:spPr bwMode="auto">
-            <a:xfrm>
-              <a:off x="2236105" y="2433844"/>
-              <a:ext cx="667657" cy="1"/>
-            </a:xfrm>
-            <a:prstGeom prst="line">
-              <a:avLst/>
-            </a:prstGeom>
-            <a:solidFill>
-              <a:schemeClr val="accent1"/>
-            </a:solidFill>
-            <a:ln w="9525" cap="flat" cmpd="sng" algn="ctr">
-              <a:solidFill>
-                <a:schemeClr val="tx1"/>
-              </a:solidFill>
-              <a:prstDash val="solid"/>
-              <a:round/>
-              <a:headEnd type="none" w="med" len="med"/>
-              <a:tailEnd type="none" w="med" len="med"/>
-            </a:ln>
-            <a:effectLst/>
-            <a:extLst>
-              <a:ext uri="{AF507438-7753-43E0-B8FC-AC1667EBCBE1}">
-                <a14:hiddenEffects xmlns:a14="http://schemas.microsoft.com/office/drawing/2010/main">
-                  <a:effectLst>
-                    <a:outerShdw dist="35921" dir="2700000" algn="ctr" rotWithShape="0">
-                      <a:schemeClr val="bg2"/>
-                    </a:outerShdw>
-                  </a:effectLst>
-                </a14:hiddenEffects>
-              </a:ext>
-            </a:extLst>
-          </p:spPr>
-        </p:cxnSp>
       </p:grpSp>
-      <p:sp>
-        <p:nvSpPr>
-          <p:cNvPr id="69" name="右矢印 68"/>
-          <p:cNvSpPr/>
-          <p:nvPr/>
-        </p:nvSpPr>
-        <p:spPr>
-          <a:xfrm rot="10800000">
-            <a:off x="2384624" y="6116867"/>
-            <a:ext cx="978408" cy="484632"/>
-          </a:xfrm>
-          <a:prstGeom prst="rightArrow">
-            <a:avLst/>
-          </a:prstGeom>
-        </p:spPr>
-        <p:style>
-          <a:lnRef idx="2">
-            <a:schemeClr val="dk1"/>
-          </a:lnRef>
-          <a:fillRef idx="1">
-            <a:schemeClr val="lt1"/>
-          </a:fillRef>
-          <a:effectRef idx="0">
-            <a:schemeClr val="dk1"/>
-          </a:effectRef>
-          <a:fontRef idx="minor">
-            <a:schemeClr val="dk1"/>
-          </a:fontRef>
-        </p:style>
-        <p:txBody>
-          <a:bodyPr rtlCol="0" anchor="ctr"/>
-          <a:lstStyle/>
-          <a:p>
-            <a:pPr algn="ctr"/>
-            <a:endParaRPr kumimoji="1" lang="ja-JP" altLang="en-US"/>
-          </a:p>
-        </p:txBody>
-      </p:sp>
-      <p:sp>
-        <p:nvSpPr>
-          <p:cNvPr id="70" name="正方形/長方形 69"/>
-          <p:cNvSpPr/>
-          <p:nvPr/>
-        </p:nvSpPr>
-        <p:spPr bwMode="auto">
-          <a:xfrm>
-            <a:off x="1929946" y="5785449"/>
-            <a:ext cx="1887764" cy="414583"/>
-          </a:xfrm>
-          <a:prstGeom prst="rect">
-            <a:avLst/>
-          </a:prstGeom>
-          <a:noFill/>
-          <a:ln>
-            <a:noFill/>
-            <a:headEnd type="none" w="med" len="med"/>
-            <a:tailEnd type="triangle" w="med" len="med"/>
-          </a:ln>
-          <a:extLst/>
-        </p:spPr>
-        <p:style>
-          <a:lnRef idx="2">
-            <a:schemeClr val="dk1"/>
-          </a:lnRef>
-          <a:fillRef idx="1">
-            <a:schemeClr val="lt1"/>
-          </a:fillRef>
-          <a:effectRef idx="0">
-            <a:schemeClr val="dk1"/>
-          </a:effectRef>
-          <a:fontRef idx="minor">
-            <a:schemeClr val="dk1"/>
-          </a:fontRef>
-        </p:style>
-        <p:txBody>
-          <a:bodyPr vert="horz" wrap="square" lIns="90000" tIns="46800" rIns="90000" bIns="46800" numCol="1" rtlCol="0" anchor="ctr" anchorCtr="0" compatLnSpc="1">
-            <a:prstTxWarp prst="textNoShape">
-              <a:avLst/>
-            </a:prstTxWarp>
-            <a:noAutofit/>
-          </a:bodyPr>
-          <a:lstStyle/>
-          <a:p>
-            <a:pPr algn="ctr" defTabSz="914342" fontAlgn="base">
-              <a:lnSpc>
-                <a:spcPct val="90000"/>
-              </a:lnSpc>
-              <a:spcBef>
-                <a:spcPct val="20000"/>
-              </a:spcBef>
-              <a:spcAft>
-                <a:spcPct val="0"/>
-              </a:spcAft>
-            </a:pPr>
-            <a:r>
-              <a:rPr lang="en-US" altLang="ja-JP" sz="2000" dirty="0" smtClean="0">
-                <a:solidFill>
-                  <a:schemeClr val="tx1"/>
-                </a:solidFill>
-                <a:latin typeface="メイリオ" panose="020B0604030504040204" pitchFamily="50" charset="-128"/>
-                <a:ea typeface="メイリオ" panose="020B0604030504040204" pitchFamily="50" charset="-128"/>
-                <a:cs typeface="メイリオ" pitchFamily="50" charset="-128"/>
-              </a:rPr>
-              <a:t>Data Flow</a:t>
-            </a:r>
-            <a:endParaRPr lang="ja-JP" altLang="en-US" sz="2000" dirty="0">
-              <a:solidFill>
-                <a:schemeClr val="tx1"/>
-              </a:solidFill>
-              <a:latin typeface="メイリオ" panose="020B0604030504040204" pitchFamily="50" charset="-128"/>
-              <a:ea typeface="メイリオ" panose="020B0604030504040204" pitchFamily="50" charset="-128"/>
-              <a:cs typeface="メイリオ" pitchFamily="50" charset="-128"/>
-            </a:endParaRPr>
-          </a:p>
-        </p:txBody>
-      </p:sp>
-      <p:sp>
-        <p:nvSpPr>
-          <p:cNvPr id="71" name="右矢印 70"/>
-          <p:cNvSpPr/>
-          <p:nvPr/>
-        </p:nvSpPr>
-        <p:spPr>
-          <a:xfrm rot="10800000">
-            <a:off x="8828969" y="6122085"/>
-            <a:ext cx="978408" cy="484632"/>
-          </a:xfrm>
-          <a:prstGeom prst="rightArrow">
-            <a:avLst/>
-          </a:prstGeom>
-        </p:spPr>
-        <p:style>
-          <a:lnRef idx="2">
-            <a:schemeClr val="dk1"/>
-          </a:lnRef>
-          <a:fillRef idx="1">
-            <a:schemeClr val="lt1"/>
-          </a:fillRef>
-          <a:effectRef idx="0">
-            <a:schemeClr val="dk1"/>
-          </a:effectRef>
-          <a:fontRef idx="minor">
-            <a:schemeClr val="dk1"/>
-          </a:fontRef>
-        </p:style>
-        <p:txBody>
-          <a:bodyPr rtlCol="0" anchor="ctr"/>
-          <a:lstStyle/>
-          <a:p>
-            <a:pPr algn="ctr"/>
-            <a:endParaRPr kumimoji="1" lang="ja-JP" altLang="en-US"/>
-          </a:p>
-        </p:txBody>
-      </p:sp>
-      <p:sp>
-        <p:nvSpPr>
-          <p:cNvPr id="72" name="正方形/長方形 71"/>
-          <p:cNvSpPr/>
-          <p:nvPr/>
-        </p:nvSpPr>
-        <p:spPr bwMode="auto">
-          <a:xfrm>
-            <a:off x="8374291" y="5790667"/>
-            <a:ext cx="1887764" cy="414583"/>
-          </a:xfrm>
-          <a:prstGeom prst="rect">
-            <a:avLst/>
-          </a:prstGeom>
-          <a:noFill/>
-          <a:ln>
-            <a:noFill/>
-            <a:headEnd type="none" w="med" len="med"/>
-            <a:tailEnd type="triangle" w="med" len="med"/>
-          </a:ln>
-          <a:extLst/>
-        </p:spPr>
-        <p:style>
-          <a:lnRef idx="2">
-            <a:schemeClr val="dk1"/>
-          </a:lnRef>
-          <a:fillRef idx="1">
-            <a:schemeClr val="lt1"/>
-          </a:fillRef>
-          <a:effectRef idx="0">
-            <a:schemeClr val="dk1"/>
-          </a:effectRef>
-          <a:fontRef idx="minor">
-            <a:schemeClr val="dk1"/>
-          </a:fontRef>
-        </p:style>
-        <p:txBody>
-          <a:bodyPr vert="horz" wrap="square" lIns="90000" tIns="46800" rIns="90000" bIns="46800" numCol="1" rtlCol="0" anchor="ctr" anchorCtr="0" compatLnSpc="1">
-            <a:prstTxWarp prst="textNoShape">
-              <a:avLst/>
-            </a:prstTxWarp>
-            <a:noAutofit/>
-          </a:bodyPr>
-          <a:lstStyle/>
-          <a:p>
-            <a:pPr algn="ctr" defTabSz="914342" fontAlgn="base">
-              <a:lnSpc>
-                <a:spcPct val="90000"/>
-              </a:lnSpc>
-              <a:spcBef>
-                <a:spcPct val="20000"/>
-              </a:spcBef>
-              <a:spcAft>
-                <a:spcPct val="0"/>
-              </a:spcAft>
-            </a:pPr>
-            <a:r>
-              <a:rPr lang="en-US" altLang="ja-JP" sz="2000" dirty="0" smtClean="0">
-                <a:solidFill>
-                  <a:schemeClr val="tx1"/>
-                </a:solidFill>
-                <a:latin typeface="メイリオ" panose="020B0604030504040204" pitchFamily="50" charset="-128"/>
-                <a:ea typeface="メイリオ" panose="020B0604030504040204" pitchFamily="50" charset="-128"/>
-                <a:cs typeface="メイリオ" pitchFamily="50" charset="-128"/>
-              </a:rPr>
-              <a:t>Data Flow</a:t>
-            </a:r>
-            <a:endParaRPr lang="ja-JP" altLang="en-US" sz="2000" dirty="0">
-              <a:solidFill>
-                <a:schemeClr val="tx1"/>
-              </a:solidFill>
-              <a:latin typeface="メイリオ" panose="020B0604030504040204" pitchFamily="50" charset="-128"/>
-              <a:ea typeface="メイリオ" panose="020B0604030504040204" pitchFamily="50" charset="-128"/>
-              <a:cs typeface="メイリオ" pitchFamily="50" charset="-128"/>
-            </a:endParaRPr>
-          </a:p>
-        </p:txBody>
-      </p:sp>
     </p:spTree>
     <p:extLst>
       <p:ext uri="{BB962C8B-B14F-4D97-AF65-F5344CB8AC3E}">
@@ -6032,7 +6095,7 @@
 <file path=ppt/theme/theme1.xml><?xml version="1.0" encoding="utf-8"?>
 <a:theme xmlns:a="http://schemas.openxmlformats.org/drawingml/2006/main" name="Office テーマ">
   <a:themeElements>
-    <a:clrScheme name="Office">
+    <a:clrScheme name="Office テーマ">
       <a:dk1>
         <a:sysClr val="windowText" lastClr="000000"/>
       </a:dk1>
@@ -6070,14 +6133,14 @@
         <a:srgbClr val="954F72"/>
       </a:folHlink>
     </a:clrScheme>
-    <a:fontScheme name="Office">
+    <a:fontScheme name="Office テーマ">
       <a:majorFont>
         <a:latin typeface="Calibri Light" panose="020F0302020204030204"/>
         <a:ea typeface=""/>
         <a:cs typeface=""/>
-        <a:font script="Jpan" typeface="ＭＳ Ｐゴシック"/>
+        <a:font script="Jpan" typeface="游ゴシック Light"/>
         <a:font script="Hang" typeface="맑은 고딕"/>
-        <a:font script="Hans" typeface="宋体"/>
+        <a:font script="Hans" typeface="等线 Light"/>
         <a:font script="Hant" typeface="新細明體"/>
         <a:font script="Arab" typeface="Times New Roman"/>
         <a:font script="Hebr" typeface="Times New Roman"/>
@@ -6110,9 +6173,9 @@
         <a:latin typeface="Calibri" panose="020F0502020204030204"/>
         <a:ea typeface=""/>
         <a:cs typeface=""/>
-        <a:font script="Jpan" typeface="ＭＳ Ｐゴシック"/>
+        <a:font script="Jpan" typeface="游ゴシック"/>
         <a:font script="Hang" typeface="맑은 고딕"/>
-        <a:font script="Hans" typeface="宋体"/>
+        <a:font script="Hans" typeface="等线"/>
         <a:font script="Hant" typeface="新細明體"/>
         <a:font script="Arab" typeface="Arial"/>
         <a:font script="Hebr" typeface="Arial"/>
@@ -6142,7 +6205,7 @@
         <a:font script="Geor" typeface="Sylfaen"/>
       </a:minorFont>
     </a:fontScheme>
-    <a:fmtScheme name="Office">
+    <a:fmtScheme name="Office テーマ">
       <a:fillStyleLst>
         <a:solidFill>
           <a:schemeClr val="phClr"/>
